--- a/module_final/story.pptx
+++ b/module_final/story.pptx
@@ -2,7 +2,7 @@
 <file path=ppt/presentation.xml><?xml version="1.0" encoding="utf-8"?>
 <p:presentation xmlns:a="http://schemas.openxmlformats.org/drawingml/2006/main" xmlns:r="http://schemas.openxmlformats.org/officeDocument/2006/relationships" xmlns:p="http://schemas.openxmlformats.org/presentationml/2006/main" saveSubsetFonts="1">
   <p:sldMasterIdLst>
-    <p:sldMasterId id="2147483648" r:id="rId1"/>
+    <p:sldMasterId id="2147483660" r:id="rId1"/>
   </p:sldMasterIdLst>
   <p:sldIdLst>
     <p:sldId id="256" r:id="rId2"/>
@@ -13,19 +13,26 @@
     <p:sldId id="276" r:id="rId7"/>
     <p:sldId id="260" r:id="rId8"/>
     <p:sldId id="261" r:id="rId9"/>
-    <p:sldId id="263" r:id="rId10"/>
-    <p:sldId id="264" r:id="rId11"/>
-    <p:sldId id="265" r:id="rId12"/>
-    <p:sldId id="266" r:id="rId13"/>
-    <p:sldId id="267" r:id="rId14"/>
-    <p:sldId id="268" r:id="rId15"/>
-    <p:sldId id="269" r:id="rId16"/>
-    <p:sldId id="270" r:id="rId17"/>
-    <p:sldId id="271" r:id="rId18"/>
-    <p:sldId id="272" r:id="rId19"/>
-    <p:sldId id="273" r:id="rId20"/>
-    <p:sldId id="274" r:id="rId21"/>
-    <p:sldId id="275" r:id="rId22"/>
+    <p:sldId id="277" r:id="rId10"/>
+    <p:sldId id="278" r:id="rId11"/>
+    <p:sldId id="279" r:id="rId12"/>
+    <p:sldId id="280" r:id="rId13"/>
+    <p:sldId id="263" r:id="rId14"/>
+    <p:sldId id="264" r:id="rId15"/>
+    <p:sldId id="265" r:id="rId16"/>
+    <p:sldId id="266" r:id="rId17"/>
+    <p:sldId id="267" r:id="rId18"/>
+    <p:sldId id="268" r:id="rId19"/>
+    <p:sldId id="269" r:id="rId20"/>
+    <p:sldId id="270" r:id="rId21"/>
+    <p:sldId id="271" r:id="rId22"/>
+    <p:sldId id="281" r:id="rId23"/>
+    <p:sldId id="272" r:id="rId24"/>
+    <p:sldId id="273" r:id="rId25"/>
+    <p:sldId id="274" r:id="rId26"/>
+    <p:sldId id="275" r:id="rId27"/>
+    <p:sldId id="282" r:id="rId28"/>
+    <p:sldId id="283" r:id="rId29"/>
   </p:sldIdLst>
   <p:sldSz cx="12192000" cy="6858000"/>
   <p:notesSz cx="6858000" cy="9144000"/>
@@ -263,7 +270,7 @@
           <a:p>
             <a:fld id="{6A4CA34F-5C27-433B-90D3-6F86F55972B7}" type="datetimeFigureOut">
               <a:rPr lang="ru-RU" smtClean="0"/>
-              <a:t>21.09.2022</a:t>
+              <a:t>22.09.2022</a:t>
             </a:fld>
             <a:endParaRPr lang="ru-RU"/>
           </a:p>
@@ -314,7 +321,7 @@
     </p:spTree>
     <p:extLst>
       <p:ext uri="{BB962C8B-B14F-4D97-AF65-F5344CB8AC3E}">
-        <p14:creationId xmlns:p14="http://schemas.microsoft.com/office/powerpoint/2010/main" val="3433013497"/>
+        <p14:creationId xmlns:p14="http://schemas.microsoft.com/office/powerpoint/2010/main" val="1135772834"/>
       </p:ext>
     </p:extLst>
   </p:cSld>
@@ -433,7 +440,7 @@
           <a:p>
             <a:fld id="{6A4CA34F-5C27-433B-90D3-6F86F55972B7}" type="datetimeFigureOut">
               <a:rPr lang="ru-RU" smtClean="0"/>
-              <a:t>21.09.2022</a:t>
+              <a:t>22.09.2022</a:t>
             </a:fld>
             <a:endParaRPr lang="ru-RU"/>
           </a:p>
@@ -484,7 +491,7 @@
     </p:spTree>
     <p:extLst>
       <p:ext uri="{BB962C8B-B14F-4D97-AF65-F5344CB8AC3E}">
-        <p14:creationId xmlns:p14="http://schemas.microsoft.com/office/powerpoint/2010/main" val="3392004966"/>
+        <p14:creationId xmlns:p14="http://schemas.microsoft.com/office/powerpoint/2010/main" val="208451208"/>
       </p:ext>
     </p:extLst>
   </p:cSld>
@@ -613,7 +620,7 @@
           <a:p>
             <a:fld id="{6A4CA34F-5C27-433B-90D3-6F86F55972B7}" type="datetimeFigureOut">
               <a:rPr lang="ru-RU" smtClean="0"/>
-              <a:t>21.09.2022</a:t>
+              <a:t>22.09.2022</a:t>
             </a:fld>
             <a:endParaRPr lang="ru-RU"/>
           </a:p>
@@ -664,7 +671,7 @@
     </p:spTree>
     <p:extLst>
       <p:ext uri="{BB962C8B-B14F-4D97-AF65-F5344CB8AC3E}">
-        <p14:creationId xmlns:p14="http://schemas.microsoft.com/office/powerpoint/2010/main" val="2007384368"/>
+        <p14:creationId xmlns:p14="http://schemas.microsoft.com/office/powerpoint/2010/main" val="3690434486"/>
       </p:ext>
     </p:extLst>
   </p:cSld>
@@ -783,7 +790,7 @@
           <a:p>
             <a:fld id="{6A4CA34F-5C27-433B-90D3-6F86F55972B7}" type="datetimeFigureOut">
               <a:rPr lang="ru-RU" smtClean="0"/>
-              <a:t>21.09.2022</a:t>
+              <a:t>22.09.2022</a:t>
             </a:fld>
             <a:endParaRPr lang="ru-RU"/>
           </a:p>
@@ -834,7 +841,7 @@
     </p:spTree>
     <p:extLst>
       <p:ext uri="{BB962C8B-B14F-4D97-AF65-F5344CB8AC3E}">
-        <p14:creationId xmlns:p14="http://schemas.microsoft.com/office/powerpoint/2010/main" val="3272095562"/>
+        <p14:creationId xmlns:p14="http://schemas.microsoft.com/office/powerpoint/2010/main" val="1384161470"/>
       </p:ext>
     </p:extLst>
   </p:cSld>
@@ -1029,7 +1036,7 @@
           <a:p>
             <a:fld id="{6A4CA34F-5C27-433B-90D3-6F86F55972B7}" type="datetimeFigureOut">
               <a:rPr lang="ru-RU" smtClean="0"/>
-              <a:t>21.09.2022</a:t>
+              <a:t>22.09.2022</a:t>
             </a:fld>
             <a:endParaRPr lang="ru-RU"/>
           </a:p>
@@ -1080,7 +1087,7 @@
     </p:spTree>
     <p:extLst>
       <p:ext uri="{BB962C8B-B14F-4D97-AF65-F5344CB8AC3E}">
-        <p14:creationId xmlns:p14="http://schemas.microsoft.com/office/powerpoint/2010/main" val="974697951"/>
+        <p14:creationId xmlns:p14="http://schemas.microsoft.com/office/powerpoint/2010/main" val="359672983"/>
       </p:ext>
     </p:extLst>
   </p:cSld>
@@ -1261,7 +1268,7 @@
           <a:p>
             <a:fld id="{6A4CA34F-5C27-433B-90D3-6F86F55972B7}" type="datetimeFigureOut">
               <a:rPr lang="ru-RU" smtClean="0"/>
-              <a:t>21.09.2022</a:t>
+              <a:t>22.09.2022</a:t>
             </a:fld>
             <a:endParaRPr lang="ru-RU"/>
           </a:p>
@@ -1312,7 +1319,7 @@
     </p:spTree>
     <p:extLst>
       <p:ext uri="{BB962C8B-B14F-4D97-AF65-F5344CB8AC3E}">
-        <p14:creationId xmlns:p14="http://schemas.microsoft.com/office/powerpoint/2010/main" val="4113468745"/>
+        <p14:creationId xmlns:p14="http://schemas.microsoft.com/office/powerpoint/2010/main" val="386695484"/>
       </p:ext>
     </p:extLst>
   </p:cSld>
@@ -1628,7 +1635,7 @@
           <a:p>
             <a:fld id="{6A4CA34F-5C27-433B-90D3-6F86F55972B7}" type="datetimeFigureOut">
               <a:rPr lang="ru-RU" smtClean="0"/>
-              <a:t>21.09.2022</a:t>
+              <a:t>22.09.2022</a:t>
             </a:fld>
             <a:endParaRPr lang="ru-RU"/>
           </a:p>
@@ -1679,7 +1686,7 @@
     </p:spTree>
     <p:extLst>
       <p:ext uri="{BB962C8B-B14F-4D97-AF65-F5344CB8AC3E}">
-        <p14:creationId xmlns:p14="http://schemas.microsoft.com/office/powerpoint/2010/main" val="3613219089"/>
+        <p14:creationId xmlns:p14="http://schemas.microsoft.com/office/powerpoint/2010/main" val="1554434548"/>
       </p:ext>
     </p:extLst>
   </p:cSld>
@@ -1746,7 +1753,7 @@
           <a:p>
             <a:fld id="{6A4CA34F-5C27-433B-90D3-6F86F55972B7}" type="datetimeFigureOut">
               <a:rPr lang="ru-RU" smtClean="0"/>
-              <a:t>21.09.2022</a:t>
+              <a:t>22.09.2022</a:t>
             </a:fld>
             <a:endParaRPr lang="ru-RU"/>
           </a:p>
@@ -1797,7 +1804,7 @@
     </p:spTree>
     <p:extLst>
       <p:ext uri="{BB962C8B-B14F-4D97-AF65-F5344CB8AC3E}">
-        <p14:creationId xmlns:p14="http://schemas.microsoft.com/office/powerpoint/2010/main" val="666351328"/>
+        <p14:creationId xmlns:p14="http://schemas.microsoft.com/office/powerpoint/2010/main" val="31376889"/>
       </p:ext>
     </p:extLst>
   </p:cSld>
@@ -1841,7 +1848,7 @@
           <a:p>
             <a:fld id="{6A4CA34F-5C27-433B-90D3-6F86F55972B7}" type="datetimeFigureOut">
               <a:rPr lang="ru-RU" smtClean="0"/>
-              <a:t>21.09.2022</a:t>
+              <a:t>22.09.2022</a:t>
             </a:fld>
             <a:endParaRPr lang="ru-RU"/>
           </a:p>
@@ -1892,7 +1899,7 @@
     </p:spTree>
     <p:extLst>
       <p:ext uri="{BB962C8B-B14F-4D97-AF65-F5344CB8AC3E}">
-        <p14:creationId xmlns:p14="http://schemas.microsoft.com/office/powerpoint/2010/main" val="1661852426"/>
+        <p14:creationId xmlns:p14="http://schemas.microsoft.com/office/powerpoint/2010/main" val="1278786829"/>
       </p:ext>
     </p:extLst>
   </p:cSld>
@@ -2118,7 +2125,7 @@
           <a:p>
             <a:fld id="{6A4CA34F-5C27-433B-90D3-6F86F55972B7}" type="datetimeFigureOut">
               <a:rPr lang="ru-RU" smtClean="0"/>
-              <a:t>21.09.2022</a:t>
+              <a:t>22.09.2022</a:t>
             </a:fld>
             <a:endParaRPr lang="ru-RU"/>
           </a:p>
@@ -2169,7 +2176,7 @@
     </p:spTree>
     <p:extLst>
       <p:ext uri="{BB962C8B-B14F-4D97-AF65-F5344CB8AC3E}">
-        <p14:creationId xmlns:p14="http://schemas.microsoft.com/office/powerpoint/2010/main" val="144494292"/>
+        <p14:creationId xmlns:p14="http://schemas.microsoft.com/office/powerpoint/2010/main" val="719768035"/>
       </p:ext>
     </p:extLst>
   </p:cSld>
@@ -2371,7 +2378,7 @@
           <a:p>
             <a:fld id="{6A4CA34F-5C27-433B-90D3-6F86F55972B7}" type="datetimeFigureOut">
               <a:rPr lang="ru-RU" smtClean="0"/>
-              <a:t>21.09.2022</a:t>
+              <a:t>22.09.2022</a:t>
             </a:fld>
             <a:endParaRPr lang="ru-RU"/>
           </a:p>
@@ -2422,7 +2429,7 @@
     </p:spTree>
     <p:extLst>
       <p:ext uri="{BB962C8B-B14F-4D97-AF65-F5344CB8AC3E}">
-        <p14:creationId xmlns:p14="http://schemas.microsoft.com/office/powerpoint/2010/main" val="1906376712"/>
+        <p14:creationId xmlns:p14="http://schemas.microsoft.com/office/powerpoint/2010/main" val="1718147437"/>
       </p:ext>
     </p:extLst>
   </p:cSld>
@@ -2584,7 +2591,7 @@
           <a:p>
             <a:fld id="{6A4CA34F-5C27-433B-90D3-6F86F55972B7}" type="datetimeFigureOut">
               <a:rPr lang="ru-RU" smtClean="0"/>
-              <a:t>21.09.2022</a:t>
+              <a:t>22.09.2022</a:t>
             </a:fld>
             <a:endParaRPr lang="ru-RU"/>
           </a:p>
@@ -2671,23 +2678,23 @@
     </p:spTree>
     <p:extLst>
       <p:ext uri="{BB962C8B-B14F-4D97-AF65-F5344CB8AC3E}">
-        <p14:creationId xmlns:p14="http://schemas.microsoft.com/office/powerpoint/2010/main" val="4167074412"/>
+        <p14:creationId xmlns:p14="http://schemas.microsoft.com/office/powerpoint/2010/main" val="3046224362"/>
       </p:ext>
     </p:extLst>
   </p:cSld>
   <p:clrMap bg1="lt1" tx1="dk1" bg2="lt2" tx2="dk2" accent1="accent1" accent2="accent2" accent3="accent3" accent4="accent4" accent5="accent5" accent6="accent6" hlink="hlink" folHlink="folHlink"/>
   <p:sldLayoutIdLst>
-    <p:sldLayoutId id="2147483649" r:id="rId1"/>
-    <p:sldLayoutId id="2147483650" r:id="rId2"/>
-    <p:sldLayoutId id="2147483651" r:id="rId3"/>
-    <p:sldLayoutId id="2147483652" r:id="rId4"/>
-    <p:sldLayoutId id="2147483653" r:id="rId5"/>
-    <p:sldLayoutId id="2147483654" r:id="rId6"/>
-    <p:sldLayoutId id="2147483655" r:id="rId7"/>
-    <p:sldLayoutId id="2147483656" r:id="rId8"/>
-    <p:sldLayoutId id="2147483657" r:id="rId9"/>
-    <p:sldLayoutId id="2147483658" r:id="rId10"/>
-    <p:sldLayoutId id="2147483659" r:id="rId11"/>
+    <p:sldLayoutId id="2147483661" r:id="rId1"/>
+    <p:sldLayoutId id="2147483662" r:id="rId2"/>
+    <p:sldLayoutId id="2147483663" r:id="rId3"/>
+    <p:sldLayoutId id="2147483664" r:id="rId4"/>
+    <p:sldLayoutId id="2147483665" r:id="rId5"/>
+    <p:sldLayoutId id="2147483666" r:id="rId6"/>
+    <p:sldLayoutId id="2147483667" r:id="rId7"/>
+    <p:sldLayoutId id="2147483668" r:id="rId8"/>
+    <p:sldLayoutId id="2147483669" r:id="rId9"/>
+    <p:sldLayoutId id="2147483670" r:id="rId10"/>
+    <p:sldLayoutId id="2147483671" r:id="rId11"/>
   </p:sldLayoutIdLst>
   <p:txStyles>
     <p:titleStyle>
@@ -3026,19 +3033,30 @@
         </p:nvSpPr>
         <p:spPr/>
         <p:txBody>
-          <a:bodyPr/>
-          <a:lstStyle/>
-          <a:p>
-            <a:endParaRPr lang="en-US" smtClean="0"/>
-          </a:p>
-          <a:p>
-            <a:r>
-              <a:rPr lang="ru-RU" dirty="0" smtClean="0"/>
-              <a:t>Опушнев </a:t>
-            </a:r>
-            <a:r>
-              <a:rPr lang="ru-RU" dirty="0" smtClean="0"/>
-              <a:t>Степан, 2022 г.</a:t>
+          <a:bodyPr>
+            <a:normAutofit lnSpcReduction="10000"/>
+          </a:bodyPr>
+          <a:lstStyle/>
+          <a:p>
+            <a:endParaRPr lang="en-US" dirty="0" smtClean="0"/>
+          </a:p>
+          <a:p>
+            <a:r>
+              <a:rPr lang="en-US" dirty="0" smtClean="0"/>
+              <a:t>https</a:t>
+            </a:r>
+            <a:r>
+              <a:rPr lang="en-US" dirty="0"/>
+              <a:t>://github.com/sau114/skillfactory_rds/tree/main/module_final</a:t>
+            </a:r>
+          </a:p>
+          <a:p>
+            <a:endParaRPr lang="en-US" dirty="0" smtClean="0"/>
+          </a:p>
+          <a:p>
+            <a:r>
+              <a:rPr lang="ru-RU" dirty="0" smtClean="0"/>
+              <a:t>Опушнев Степан, 2022 г.</a:t>
             </a:r>
             <a:endParaRPr lang="ru-RU" dirty="0"/>
           </a:p>
@@ -3091,107 +3109,70 @@
           <a:p>
             <a:r>
               <a:rPr lang="ru-RU" dirty="0" smtClean="0"/>
-              <a:t>Классификация алгоритмов</a:t>
+              <a:t>Посмотрим на </a:t>
+            </a:r>
+            <a:r>
+              <a:rPr lang="en-US" dirty="0" smtClean="0"/>
+              <a:t>TEP</a:t>
             </a:r>
             <a:endParaRPr lang="ru-RU" dirty="0"/>
           </a:p>
         </p:txBody>
       </p:sp>
-      <p:sp>
-        <p:nvSpPr>
-          <p:cNvPr id="3" name="Объект 2"/>
-          <p:cNvSpPr>
-            <a:spLocks noGrp="1"/>
-          </p:cNvSpPr>
+      <p:pic>
+        <p:nvPicPr>
+          <p:cNvPr id="5" name="Объект 4"/>
+          <p:cNvPicPr>
+            <a:picLocks noGrp="1" noChangeAspect="1"/>
+          </p:cNvPicPr>
           <p:nvPr>
             <p:ph idx="1"/>
           </p:nvPr>
-        </p:nvSpPr>
-        <p:spPr/>
-        <p:txBody>
-          <a:bodyPr/>
-          <a:lstStyle/>
-          <a:p>
-            <a:r>
-              <a:rPr lang="ru-RU" dirty="0" smtClean="0"/>
-              <a:t>Ошибка представления:</a:t>
-            </a:r>
-            <a:br>
-              <a:rPr lang="ru-RU" dirty="0" smtClean="0"/>
-            </a:br>
-            <a:r>
-              <a:rPr lang="ru-RU" dirty="0" smtClean="0"/>
-              <a:t>- запоминание границ</a:t>
-            </a:r>
-            <a:br>
-              <a:rPr lang="ru-RU" dirty="0" smtClean="0"/>
-            </a:br>
-            <a:r>
-              <a:rPr lang="ru-RU" dirty="0" smtClean="0"/>
-              <a:t>- метод главных компонент </a:t>
-            </a:r>
-            <a:r>
-              <a:rPr lang="en-US" dirty="0" smtClean="0"/>
-              <a:t>(PCA)</a:t>
-            </a:r>
-            <a:r>
-              <a:rPr lang="ru-RU" dirty="0" smtClean="0"/>
-              <a:t/>
-            </a:r>
-            <a:br>
-              <a:rPr lang="ru-RU" dirty="0" smtClean="0"/>
-            </a:br>
-            <a:r>
-              <a:rPr lang="en-US" dirty="0" smtClean="0"/>
-              <a:t>- </a:t>
-            </a:r>
-            <a:r>
-              <a:rPr lang="ru-RU" dirty="0" smtClean="0"/>
-              <a:t>решающие деревья </a:t>
-            </a:r>
-            <a:r>
-              <a:rPr lang="en-US" dirty="0" smtClean="0"/>
-              <a:t>(Isolation Forest, Robust Random Cut Forest)</a:t>
-            </a:r>
-            <a:endParaRPr lang="ru-RU" dirty="0" smtClean="0"/>
-          </a:p>
-          <a:p>
-            <a:r>
-              <a:rPr lang="ru-RU" dirty="0" smtClean="0"/>
-              <a:t>Ошибка предсказания</a:t>
-            </a:r>
-            <a:r>
-              <a:rPr lang="en-US" dirty="0" smtClean="0"/>
-              <a:t>:</a:t>
-            </a:r>
-            <a:br>
-              <a:rPr lang="en-US" dirty="0" smtClean="0"/>
-            </a:br>
-            <a:r>
-              <a:rPr lang="en-US" dirty="0" smtClean="0"/>
-              <a:t>- </a:t>
-            </a:r>
-            <a:r>
-              <a:rPr lang="ru-RU" dirty="0" smtClean="0"/>
-              <a:t>линейные</a:t>
-            </a:r>
-            <a:br>
-              <a:rPr lang="ru-RU" dirty="0" smtClean="0"/>
-            </a:br>
-            <a:r>
-              <a:rPr lang="ru-RU" dirty="0" smtClean="0"/>
-              <a:t>- нелинейные</a:t>
-            </a:r>
-          </a:p>
-          <a:p>
-            <a:endParaRPr lang="ru-RU" dirty="0" smtClean="0"/>
-          </a:p>
-        </p:txBody>
-      </p:sp>
+        </p:nvPicPr>
+        <p:blipFill>
+          <a:blip r:embed="rId2"/>
+          <a:stretch>
+            <a:fillRect/>
+          </a:stretch>
+        </p:blipFill>
+        <p:spPr>
+          <a:xfrm>
+            <a:off x="234527" y="1800911"/>
+            <a:ext cx="5861473" cy="4351338"/>
+          </a:xfrm>
+          <a:prstGeom prst="rect">
+            <a:avLst/>
+          </a:prstGeom>
+        </p:spPr>
+      </p:pic>
+      <p:pic>
+        <p:nvPicPr>
+          <p:cNvPr id="7" name="Рисунок 6"/>
+          <p:cNvPicPr>
+            <a:picLocks noChangeAspect="1"/>
+          </p:cNvPicPr>
+          <p:nvPr/>
+        </p:nvPicPr>
+        <p:blipFill>
+          <a:blip r:embed="rId3"/>
+          <a:stretch>
+            <a:fillRect/>
+          </a:stretch>
+        </p:blipFill>
+        <p:spPr>
+          <a:xfrm>
+            <a:off x="6096000" y="1800911"/>
+            <a:ext cx="5700584" cy="4245116"/>
+          </a:xfrm>
+          <a:prstGeom prst="rect">
+            <a:avLst/>
+          </a:prstGeom>
+        </p:spPr>
+      </p:pic>
     </p:spTree>
     <p:extLst>
       <p:ext uri="{BB962C8B-B14F-4D97-AF65-F5344CB8AC3E}">
-        <p14:creationId xmlns:p14="http://schemas.microsoft.com/office/powerpoint/2010/main" val="3404695863"/>
+        <p14:creationId xmlns:p14="http://schemas.microsoft.com/office/powerpoint/2010/main" val="3802799871"/>
       </p:ext>
     </p:extLst>
   </p:cSld>
@@ -3235,126 +3216,70 @@
           <a:p>
             <a:r>
               <a:rPr lang="ru-RU" dirty="0" smtClean="0"/>
-              <a:t>Стратегия исследования</a:t>
-            </a:r>
-            <a:endParaRPr lang="ru-RU" dirty="0"/>
-          </a:p>
-        </p:txBody>
-      </p:sp>
-      <p:sp>
-        <p:nvSpPr>
-          <p:cNvPr id="3" name="Объект 2"/>
-          <p:cNvSpPr>
-            <a:spLocks noGrp="1"/>
-          </p:cNvSpPr>
-          <p:nvPr>
-            <p:ph idx="1"/>
-          </p:nvPr>
-        </p:nvSpPr>
-        <p:spPr/>
-        <p:txBody>
-          <a:bodyPr/>
-          <a:lstStyle/>
-          <a:p>
-            <a:pPr marL="0" indent="0">
-              <a:buNone/>
-            </a:pPr>
-            <a:r>
-              <a:rPr lang="ru-RU" dirty="0" smtClean="0"/>
-              <a:t>На </a:t>
-            </a:r>
-            <a:r>
-              <a:rPr lang="en-US" dirty="0" smtClean="0"/>
-              <a:t>GHL </a:t>
-            </a:r>
-            <a:r>
-              <a:rPr lang="ru-RU" dirty="0" smtClean="0"/>
-              <a:t>и </a:t>
-            </a:r>
-            <a:r>
-              <a:rPr lang="en-US" dirty="0" smtClean="0"/>
-              <a:t>TEP:</a:t>
-            </a:r>
-            <a:endParaRPr lang="ru-RU" dirty="0" smtClean="0"/>
-          </a:p>
-          <a:p>
-            <a:r>
-              <a:rPr lang="ru-RU" dirty="0" smtClean="0"/>
-              <a:t>Проверить работоспособность алгоритмов</a:t>
-            </a:r>
-          </a:p>
-          <a:p>
-            <a:r>
-              <a:rPr lang="ru-RU" dirty="0" smtClean="0"/>
-              <a:t>Подобрать хорошо работающие параметры </a:t>
-            </a:r>
-            <a:r>
-              <a:rPr lang="ru-RU" dirty="0" err="1" smtClean="0"/>
-              <a:t>по-умолчанию</a:t>
-            </a:r>
-            <a:endParaRPr lang="ru-RU" dirty="0" smtClean="0"/>
-          </a:p>
-          <a:p>
-            <a:r>
-              <a:rPr lang="ru-RU" dirty="0" smtClean="0"/>
-              <a:t>Проверить </a:t>
-            </a:r>
-            <a:r>
-              <a:rPr lang="ru-RU" dirty="0" err="1" smtClean="0"/>
-              <a:t>ансамблирование</a:t>
-            </a:r>
-            <a:endParaRPr lang="ru-RU" dirty="0" smtClean="0"/>
-          </a:p>
-          <a:p>
-            <a:r>
-              <a:rPr lang="ru-RU" dirty="0" smtClean="0"/>
-              <a:t>Подобрать параметры </a:t>
-            </a:r>
-            <a:r>
-              <a:rPr lang="ru-RU" dirty="0" err="1" smtClean="0"/>
-              <a:t>ансамблирования</a:t>
-            </a:r>
-            <a:endParaRPr lang="ru-RU" dirty="0" smtClean="0"/>
-          </a:p>
-          <a:p>
-            <a:pPr marL="0" indent="0">
-              <a:buNone/>
-            </a:pPr>
-            <a:r>
-              <a:rPr lang="ru-RU" dirty="0" smtClean="0"/>
-              <a:t>На </a:t>
-            </a:r>
-            <a:r>
-              <a:rPr lang="en-US" dirty="0" smtClean="0"/>
-              <a:t>GHL, TEP, </a:t>
+              <a:t>Посмотрим на </a:t>
             </a:r>
             <a:r>
               <a:rPr lang="en-US" dirty="0" err="1" smtClean="0"/>
               <a:t>SWaT</a:t>
             </a:r>
-            <a:r>
-              <a:rPr lang="en-US" dirty="0" smtClean="0"/>
-              <a:t>:</a:t>
-            </a:r>
-          </a:p>
-          <a:p>
-            <a:r>
-              <a:rPr lang="ru-RU" dirty="0" smtClean="0"/>
-              <a:t>Провести финальную проверку</a:t>
-            </a:r>
-          </a:p>
-          <a:p>
-            <a:pPr marL="0" indent="0">
-              <a:buNone/>
-            </a:pPr>
             <a:endParaRPr lang="ru-RU" dirty="0"/>
           </a:p>
         </p:txBody>
       </p:sp>
+      <p:pic>
+        <p:nvPicPr>
+          <p:cNvPr id="7" name="Объект 6"/>
+          <p:cNvPicPr>
+            <a:picLocks noGrp="1" noChangeAspect="1"/>
+          </p:cNvPicPr>
+          <p:nvPr>
+            <p:ph idx="1"/>
+          </p:nvPr>
+        </p:nvPicPr>
+        <p:blipFill>
+          <a:blip r:embed="rId2"/>
+          <a:stretch>
+            <a:fillRect/>
+          </a:stretch>
+        </p:blipFill>
+        <p:spPr>
+          <a:xfrm>
+            <a:off x="4601967" y="1825622"/>
+            <a:ext cx="7135456" cy="4351338"/>
+          </a:xfrm>
+          <a:prstGeom prst="rect">
+            <a:avLst/>
+          </a:prstGeom>
+        </p:spPr>
+      </p:pic>
+      <p:pic>
+        <p:nvPicPr>
+          <p:cNvPr id="6" name="Рисунок 5"/>
+          <p:cNvPicPr>
+            <a:picLocks noChangeAspect="1"/>
+          </p:cNvPicPr>
+          <p:nvPr/>
+        </p:nvPicPr>
+        <p:blipFill>
+          <a:blip r:embed="rId3"/>
+          <a:stretch>
+            <a:fillRect/>
+          </a:stretch>
+        </p:blipFill>
+        <p:spPr>
+          <a:xfrm>
+            <a:off x="335693" y="2393325"/>
+            <a:ext cx="4266274" cy="3215933"/>
+          </a:xfrm>
+          <a:prstGeom prst="rect">
+            <a:avLst/>
+          </a:prstGeom>
+        </p:spPr>
+      </p:pic>
     </p:spTree>
     <p:extLst>
       <p:ext uri="{BB962C8B-B14F-4D97-AF65-F5344CB8AC3E}">
-        <p14:creationId xmlns:p14="http://schemas.microsoft.com/office/powerpoint/2010/main" val="2502755669"/>
+        <p14:creationId xmlns:p14="http://schemas.microsoft.com/office/powerpoint/2010/main" val="2451900191"/>
       </p:ext>
     </p:extLst>
   </p:cSld>
@@ -3397,70 +3322,71 @@
           <a:lstStyle/>
           <a:p>
             <a:r>
-              <a:rPr lang="en-US" dirty="0" err="1" smtClean="0"/>
-              <a:t>DirectLimitWatchman</a:t>
+              <a:rPr lang="ru-RU" dirty="0"/>
+              <a:t>Посмотрим на </a:t>
+            </a:r>
+            <a:r>
+              <a:rPr lang="en-US" dirty="0" err="1"/>
+              <a:t>SWaT</a:t>
             </a:r>
             <a:endParaRPr lang="ru-RU" dirty="0"/>
           </a:p>
         </p:txBody>
       </p:sp>
-      <p:sp>
-        <p:nvSpPr>
-          <p:cNvPr id="3" name="Объект 2"/>
-          <p:cNvSpPr>
-            <a:spLocks noGrp="1"/>
-          </p:cNvSpPr>
+      <p:pic>
+        <p:nvPicPr>
+          <p:cNvPr id="4" name="Объект 3"/>
+          <p:cNvPicPr>
+            <a:picLocks noGrp="1" noChangeAspect="1"/>
+          </p:cNvPicPr>
           <p:nvPr>
             <p:ph idx="1"/>
           </p:nvPr>
-        </p:nvSpPr>
-        <p:spPr/>
-        <p:txBody>
-          <a:bodyPr/>
-          <a:lstStyle/>
-          <a:p>
-            <a:pPr marL="0" indent="0">
-              <a:buNone/>
-            </a:pPr>
-            <a:r>
-              <a:rPr lang="ru-RU" dirty="0" smtClean="0"/>
-              <a:t>Идея:</a:t>
-            </a:r>
-          </a:p>
-          <a:p>
-            <a:r>
-              <a:rPr lang="ru-RU" dirty="0" smtClean="0"/>
-              <a:t>Запоминает граничные значения признаков</a:t>
-            </a:r>
-          </a:p>
-          <a:p>
-            <a:r>
-              <a:rPr lang="ru-RU" dirty="0" smtClean="0"/>
-              <a:t>Считает неисправностью значения, выходящие за границы</a:t>
-            </a:r>
-          </a:p>
-          <a:p>
-            <a:pPr marL="0" indent="0">
-              <a:buNone/>
-            </a:pPr>
-            <a:r>
-              <a:rPr lang="ru-RU" dirty="0" smtClean="0"/>
-              <a:t>Результат:</a:t>
-            </a:r>
-          </a:p>
-          <a:p>
-            <a:r>
-              <a:rPr lang="ru-RU" dirty="0" smtClean="0"/>
-              <a:t>Предсказание по каждому признаку</a:t>
-            </a:r>
-            <a:endParaRPr lang="ru-RU" dirty="0"/>
-          </a:p>
-        </p:txBody>
-      </p:sp>
+        </p:nvPicPr>
+        <p:blipFill>
+          <a:blip r:embed="rId2"/>
+          <a:stretch>
+            <a:fillRect/>
+          </a:stretch>
+        </p:blipFill>
+        <p:spPr>
+          <a:xfrm>
+            <a:off x="270719" y="1759722"/>
+            <a:ext cx="5825281" cy="4351338"/>
+          </a:xfrm>
+          <a:prstGeom prst="rect">
+            <a:avLst/>
+          </a:prstGeom>
+        </p:spPr>
+      </p:pic>
+      <p:pic>
+        <p:nvPicPr>
+          <p:cNvPr id="5" name="Рисунок 4"/>
+          <p:cNvPicPr>
+            <a:picLocks noChangeAspect="1"/>
+          </p:cNvPicPr>
+          <p:nvPr/>
+        </p:nvPicPr>
+        <p:blipFill>
+          <a:blip r:embed="rId3"/>
+          <a:stretch>
+            <a:fillRect/>
+          </a:stretch>
+        </p:blipFill>
+        <p:spPr>
+          <a:xfrm>
+            <a:off x="6096000" y="1759722"/>
+            <a:ext cx="5873652" cy="4351338"/>
+          </a:xfrm>
+          <a:prstGeom prst="rect">
+            <a:avLst/>
+          </a:prstGeom>
+        </p:spPr>
+      </p:pic>
     </p:spTree>
     <p:extLst>
       <p:ext uri="{BB962C8B-B14F-4D97-AF65-F5344CB8AC3E}">
-        <p14:creationId xmlns:p14="http://schemas.microsoft.com/office/powerpoint/2010/main" val="1901199425"/>
+        <p14:creationId xmlns:p14="http://schemas.microsoft.com/office/powerpoint/2010/main" val="1321921244"/>
       </p:ext>
     </p:extLst>
   </p:cSld>
@@ -3503,81 +3429,108 @@
           <a:lstStyle/>
           <a:p>
             <a:r>
+              <a:rPr lang="ru-RU" dirty="0" smtClean="0"/>
+              <a:t>Критерии выбора алгоритмов</a:t>
+            </a:r>
+            <a:endParaRPr lang="ru-RU" dirty="0"/>
+          </a:p>
+        </p:txBody>
+      </p:sp>
+      <p:sp>
+        <p:nvSpPr>
+          <p:cNvPr id="3" name="Объект 2"/>
+          <p:cNvSpPr>
+            <a:spLocks noGrp="1"/>
+          </p:cNvSpPr>
+          <p:nvPr>
+            <p:ph idx="1"/>
+          </p:nvPr>
+        </p:nvSpPr>
+        <p:spPr/>
+        <p:txBody>
+          <a:bodyPr/>
+          <a:lstStyle/>
+          <a:p>
+            <a:r>
+              <a:rPr lang="ru-RU" dirty="0" smtClean="0"/>
+              <a:t>Быстродействие</a:t>
+            </a:r>
+            <a:r>
+              <a:rPr lang="en-US" dirty="0" smtClean="0"/>
+              <a:t> </a:t>
+            </a:r>
+            <a:r>
+              <a:rPr lang="ru-RU" dirty="0" smtClean="0"/>
+              <a:t>(алгоритма, доступной имплементации)</a:t>
+            </a:r>
+          </a:p>
+          <a:p>
+            <a:r>
+              <a:rPr lang="ru-RU" dirty="0" smtClean="0"/>
+              <a:t>Нетребовательность к ресурсам (</a:t>
+            </a:r>
+            <a:r>
+              <a:rPr lang="en-US" dirty="0" smtClean="0"/>
+              <a:t>CPU, RAM, HDD)</a:t>
+            </a:r>
+            <a:endParaRPr lang="ru-RU" dirty="0" smtClean="0"/>
+          </a:p>
+          <a:p>
+            <a:r>
+              <a:rPr lang="ru-RU" dirty="0" smtClean="0"/>
+              <a:t>Обучение по нескольким файлам</a:t>
+            </a:r>
+            <a:r>
+              <a:rPr lang="en-US" dirty="0" smtClean="0"/>
+              <a:t> (</a:t>
+            </a:r>
+            <a:r>
               <a:rPr lang="en-US" dirty="0" err="1" smtClean="0"/>
-              <a:t>PcaLimitWatchman</a:t>
-            </a:r>
-            <a:endParaRPr lang="ru-RU" dirty="0"/>
-          </a:p>
-        </p:txBody>
-      </p:sp>
-      <p:sp>
-        <p:nvSpPr>
-          <p:cNvPr id="3" name="Объект 2"/>
-          <p:cNvSpPr>
-            <a:spLocks noGrp="1"/>
-          </p:cNvSpPr>
-          <p:nvPr>
-            <p:ph idx="1"/>
-          </p:nvPr>
-        </p:nvSpPr>
-        <p:spPr/>
-        <p:txBody>
-          <a:bodyPr/>
-          <a:lstStyle/>
-          <a:p>
-            <a:pPr marL="0" indent="0">
-              <a:buNone/>
-            </a:pPr>
-            <a:r>
-              <a:rPr lang="ru-RU" dirty="0" smtClean="0"/>
-              <a:t>Идея:</a:t>
-            </a:r>
-          </a:p>
-          <a:p>
-            <a:r>
-              <a:rPr lang="ru-RU" dirty="0" smtClean="0"/>
-              <a:t>Преобразует данные в пространство главных компонент</a:t>
-            </a:r>
-          </a:p>
-          <a:p>
-            <a:r>
-              <a:rPr lang="ru-RU" dirty="0" smtClean="0"/>
-              <a:t>Запоминает граничные значения</a:t>
-            </a:r>
-          </a:p>
-          <a:p>
-            <a:r>
-              <a:rPr lang="ru-RU" dirty="0" smtClean="0"/>
-              <a:t>Считает квадратичную ошибку представления (</a:t>
+              <a:t>partial_fit</a:t>
             </a:r>
             <a:r>
               <a:rPr lang="en-US" dirty="0" smtClean="0"/>
-              <a:t>PMSE)</a:t>
+              <a:t>, </a:t>
+            </a:r>
+            <a:r>
+              <a:rPr lang="en-US" dirty="0" err="1" smtClean="0"/>
+              <a:t>warm_start</a:t>
+            </a:r>
+            <a:r>
+              <a:rPr lang="en-US" dirty="0" smtClean="0"/>
+              <a:t> </a:t>
+            </a:r>
+            <a:r>
+              <a:rPr lang="ru-RU" dirty="0" smtClean="0"/>
+              <a:t>и т.п.</a:t>
+            </a:r>
+            <a:r>
+              <a:rPr lang="en-US" dirty="0" smtClean="0"/>
+              <a:t>)</a:t>
             </a:r>
             <a:endParaRPr lang="ru-RU" dirty="0" smtClean="0"/>
           </a:p>
           <a:p>
             <a:r>
               <a:rPr lang="ru-RU" dirty="0" smtClean="0"/>
-              <a:t>Считает неисправностью значения главных компонент и </a:t>
-            </a:r>
-            <a:r>
-              <a:rPr lang="en-US" dirty="0" smtClean="0"/>
-              <a:t>PMSE</a:t>
-            </a:r>
-            <a:r>
-              <a:rPr lang="ru-RU" dirty="0" smtClean="0"/>
-              <a:t>, выходящие за границы</a:t>
-            </a:r>
-          </a:p>
-          <a:p>
-            <a:r>
-              <a:rPr lang="ru-RU" dirty="0" smtClean="0"/>
-              <a:t>Предсказание по каждой компоненте и</a:t>
-            </a:r>
-            <a:r>
-              <a:rPr lang="en-US" dirty="0" smtClean="0"/>
-              <a:t> PMSE</a:t>
+              <a:t>Возможность </a:t>
+            </a:r>
+            <a:r>
+              <a:rPr lang="ru-RU" dirty="0" err="1" smtClean="0"/>
+              <a:t>дообучения</a:t>
+            </a:r>
+            <a:endParaRPr lang="ru-RU" dirty="0" smtClean="0"/>
+          </a:p>
+          <a:p>
+            <a:r>
+              <a:rPr lang="ru-RU" dirty="0" smtClean="0"/>
+              <a:t>Хорошая работа с параметрами по умолчанию</a:t>
+            </a:r>
+          </a:p>
+          <a:p>
+            <a:r>
+              <a:rPr lang="ru-RU" dirty="0" smtClean="0"/>
+              <a:t>Перспективы интерпретации результата</a:t>
             </a:r>
             <a:endParaRPr lang="ru-RU" dirty="0"/>
           </a:p>
@@ -3586,7 +3539,7 @@
     </p:spTree>
     <p:extLst>
       <p:ext uri="{BB962C8B-B14F-4D97-AF65-F5344CB8AC3E}">
-        <p14:creationId xmlns:p14="http://schemas.microsoft.com/office/powerpoint/2010/main" val="776003530"/>
+        <p14:creationId xmlns:p14="http://schemas.microsoft.com/office/powerpoint/2010/main" val="718974540"/>
       </p:ext>
     </p:extLst>
   </p:cSld>
@@ -3629,8 +3582,8 @@
           <a:lstStyle/>
           <a:p>
             <a:r>
-              <a:rPr lang="en-US" dirty="0" err="1" smtClean="0"/>
-              <a:t>IsoForestWatchman</a:t>
+              <a:rPr lang="ru-RU" dirty="0" smtClean="0"/>
+              <a:t>Классификация алгоритмов</a:t>
             </a:r>
             <a:endParaRPr lang="ru-RU" dirty="0"/>
           </a:p>
@@ -3651,54 +3604,86 @@
           <a:bodyPr/>
           <a:lstStyle/>
           <a:p>
-            <a:pPr marL="0" indent="0">
-              <a:buNone/>
-            </a:pPr>
-            <a:r>
-              <a:rPr lang="ru-RU" dirty="0" smtClean="0"/>
-              <a:t>Идея:</a:t>
-            </a:r>
-          </a:p>
-          <a:p>
-            <a:r>
-              <a:rPr lang="ru-RU" dirty="0" smtClean="0"/>
-              <a:t>Данные случайно разбиваются по случайным признакам</a:t>
-            </a:r>
-          </a:p>
-          <a:p>
-            <a:r>
-              <a:rPr lang="ru-RU" dirty="0" smtClean="0"/>
-              <a:t>Строится лес разбивающих деревьев</a:t>
-            </a:r>
-          </a:p>
-          <a:p>
-            <a:r>
-              <a:rPr lang="ru-RU" dirty="0" smtClean="0"/>
-              <a:t>Чем проще отделить наблюдение, тем больше вероятность, что это аномалия</a:t>
-            </a:r>
-          </a:p>
-          <a:p>
-            <a:pPr marL="0" indent="0">
-              <a:buNone/>
-            </a:pPr>
-            <a:r>
-              <a:rPr lang="ru-RU" dirty="0" smtClean="0"/>
-              <a:t>Результат:</a:t>
-            </a:r>
-          </a:p>
-          <a:p>
-            <a:r>
-              <a:rPr lang="ru-RU" dirty="0" smtClean="0"/>
-              <a:t>Предсказание аномалии общее</a:t>
-            </a:r>
-            <a:endParaRPr lang="ru-RU" dirty="0"/>
+            <a:r>
+              <a:rPr lang="ru-RU" dirty="0" smtClean="0"/>
+              <a:t>Ошибка представления:</a:t>
+            </a:r>
+            <a:br>
+              <a:rPr lang="ru-RU" dirty="0" smtClean="0"/>
+            </a:br>
+            <a:r>
+              <a:rPr lang="ru-RU" dirty="0" smtClean="0"/>
+              <a:t>- запоминание границ «как есть»</a:t>
+            </a:r>
+            <a:br>
+              <a:rPr lang="ru-RU" dirty="0" smtClean="0"/>
+            </a:br>
+            <a:r>
+              <a:rPr lang="ru-RU" dirty="0" smtClean="0"/>
+              <a:t>- метод главных компонент </a:t>
+            </a:r>
+            <a:r>
+              <a:rPr lang="en-US" dirty="0" smtClean="0"/>
+              <a:t>(PCA)</a:t>
+            </a:r>
+            <a:r>
+              <a:rPr lang="ru-RU" dirty="0" smtClean="0"/>
+              <a:t/>
+            </a:r>
+            <a:br>
+              <a:rPr lang="ru-RU" dirty="0" smtClean="0"/>
+            </a:br>
+            <a:r>
+              <a:rPr lang="en-US" dirty="0" smtClean="0"/>
+              <a:t>- </a:t>
+            </a:r>
+            <a:r>
+              <a:rPr lang="ru-RU" dirty="0" smtClean="0"/>
+              <a:t>решающие деревья </a:t>
+            </a:r>
+            <a:r>
+              <a:rPr lang="en-US" dirty="0" smtClean="0"/>
+              <a:t>(Isolation Forest)</a:t>
+            </a:r>
+            <a:endParaRPr lang="ru-RU" dirty="0" smtClean="0"/>
+          </a:p>
+          <a:p>
+            <a:r>
+              <a:rPr lang="ru-RU" dirty="0" smtClean="0"/>
+              <a:t>Ошибка предсказания</a:t>
+            </a:r>
+            <a:r>
+              <a:rPr lang="en-US" dirty="0" smtClean="0"/>
+              <a:t>:</a:t>
+            </a:r>
+            <a:br>
+              <a:rPr lang="en-US" dirty="0" smtClean="0"/>
+            </a:br>
+            <a:r>
+              <a:rPr lang="en-US" dirty="0" smtClean="0"/>
+              <a:t>- </a:t>
+            </a:r>
+            <a:r>
+              <a:rPr lang="ru-RU" dirty="0" smtClean="0"/>
+              <a:t>линейные методы</a:t>
+            </a:r>
+            <a:br>
+              <a:rPr lang="ru-RU" dirty="0" smtClean="0"/>
+            </a:br>
+            <a:r>
+              <a:rPr lang="ru-RU" dirty="0" smtClean="0"/>
+              <a:t>- нелинейные методы</a:t>
+            </a:r>
+          </a:p>
+          <a:p>
+            <a:endParaRPr lang="ru-RU" dirty="0" smtClean="0"/>
           </a:p>
         </p:txBody>
       </p:sp>
     </p:spTree>
     <p:extLst>
       <p:ext uri="{BB962C8B-B14F-4D97-AF65-F5344CB8AC3E}">
-        <p14:creationId xmlns:p14="http://schemas.microsoft.com/office/powerpoint/2010/main" val="3836279469"/>
+        <p14:creationId xmlns:p14="http://schemas.microsoft.com/office/powerpoint/2010/main" val="3404695863"/>
       </p:ext>
     </p:extLst>
   </p:cSld>
@@ -3741,8 +3726,8 @@
           <a:lstStyle/>
           <a:p>
             <a:r>
-              <a:rPr lang="en-US" dirty="0" err="1" smtClean="0"/>
-              <a:t>LinearPredictWatchman</a:t>
+              <a:rPr lang="ru-RU" dirty="0" smtClean="0"/>
+              <a:t>Стратегия исследования</a:t>
             </a:r>
             <a:endParaRPr lang="ru-RU" dirty="0"/>
           </a:p>
@@ -3760,9 +3745,7 @@
         </p:nvSpPr>
         <p:spPr/>
         <p:txBody>
-          <a:bodyPr>
-            <a:normAutofit fontScale="92500" lnSpcReduction="10000"/>
-          </a:bodyPr>
+          <a:bodyPr/>
           <a:lstStyle/>
           <a:p>
             <a:pPr marL="0" indent="0">
@@ -3770,45 +3753,60 @@
             </a:pPr>
             <a:r>
               <a:rPr lang="ru-RU" dirty="0" smtClean="0"/>
-              <a:t>Идея:</a:t>
-            </a:r>
-            <a:endParaRPr lang="en-US" dirty="0" smtClean="0"/>
-          </a:p>
-          <a:p>
-            <a:r>
-              <a:rPr lang="ru-RU" dirty="0" smtClean="0"/>
-              <a:t>Значение признака предсказывается, как линейная комбинация признаков на предыдущем наблюдении</a:t>
-            </a:r>
-          </a:p>
-          <a:p>
-            <a:r>
-              <a:rPr lang="ru-RU" dirty="0" smtClean="0"/>
-              <a:t>Предсказываются только непрерывные признаки</a:t>
-            </a:r>
-          </a:p>
-          <a:p>
-            <a:r>
-              <a:rPr lang="ru-RU" dirty="0" smtClean="0"/>
-              <a:t>Предсказатель по каждому признаку обучается независимо по алгоритму линейной регрессии</a:t>
-            </a:r>
-          </a:p>
-          <a:p>
-            <a:r>
-              <a:rPr lang="ru-RU" dirty="0" smtClean="0"/>
-              <a:t>Запоминает границы ошибки предсказания и </a:t>
+              <a:t>На </a:t>
             </a:r>
             <a:r>
               <a:rPr lang="en-US" dirty="0" smtClean="0"/>
-              <a:t>PMSE</a:t>
+              <a:t>GHL </a:t>
+            </a:r>
+            <a:r>
+              <a:rPr lang="ru-RU" dirty="0" smtClean="0"/>
+              <a:t>и </a:t>
+            </a:r>
+            <a:r>
+              <a:rPr lang="en-US" dirty="0" smtClean="0"/>
+              <a:t>TEP:</a:t>
             </a:r>
             <a:endParaRPr lang="ru-RU" dirty="0" smtClean="0"/>
           </a:p>
           <a:p>
             <a:r>
               <a:rPr lang="ru-RU" dirty="0" smtClean="0"/>
-              <a:t>Считает аномалией значения, выходящие за границы</a:t>
-            </a:r>
-            <a:endParaRPr lang="en-US" dirty="0" smtClean="0"/>
+              <a:t>Проверить работоспособность алгоритмов</a:t>
+            </a:r>
+          </a:p>
+          <a:p>
+            <a:r>
+              <a:rPr lang="ru-RU" dirty="0" smtClean="0"/>
+              <a:t>Подобрать хорошо работающие параметры </a:t>
+            </a:r>
+            <a:r>
+              <a:rPr lang="ru-RU" dirty="0" err="1" smtClean="0"/>
+              <a:t>по-умолчанию</a:t>
+            </a:r>
+            <a:endParaRPr lang="ru-RU" dirty="0" smtClean="0"/>
+          </a:p>
+          <a:p>
+            <a:r>
+              <a:rPr lang="ru-RU" dirty="0" smtClean="0"/>
+              <a:t>Проверить </a:t>
+            </a:r>
+            <a:r>
+              <a:rPr lang="ru-RU" dirty="0" err="1" smtClean="0"/>
+              <a:t>ансамблирование</a:t>
+            </a:r>
+            <a:endParaRPr lang="ru-RU" dirty="0" smtClean="0"/>
+          </a:p>
+          <a:p>
+            <a:r>
+              <a:rPr lang="ru-RU" dirty="0" smtClean="0"/>
+              <a:t>Подобрать параметры </a:t>
+            </a:r>
+            <a:r>
+              <a:rPr lang="ru-RU" dirty="0" err="1" smtClean="0"/>
+              <a:t>ансамблирования</a:t>
+            </a:r>
+            <a:endParaRPr lang="ru-RU" dirty="0" smtClean="0"/>
           </a:p>
           <a:p>
             <a:pPr marL="0" indent="0">
@@ -3816,18 +3814,31 @@
             </a:pPr>
             <a:r>
               <a:rPr lang="ru-RU" dirty="0" smtClean="0"/>
-              <a:t>Результат:</a:t>
-            </a:r>
-          </a:p>
-          <a:p>
-            <a:r>
-              <a:rPr lang="ru-RU" dirty="0" smtClean="0"/>
-              <a:t>Предсказание по каждому непрерывному признаку и </a:t>
+              <a:t>На </a:t>
             </a:r>
             <a:r>
               <a:rPr lang="en-US" dirty="0" smtClean="0"/>
-              <a:t>PMSE</a:t>
-            </a:r>
+              <a:t>GHL, TEP, </a:t>
+            </a:r>
+            <a:r>
+              <a:rPr lang="en-US" dirty="0" err="1" smtClean="0"/>
+              <a:t>SWaT</a:t>
+            </a:r>
+            <a:r>
+              <a:rPr lang="en-US" dirty="0" smtClean="0"/>
+              <a:t>:</a:t>
+            </a:r>
+          </a:p>
+          <a:p>
+            <a:r>
+              <a:rPr lang="ru-RU" dirty="0" smtClean="0"/>
+              <a:t>Провести финальную проверку</a:t>
+            </a:r>
+          </a:p>
+          <a:p>
+            <a:pPr marL="0" indent="0">
+              <a:buNone/>
+            </a:pPr>
             <a:endParaRPr lang="ru-RU" dirty="0"/>
           </a:p>
         </p:txBody>
@@ -3835,7 +3846,7 @@
     </p:spTree>
     <p:extLst>
       <p:ext uri="{BB962C8B-B14F-4D97-AF65-F5344CB8AC3E}">
-        <p14:creationId xmlns:p14="http://schemas.microsoft.com/office/powerpoint/2010/main" val="3605697954"/>
+        <p14:creationId xmlns:p14="http://schemas.microsoft.com/office/powerpoint/2010/main" val="2502755669"/>
       </p:ext>
     </p:extLst>
   </p:cSld>
@@ -3879,7 +3890,7 @@
           <a:p>
             <a:r>
               <a:rPr lang="en-US" dirty="0" err="1" smtClean="0"/>
-              <a:t>DeepPredictWatchman</a:t>
+              <a:t>DirectLimitWatchman</a:t>
             </a:r>
             <a:endParaRPr lang="ru-RU" dirty="0"/>
           </a:p>
@@ -3897,9 +3908,7 @@
         </p:nvSpPr>
         <p:spPr/>
         <p:txBody>
-          <a:bodyPr>
-            <a:normAutofit/>
-          </a:bodyPr>
+          <a:bodyPr/>
           <a:lstStyle/>
           <a:p>
             <a:pPr marL="0" indent="0">
@@ -3909,42 +3918,24 @@
               <a:rPr lang="ru-RU" dirty="0" smtClean="0"/>
               <a:t>Идея:</a:t>
             </a:r>
-            <a:endParaRPr lang="en-US" dirty="0" smtClean="0"/>
-          </a:p>
-          <a:p>
-            <a:r>
-              <a:rPr lang="ru-RU" dirty="0" smtClean="0"/>
-              <a:t>Значение текущего наблюдения предсказывается по нескольким предыдущим наблюдениям</a:t>
-            </a:r>
-          </a:p>
-          <a:p>
-            <a:r>
-              <a:rPr lang="ru-RU" dirty="0" smtClean="0"/>
-              <a:t>Предсказатель строится по принципу рекуррентной нейронной сети (</a:t>
-            </a:r>
-            <a:r>
-              <a:rPr lang="en-US" dirty="0" smtClean="0"/>
-              <a:t>LSTM)</a:t>
-            </a:r>
-            <a:endParaRPr lang="ru-RU" dirty="0" smtClean="0"/>
-          </a:p>
-          <a:p>
-            <a:r>
-              <a:rPr lang="ru-RU" dirty="0" smtClean="0"/>
-              <a:t>Запоминает границы ошибки предсказания и </a:t>
-            </a:r>
-            <a:r>
-              <a:rPr lang="en-US" dirty="0" smtClean="0"/>
-              <a:t>PMSE</a:t>
-            </a:r>
-            <a:endParaRPr lang="ru-RU" dirty="0" smtClean="0"/>
-          </a:p>
-          <a:p>
-            <a:r>
-              <a:rPr lang="ru-RU" dirty="0" smtClean="0"/>
-              <a:t>Считает аномалией значения, выходящие за границы</a:t>
-            </a:r>
-            <a:endParaRPr lang="en-US" dirty="0" smtClean="0"/>
+          </a:p>
+          <a:p>
+            <a:r>
+              <a:rPr lang="ru-RU" dirty="0" smtClean="0"/>
+              <a:t>Использует переменные процесса «как есть»</a:t>
+            </a:r>
+          </a:p>
+          <a:p>
+            <a:r>
+              <a:rPr lang="ru-RU" dirty="0" smtClean="0"/>
+              <a:t>Запоминает граничные значения</a:t>
+            </a:r>
+          </a:p>
+          <a:p>
+            <a:r>
+              <a:rPr lang="ru-RU" dirty="0" smtClean="0"/>
+              <a:t>Считает неисправностью значения, выходящие за границы</a:t>
+            </a:r>
           </a:p>
           <a:p>
             <a:pPr marL="0" indent="0">
@@ -3958,11 +3949,7 @@
           <a:p>
             <a:r>
               <a:rPr lang="ru-RU" dirty="0" smtClean="0"/>
-              <a:t>Предсказание по каждому признаку и </a:t>
-            </a:r>
-            <a:r>
-              <a:rPr lang="en-US" dirty="0" smtClean="0"/>
-              <a:t>PMSE</a:t>
+              <a:t>Предсказание по каждому признаку</a:t>
             </a:r>
             <a:endParaRPr lang="ru-RU" dirty="0"/>
           </a:p>
@@ -3971,7 +3958,7 @@
     </p:spTree>
     <p:extLst>
       <p:ext uri="{BB962C8B-B14F-4D97-AF65-F5344CB8AC3E}">
-        <p14:creationId xmlns:p14="http://schemas.microsoft.com/office/powerpoint/2010/main" val="894946228"/>
+        <p14:creationId xmlns:p14="http://schemas.microsoft.com/office/powerpoint/2010/main" val="1901199425"/>
       </p:ext>
     </p:extLst>
   </p:cSld>
@@ -4014,8 +4001,8 @@
           <a:lstStyle/>
           <a:p>
             <a:r>
-              <a:rPr lang="ru-RU" dirty="0" smtClean="0"/>
-              <a:t>Этапы обучения</a:t>
+              <a:rPr lang="en-US" dirty="0" err="1" smtClean="0"/>
+              <a:t>PcaLimitWatchman</a:t>
             </a:r>
             <a:endParaRPr lang="ru-RU" dirty="0"/>
           </a:p>
@@ -4036,65 +4023,68 @@
           <a:bodyPr/>
           <a:lstStyle/>
           <a:p>
-            <a:pPr marL="514350" indent="-514350">
-              <a:buFont typeface="+mj-lt"/>
-              <a:buAutoNum type="arabicPeriod"/>
+            <a:pPr marL="0" indent="0">
+              <a:buNone/>
             </a:pPr>
             <a:r>
               <a:rPr lang="ru-RU" dirty="0" smtClean="0"/>
-              <a:t>По всем обучающим файлам проводим </a:t>
-            </a:r>
-            <a:r>
-              <a:rPr lang="ru-RU" dirty="0" err="1" smtClean="0"/>
-              <a:t>предобучение</a:t>
-            </a:r>
-            <a:r>
-              <a:rPr lang="ru-RU" dirty="0" smtClean="0"/>
-              <a:t> (изучение данных, подстройка параметров алгоритма, обучение </a:t>
-            </a:r>
-            <a:r>
-              <a:rPr lang="ru-RU" dirty="0" err="1" smtClean="0"/>
-              <a:t>скейлера</a:t>
-            </a:r>
-            <a:r>
-              <a:rPr lang="ru-RU" dirty="0" smtClean="0"/>
-              <a:t>)</a:t>
-            </a:r>
-          </a:p>
-          <a:p>
-            <a:pPr marL="514350" indent="-514350">
-              <a:buFont typeface="+mj-lt"/>
-              <a:buAutoNum type="arabicPeriod"/>
+              <a:t>Идея:</a:t>
+            </a:r>
+          </a:p>
+          <a:p>
+            <a:r>
+              <a:rPr lang="ru-RU" dirty="0" smtClean="0"/>
+              <a:t>Преобразует данные в пространство главных компонент</a:t>
+            </a:r>
+          </a:p>
+          <a:p>
+            <a:r>
+              <a:rPr lang="ru-RU" dirty="0" smtClean="0"/>
+              <a:t>Запоминает граничные значения</a:t>
+            </a:r>
+          </a:p>
+          <a:p>
+            <a:r>
+              <a:rPr lang="ru-RU" dirty="0" smtClean="0"/>
+              <a:t>Считает квадратичную ошибку представления (</a:t>
+            </a:r>
+            <a:r>
+              <a:rPr lang="en-US" dirty="0" smtClean="0"/>
+              <a:t>PMSE)</a:t>
+            </a:r>
+            <a:endParaRPr lang="ru-RU" dirty="0" smtClean="0"/>
+          </a:p>
+          <a:p>
+            <a:r>
+              <a:rPr lang="ru-RU" dirty="0" smtClean="0"/>
+              <a:t>Считает неисправностью значения главных компонент и </a:t>
+            </a:r>
+            <a:r>
+              <a:rPr lang="en-US" dirty="0" smtClean="0"/>
+              <a:t>PMSE</a:t>
+            </a:r>
+            <a:r>
+              <a:rPr lang="ru-RU" dirty="0" smtClean="0"/>
+              <a:t>, выходящие за границы</a:t>
+            </a:r>
+          </a:p>
+          <a:p>
+            <a:pPr marL="0" indent="0">
+              <a:buNone/>
             </a:pPr>
             <a:r>
               <a:rPr lang="ru-RU" dirty="0" smtClean="0"/>
-              <a:t>По всем обучающим файлам проводим обучение (обучение основного алгоритма </a:t>
-            </a:r>
-            <a:r>
-              <a:rPr lang="ru-RU" dirty="0" err="1" smtClean="0"/>
-              <a:t>детекции</a:t>
-            </a:r>
-            <a:r>
-              <a:rPr lang="ru-RU" dirty="0" smtClean="0"/>
-              <a:t>/предсказания)</a:t>
-            </a:r>
-          </a:p>
-          <a:p>
-            <a:pPr marL="514350" indent="-514350">
-              <a:buFont typeface="+mj-lt"/>
-              <a:buAutoNum type="arabicPeriod"/>
-            </a:pPr>
-            <a:r>
-              <a:rPr lang="ru-RU" dirty="0" smtClean="0"/>
-              <a:t>По всем обучающим файлам проводим </a:t>
-            </a:r>
-            <a:r>
-              <a:rPr lang="ru-RU" dirty="0" err="1" smtClean="0"/>
-              <a:t>постобучение</a:t>
-            </a:r>
-            <a:r>
-              <a:rPr lang="ru-RU" dirty="0" smtClean="0"/>
-              <a:t> (запоминание границ признаков, границ ошибок представления/предсказания)</a:t>
+              <a:t>Результат:</a:t>
+            </a:r>
+          </a:p>
+          <a:p>
+            <a:r>
+              <a:rPr lang="ru-RU" dirty="0" smtClean="0"/>
+              <a:t>Предсказание по каждой главной компоненте и</a:t>
+            </a:r>
+            <a:r>
+              <a:rPr lang="en-US" dirty="0" smtClean="0"/>
+              <a:t> PMSE</a:t>
             </a:r>
             <a:endParaRPr lang="ru-RU" dirty="0"/>
           </a:p>
@@ -4103,7 +4093,7 @@
     </p:spTree>
     <p:extLst>
       <p:ext uri="{BB962C8B-B14F-4D97-AF65-F5344CB8AC3E}">
-        <p14:creationId xmlns:p14="http://schemas.microsoft.com/office/powerpoint/2010/main" val="499692603"/>
+        <p14:creationId xmlns:p14="http://schemas.microsoft.com/office/powerpoint/2010/main" val="776003530"/>
       </p:ext>
     </p:extLst>
   </p:cSld>
@@ -4146,12 +4136,8 @@
           <a:lstStyle/>
           <a:p>
             <a:r>
-              <a:rPr lang="ru-RU" dirty="0" err="1" smtClean="0"/>
-              <a:t>Ансамблирование</a:t>
-            </a:r>
-            <a:r>
-              <a:rPr lang="ru-RU" dirty="0" smtClean="0"/>
-              <a:t>, роль отсечки</a:t>
+              <a:rPr lang="en-US" dirty="0" err="1" smtClean="0"/>
+              <a:t>IsoForestWatchman</a:t>
             </a:r>
             <a:endParaRPr lang="ru-RU" dirty="0"/>
           </a:p>
@@ -4169,9 +4155,7 @@
         </p:nvSpPr>
         <p:spPr/>
         <p:txBody>
-          <a:bodyPr>
-            <a:normAutofit fontScale="70000" lnSpcReduction="20000"/>
-          </a:bodyPr>
+          <a:bodyPr/>
           <a:lstStyle/>
           <a:p>
             <a:pPr marL="0" indent="0">
@@ -4179,73 +4163,40 @@
             </a:pPr>
             <a:r>
               <a:rPr lang="ru-RU" dirty="0" smtClean="0"/>
-              <a:t>Отдельный сторож может хорошо работать на одних процессах и плохо на других. Мы хотим объединить предсказания, чтобы получать стабильно хороший результат.</a:t>
+              <a:t>Идея:</a:t>
+            </a:r>
+          </a:p>
+          <a:p>
+            <a:r>
+              <a:rPr lang="ru-RU" dirty="0" smtClean="0"/>
+              <a:t>Данные случайно разбиваются по случайным признакам</a:t>
+            </a:r>
+          </a:p>
+          <a:p>
+            <a:r>
+              <a:rPr lang="ru-RU" dirty="0" smtClean="0"/>
+              <a:t>Строится лес изолирующих деревьев</a:t>
+            </a:r>
+          </a:p>
+          <a:p>
+            <a:r>
+              <a:rPr lang="ru-RU" dirty="0" smtClean="0"/>
+              <a:t>Чем проще отделить наблюдение, тем больше вероятность, что это аномалия</a:t>
             </a:r>
           </a:p>
           <a:p>
             <a:pPr marL="0" indent="0">
               <a:buNone/>
             </a:pPr>
-            <a:endParaRPr lang="ru-RU" dirty="0" smtClean="0"/>
-          </a:p>
-          <a:p>
-            <a:pPr marL="0" indent="0">
-              <a:buNone/>
-            </a:pPr>
-            <a:r>
-              <a:rPr lang="ru-RU" dirty="0" smtClean="0"/>
-              <a:t>Ансамбль:</a:t>
-            </a:r>
-          </a:p>
-          <a:p>
-            <a:r>
-              <a:rPr lang="ru-RU" dirty="0" smtClean="0"/>
-              <a:t>Предсказывает каждым сторожем</a:t>
-            </a:r>
-          </a:p>
-          <a:p>
-            <a:r>
-              <a:rPr lang="ru-RU" dirty="0" smtClean="0"/>
-              <a:t>Считает по каждому семплу количество предсказаний аномалии</a:t>
-            </a:r>
-          </a:p>
-          <a:p>
-            <a:r>
-              <a:rPr lang="ru-RU" dirty="0" smtClean="0"/>
-              <a:t>Считает семпл аномалией, начиная от некоторого количества</a:t>
-            </a:r>
-          </a:p>
-          <a:p>
-            <a:endParaRPr lang="ru-RU" dirty="0" smtClean="0"/>
-          </a:p>
-          <a:p>
-            <a:pPr marL="0" indent="0">
-              <a:buNone/>
-            </a:pPr>
-            <a:r>
-              <a:rPr lang="ru-RU" dirty="0" smtClean="0"/>
-              <a:t>Отсечка может выступать в качестве параметра уверенности:</a:t>
-            </a:r>
-          </a:p>
-          <a:p>
-            <a:r>
-              <a:rPr lang="ru-RU" dirty="0" smtClean="0"/>
-              <a:t>Чем больше отсечка, тем больше мы уверены в положительном предсказании, но тем больше пропускаем аномалии</a:t>
-            </a:r>
-          </a:p>
-          <a:p>
-            <a:r>
-              <a:rPr lang="ru-RU" dirty="0" smtClean="0"/>
-              <a:t>Чем меньше отсечка, тем меньше мы уверены в положительном предсказании, но тем меньше пропускаем аномалии</a:t>
-            </a:r>
-          </a:p>
-          <a:p>
-            <a:pPr marL="0" indent="0">
-              <a:buNone/>
-            </a:pPr>
-            <a:r>
-              <a:rPr lang="ru-RU" dirty="0" smtClean="0"/>
-              <a:t>Отсечка может быть подстроена, при добавлении новых методов в ансамбль.</a:t>
+            <a:r>
+              <a:rPr lang="ru-RU" dirty="0" smtClean="0"/>
+              <a:t>Результат:</a:t>
+            </a:r>
+          </a:p>
+          <a:p>
+            <a:r>
+              <a:rPr lang="ru-RU" dirty="0" smtClean="0"/>
+              <a:t>Предсказание аномалии по каждому семплу</a:t>
             </a:r>
             <a:endParaRPr lang="ru-RU" dirty="0"/>
           </a:p>
@@ -4254,7 +4205,7 @@
     </p:spTree>
     <p:extLst>
       <p:ext uri="{BB962C8B-B14F-4D97-AF65-F5344CB8AC3E}">
-        <p14:creationId xmlns:p14="http://schemas.microsoft.com/office/powerpoint/2010/main" val="1766330035"/>
+        <p14:creationId xmlns:p14="http://schemas.microsoft.com/office/powerpoint/2010/main" val="3836279469"/>
       </p:ext>
     </p:extLst>
   </p:cSld>
@@ -4297,901 +4248,101 @@
           <a:lstStyle/>
           <a:p>
             <a:r>
-              <a:rPr lang="ru-RU" dirty="0" smtClean="0"/>
-              <a:t>Результаты</a:t>
+              <a:rPr lang="en-US" dirty="0" err="1" smtClean="0"/>
+              <a:t>LinearPredictWatchman</a:t>
+            </a:r>
+            <a:endParaRPr lang="ru-RU" dirty="0"/>
+          </a:p>
+        </p:txBody>
+      </p:sp>
+      <p:sp>
+        <p:nvSpPr>
+          <p:cNvPr id="3" name="Объект 2"/>
+          <p:cNvSpPr>
+            <a:spLocks noGrp="1"/>
+          </p:cNvSpPr>
+          <p:nvPr>
+            <p:ph idx="1"/>
+          </p:nvPr>
+        </p:nvSpPr>
+        <p:spPr/>
+        <p:txBody>
+          <a:bodyPr>
+            <a:normAutofit fontScale="92500" lnSpcReduction="10000"/>
+          </a:bodyPr>
+          <a:lstStyle/>
+          <a:p>
+            <a:pPr marL="0" indent="0">
+              <a:buNone/>
+            </a:pPr>
+            <a:r>
+              <a:rPr lang="ru-RU" dirty="0" smtClean="0"/>
+              <a:t>Идея:</a:t>
+            </a:r>
+            <a:endParaRPr lang="en-US" dirty="0" smtClean="0"/>
+          </a:p>
+          <a:p>
+            <a:r>
+              <a:rPr lang="ru-RU" dirty="0" smtClean="0"/>
+              <a:t>Значение признака сейчас - линейная комбинация признаков в прошлый раз</a:t>
+            </a:r>
+          </a:p>
+          <a:p>
+            <a:r>
+              <a:rPr lang="ru-RU" dirty="0" smtClean="0"/>
+              <a:t>Предсказываются только непрерывные признаки</a:t>
+            </a:r>
+          </a:p>
+          <a:p>
+            <a:r>
+              <a:rPr lang="ru-RU" dirty="0" smtClean="0"/>
+              <a:t>Предсказатель по каждому признаку обучается независимо по алгоритму линейной регрессии</a:t>
+            </a:r>
+          </a:p>
+          <a:p>
+            <a:r>
+              <a:rPr lang="ru-RU" dirty="0" smtClean="0"/>
+              <a:t>Запоминает границы ошибки предсказания и </a:t>
             </a:r>
             <a:r>
               <a:rPr lang="en-US" dirty="0" smtClean="0"/>
-              <a:t> (F1-</a:t>
-            </a:r>
-            <a:r>
-              <a:rPr lang="ru-RU" dirty="0" smtClean="0"/>
-              <a:t>мера)</a:t>
+              <a:t>PMSE</a:t>
+            </a:r>
+            <a:endParaRPr lang="ru-RU" dirty="0" smtClean="0"/>
+          </a:p>
+          <a:p>
+            <a:r>
+              <a:rPr lang="ru-RU" dirty="0" smtClean="0"/>
+              <a:t>Считает аномалией значения, выходящие за границы</a:t>
+            </a:r>
+            <a:endParaRPr lang="en-US" dirty="0" smtClean="0"/>
+          </a:p>
+          <a:p>
+            <a:pPr marL="0" indent="0">
+              <a:buNone/>
+            </a:pPr>
+            <a:r>
+              <a:rPr lang="ru-RU" dirty="0" smtClean="0"/>
+              <a:t>Результат:</a:t>
+            </a:r>
+          </a:p>
+          <a:p>
+            <a:r>
+              <a:rPr lang="ru-RU" dirty="0" smtClean="0"/>
+              <a:t>Предсказание по каждому непрерывному признаку и </a:t>
+            </a:r>
+            <a:r>
+              <a:rPr lang="en-US" dirty="0" smtClean="0"/>
+              <a:t>PMSE</a:t>
             </a:r>
             <a:endParaRPr lang="ru-RU" dirty="0"/>
           </a:p>
         </p:txBody>
       </p:sp>
-      <p:graphicFrame>
-        <p:nvGraphicFramePr>
-          <p:cNvPr id="4" name="Объект 3"/>
-          <p:cNvGraphicFramePr>
-            <a:graphicFrameLocks noGrp="1"/>
-          </p:cNvGraphicFramePr>
-          <p:nvPr>
-            <p:ph idx="1"/>
-            <p:extLst>
-              <p:ext uri="{D42A27DB-BD31-4B8C-83A1-F6EECF244321}">
-                <p14:modId xmlns:p14="http://schemas.microsoft.com/office/powerpoint/2010/main" val="2328961744"/>
-              </p:ext>
-            </p:extLst>
-          </p:nvPr>
-        </p:nvGraphicFramePr>
-        <p:xfrm>
-          <a:off x="838200" y="1825625"/>
-          <a:ext cx="10515599" cy="2595880"/>
-        </p:xfrm>
-        <a:graphic>
-          <a:graphicData uri="http://schemas.openxmlformats.org/drawingml/2006/table">
-            <a:tbl>
-              <a:tblPr firstRow="1" bandRow="1">
-                <a:tableStyleId>{5C22544A-7EE6-4342-B048-85BDC9FD1C3A}</a:tableStyleId>
-              </a:tblPr>
-              <a:tblGrid>
-                <a:gridCol w="2852351"/>
-                <a:gridCol w="1915812"/>
-                <a:gridCol w="1915812"/>
-                <a:gridCol w="1915812"/>
-                <a:gridCol w="1915812"/>
-              </a:tblGrid>
-              <a:tr h="370840">
-                <a:tc>
-                  <a:txBody>
-                    <a:bodyPr/>
-                    <a:lstStyle/>
-                    <a:p>
-                      <a:endParaRPr lang="ru-RU" dirty="0"/>
-                    </a:p>
-                  </a:txBody>
-                  <a:tcPr/>
-                </a:tc>
-                <a:tc>
-                  <a:txBody>
-                    <a:bodyPr/>
-                    <a:lstStyle/>
-                    <a:p>
-                      <a:r>
-                        <a:rPr lang="en-US" dirty="0" smtClean="0"/>
-                        <a:t>GHL</a:t>
-                      </a:r>
-                      <a:endParaRPr lang="ru-RU" dirty="0"/>
-                    </a:p>
-                  </a:txBody>
-                  <a:tcPr/>
-                </a:tc>
-                <a:tc>
-                  <a:txBody>
-                    <a:bodyPr/>
-                    <a:lstStyle/>
-                    <a:p>
-                      <a:r>
-                        <a:rPr lang="en-US" dirty="0" smtClean="0"/>
-                        <a:t>TEP Harvard</a:t>
-                      </a:r>
-                      <a:endParaRPr lang="ru-RU" dirty="0"/>
-                    </a:p>
-                  </a:txBody>
-                  <a:tcPr/>
-                </a:tc>
-                <a:tc>
-                  <a:txBody>
-                    <a:bodyPr/>
-                    <a:lstStyle/>
-                    <a:p>
-                      <a:r>
-                        <a:rPr lang="en-US" dirty="0" smtClean="0"/>
-                        <a:t>TEP Kaspersky</a:t>
-                      </a:r>
-                      <a:endParaRPr lang="ru-RU" dirty="0"/>
-                    </a:p>
-                  </a:txBody>
-                  <a:tcPr/>
-                </a:tc>
-                <a:tc>
-                  <a:txBody>
-                    <a:bodyPr/>
-                    <a:lstStyle/>
-                    <a:p>
-                      <a:r>
-                        <a:rPr lang="en-US" dirty="0" err="1" smtClean="0"/>
-                        <a:t>SWaT</a:t>
-                      </a:r>
-                      <a:endParaRPr lang="ru-RU" dirty="0"/>
-                    </a:p>
-                  </a:txBody>
-                  <a:tcPr/>
-                </a:tc>
-              </a:tr>
-              <a:tr h="370840">
-                <a:tc>
-                  <a:txBody>
-                    <a:bodyPr/>
-                    <a:lstStyle/>
-                    <a:p>
-                      <a:r>
-                        <a:rPr lang="en-US" dirty="0" err="1" smtClean="0"/>
-                        <a:t>DirectLimitWatchman</a:t>
-                      </a:r>
-                      <a:endParaRPr lang="ru-RU" dirty="0"/>
-                    </a:p>
-                  </a:txBody>
-                  <a:tcPr/>
-                </a:tc>
-                <a:tc>
-                  <a:txBody>
-                    <a:bodyPr/>
-                    <a:lstStyle/>
-                    <a:p>
-                      <a:r>
-                        <a:rPr lang="ru-RU" sz="1800" b="0" i="0" kern="1200" dirty="0" smtClean="0">
-                          <a:solidFill>
-                            <a:schemeClr val="dk1"/>
-                          </a:solidFill>
-                          <a:effectLst/>
-                          <a:latin typeface="+mn-lt"/>
-                          <a:ea typeface="+mn-ea"/>
-                          <a:cs typeface="+mn-cs"/>
-                        </a:rPr>
-                        <a:t>0.3792</a:t>
-                      </a:r>
-                      <a:endParaRPr lang="ru-RU" dirty="0"/>
-                    </a:p>
-                  </a:txBody>
-                  <a:tcPr>
-                    <a:solidFill>
-                      <a:srgbClr val="FFC000"/>
-                    </a:solidFill>
-                  </a:tcPr>
-                </a:tc>
-                <a:tc>
-                  <a:txBody>
-                    <a:bodyPr/>
-                    <a:lstStyle/>
-                    <a:p>
-                      <a:r>
-                        <a:rPr lang="ru-RU" sz="1800" b="0" i="0" kern="1200" dirty="0" smtClean="0">
-                          <a:solidFill>
-                            <a:schemeClr val="dk1"/>
-                          </a:solidFill>
-                          <a:effectLst/>
-                          <a:latin typeface="+mn-lt"/>
-                          <a:ea typeface="+mn-ea"/>
-                          <a:cs typeface="+mn-cs"/>
-                        </a:rPr>
-                        <a:t>0.6821</a:t>
-                      </a:r>
-                      <a:endParaRPr lang="ru-RU" dirty="0"/>
-                    </a:p>
-                  </a:txBody>
-                  <a:tcPr/>
-                </a:tc>
-                <a:tc>
-                  <a:txBody>
-                    <a:bodyPr/>
-                    <a:lstStyle/>
-                    <a:p>
-                      <a:r>
-                        <a:rPr lang="ru-RU" sz="1800" b="0" i="0" kern="1200" dirty="0" smtClean="0">
-                          <a:solidFill>
-                            <a:schemeClr val="dk1"/>
-                          </a:solidFill>
-                          <a:effectLst/>
-                          <a:latin typeface="+mn-lt"/>
-                          <a:ea typeface="+mn-ea"/>
-                          <a:cs typeface="+mn-cs"/>
-                        </a:rPr>
-                        <a:t>0.4154</a:t>
-                      </a:r>
-                      <a:endParaRPr lang="ru-RU" dirty="0"/>
-                    </a:p>
-                  </a:txBody>
-                  <a:tcPr>
-                    <a:solidFill>
-                      <a:srgbClr val="FFC000"/>
-                    </a:solidFill>
-                  </a:tcPr>
-                </a:tc>
-                <a:tc>
-                  <a:txBody>
-                    <a:bodyPr/>
-                    <a:lstStyle/>
-                    <a:p>
-                      <a:r>
-                        <a:rPr lang="ru-RU" sz="1800" b="0" i="0" kern="1200" dirty="0" smtClean="0">
-                          <a:solidFill>
-                            <a:schemeClr val="dk1"/>
-                          </a:solidFill>
-                          <a:effectLst/>
-                          <a:latin typeface="+mn-lt"/>
-                          <a:ea typeface="+mn-ea"/>
-                          <a:cs typeface="+mn-cs"/>
-                        </a:rPr>
-                        <a:t>0.325</a:t>
-                      </a:r>
-                      <a:r>
-                        <a:rPr lang="en-US" sz="1800" b="0" i="0" kern="1200" dirty="0" smtClean="0">
-                          <a:solidFill>
-                            <a:schemeClr val="dk1"/>
-                          </a:solidFill>
-                          <a:effectLst/>
-                          <a:latin typeface="+mn-lt"/>
-                          <a:ea typeface="+mn-ea"/>
-                          <a:cs typeface="+mn-cs"/>
-                        </a:rPr>
-                        <a:t>7</a:t>
-                      </a:r>
-                      <a:endParaRPr lang="ru-RU" dirty="0"/>
-                    </a:p>
-                  </a:txBody>
-                  <a:tcPr>
-                    <a:solidFill>
-                      <a:srgbClr val="FFC000"/>
-                    </a:solidFill>
-                  </a:tcPr>
-                </a:tc>
-              </a:tr>
-              <a:tr h="370840">
-                <a:tc>
-                  <a:txBody>
-                    <a:bodyPr/>
-                    <a:lstStyle/>
-                    <a:p>
-                      <a:r>
-                        <a:rPr lang="en-US" dirty="0" err="1" smtClean="0"/>
-                        <a:t>PcaLimitWatchman</a:t>
-                      </a:r>
-                      <a:endParaRPr lang="ru-RU" dirty="0"/>
-                    </a:p>
-                  </a:txBody>
-                  <a:tcPr/>
-                </a:tc>
-                <a:tc>
-                  <a:txBody>
-                    <a:bodyPr/>
-                    <a:lstStyle/>
-                    <a:p>
-                      <a:r>
-                        <a:rPr lang="ru-RU" sz="1800" b="0" i="0" kern="1200" dirty="0" smtClean="0">
-                          <a:solidFill>
-                            <a:schemeClr val="dk1"/>
-                          </a:solidFill>
-                          <a:effectLst/>
-                          <a:latin typeface="+mn-lt"/>
-                          <a:ea typeface="+mn-ea"/>
-                          <a:cs typeface="+mn-cs"/>
-                        </a:rPr>
-                        <a:t>0.3882</a:t>
-                      </a:r>
-                      <a:endParaRPr lang="ru-RU" dirty="0"/>
-                    </a:p>
-                  </a:txBody>
-                  <a:tcPr>
-                    <a:solidFill>
-                      <a:srgbClr val="FFC000"/>
-                    </a:solidFill>
-                  </a:tcPr>
-                </a:tc>
-                <a:tc>
-                  <a:txBody>
-                    <a:bodyPr/>
-                    <a:lstStyle/>
-                    <a:p>
-                      <a:r>
-                        <a:rPr lang="ru-RU" sz="1800" b="0" i="0" kern="1200" dirty="0" smtClean="0">
-                          <a:solidFill>
-                            <a:schemeClr val="dk1"/>
-                          </a:solidFill>
-                          <a:effectLst/>
-                          <a:latin typeface="+mn-lt"/>
-                          <a:ea typeface="+mn-ea"/>
-                          <a:cs typeface="+mn-cs"/>
-                        </a:rPr>
-                        <a:t>0.6007</a:t>
-                      </a:r>
-                      <a:endParaRPr lang="ru-RU" dirty="0"/>
-                    </a:p>
-                  </a:txBody>
-                  <a:tcPr/>
-                </a:tc>
-                <a:tc>
-                  <a:txBody>
-                    <a:bodyPr/>
-                    <a:lstStyle/>
-                    <a:p>
-                      <a:r>
-                        <a:rPr lang="ru-RU" sz="1800" b="0" i="0" kern="1200" dirty="0" smtClean="0">
-                          <a:solidFill>
-                            <a:schemeClr val="dk1"/>
-                          </a:solidFill>
-                          <a:effectLst/>
-                          <a:latin typeface="+mn-lt"/>
-                          <a:ea typeface="+mn-ea"/>
-                          <a:cs typeface="+mn-cs"/>
-                        </a:rPr>
-                        <a:t>0.2570</a:t>
-                      </a:r>
-                      <a:endParaRPr lang="ru-RU" dirty="0"/>
-                    </a:p>
-                  </a:txBody>
-                  <a:tcPr/>
-                </a:tc>
-                <a:tc>
-                  <a:txBody>
-                    <a:bodyPr/>
-                    <a:lstStyle/>
-                    <a:p>
-                      <a:r>
-                        <a:rPr lang="ru-RU" sz="1800" b="0" i="0" kern="1200" dirty="0" smtClean="0">
-                          <a:solidFill>
-                            <a:schemeClr val="dk1"/>
-                          </a:solidFill>
-                          <a:effectLst/>
-                          <a:latin typeface="+mn-lt"/>
-                          <a:ea typeface="+mn-ea"/>
-                          <a:cs typeface="+mn-cs"/>
-                        </a:rPr>
-                        <a:t>0.161</a:t>
-                      </a:r>
-                      <a:r>
-                        <a:rPr lang="en-US" sz="1800" b="0" i="0" kern="1200" dirty="0" smtClean="0">
-                          <a:solidFill>
-                            <a:schemeClr val="dk1"/>
-                          </a:solidFill>
-                          <a:effectLst/>
-                          <a:latin typeface="+mn-lt"/>
-                          <a:ea typeface="+mn-ea"/>
-                          <a:cs typeface="+mn-cs"/>
-                        </a:rPr>
-                        <a:t>1</a:t>
-                      </a:r>
-                      <a:endParaRPr lang="ru-RU" dirty="0"/>
-                    </a:p>
-                  </a:txBody>
-                  <a:tcPr/>
-                </a:tc>
-              </a:tr>
-              <a:tr h="370840">
-                <a:tc>
-                  <a:txBody>
-                    <a:bodyPr/>
-                    <a:lstStyle/>
-                    <a:p>
-                      <a:r>
-                        <a:rPr lang="en-US" dirty="0" err="1" smtClean="0"/>
-                        <a:t>IsoForestWatchman</a:t>
-                      </a:r>
-                      <a:endParaRPr lang="ru-RU" dirty="0"/>
-                    </a:p>
-                  </a:txBody>
-                  <a:tcPr/>
-                </a:tc>
-                <a:tc>
-                  <a:txBody>
-                    <a:bodyPr/>
-                    <a:lstStyle/>
-                    <a:p>
-                      <a:r>
-                        <a:rPr lang="ru-RU" sz="1800" b="0" i="0" kern="1200" dirty="0" smtClean="0">
-                          <a:solidFill>
-                            <a:schemeClr val="dk1"/>
-                          </a:solidFill>
-                          <a:effectLst/>
-                          <a:latin typeface="+mn-lt"/>
-                          <a:ea typeface="+mn-ea"/>
-                          <a:cs typeface="+mn-cs"/>
-                        </a:rPr>
-                        <a:t>0.0508</a:t>
-                      </a:r>
-                      <a:endParaRPr lang="ru-RU" dirty="0"/>
-                    </a:p>
-                  </a:txBody>
-                  <a:tcPr/>
-                </a:tc>
-                <a:tc>
-                  <a:txBody>
-                    <a:bodyPr/>
-                    <a:lstStyle/>
-                    <a:p>
-                      <a:r>
-                        <a:rPr lang="ru-RU" sz="1800" b="0" i="0" kern="1200" dirty="0" smtClean="0">
-                          <a:solidFill>
-                            <a:schemeClr val="dk1"/>
-                          </a:solidFill>
-                          <a:effectLst/>
-                          <a:latin typeface="+mn-lt"/>
-                          <a:ea typeface="+mn-ea"/>
-                          <a:cs typeface="+mn-cs"/>
-                        </a:rPr>
-                        <a:t>0.525</a:t>
-                      </a:r>
-                      <a:r>
-                        <a:rPr lang="en-US" sz="1800" b="0" i="0" kern="1200" dirty="0" smtClean="0">
-                          <a:solidFill>
-                            <a:schemeClr val="dk1"/>
-                          </a:solidFill>
-                          <a:effectLst/>
-                          <a:latin typeface="+mn-lt"/>
-                          <a:ea typeface="+mn-ea"/>
-                          <a:cs typeface="+mn-cs"/>
-                        </a:rPr>
-                        <a:t>2</a:t>
-                      </a:r>
-                      <a:endParaRPr lang="ru-RU" dirty="0"/>
-                    </a:p>
-                  </a:txBody>
-                  <a:tcPr/>
-                </a:tc>
-                <a:tc>
-                  <a:txBody>
-                    <a:bodyPr/>
-                    <a:lstStyle/>
-                    <a:p>
-                      <a:r>
-                        <a:rPr lang="ru-RU" sz="1800" b="0" i="0" kern="1200" dirty="0" smtClean="0">
-                          <a:solidFill>
-                            <a:schemeClr val="dk1"/>
-                          </a:solidFill>
-                          <a:effectLst/>
-                          <a:latin typeface="+mn-lt"/>
-                          <a:ea typeface="+mn-ea"/>
-                          <a:cs typeface="+mn-cs"/>
-                        </a:rPr>
-                        <a:t>0.0689</a:t>
-                      </a:r>
-                      <a:endParaRPr lang="ru-RU" dirty="0"/>
-                    </a:p>
-                  </a:txBody>
-                  <a:tcPr/>
-                </a:tc>
-                <a:tc>
-                  <a:txBody>
-                    <a:bodyPr/>
-                    <a:lstStyle/>
-                    <a:p>
-                      <a:r>
-                        <a:rPr lang="ru-RU" sz="1800" b="0" i="0" kern="1200" dirty="0" smtClean="0">
-                          <a:solidFill>
-                            <a:schemeClr val="dk1"/>
-                          </a:solidFill>
-                          <a:effectLst/>
-                          <a:latin typeface="+mn-lt"/>
-                          <a:ea typeface="+mn-ea"/>
-                          <a:cs typeface="+mn-cs"/>
-                        </a:rPr>
-                        <a:t>0.267</a:t>
-                      </a:r>
-                      <a:r>
-                        <a:rPr lang="en-US" sz="1800" b="0" i="0" kern="1200" dirty="0" smtClean="0">
-                          <a:solidFill>
-                            <a:schemeClr val="dk1"/>
-                          </a:solidFill>
-                          <a:effectLst/>
-                          <a:latin typeface="+mn-lt"/>
-                          <a:ea typeface="+mn-ea"/>
-                          <a:cs typeface="+mn-cs"/>
-                        </a:rPr>
-                        <a:t>9</a:t>
-                      </a:r>
-                      <a:endParaRPr lang="ru-RU" dirty="0"/>
-                    </a:p>
-                  </a:txBody>
-                  <a:tcPr/>
-                </a:tc>
-              </a:tr>
-              <a:tr h="370840">
-                <a:tc>
-                  <a:txBody>
-                    <a:bodyPr/>
-                    <a:lstStyle/>
-                    <a:p>
-                      <a:r>
-                        <a:rPr lang="en-US" dirty="0" err="1" smtClean="0"/>
-                        <a:t>LinearPredictWatchman</a:t>
-                      </a:r>
-                      <a:endParaRPr lang="ru-RU" dirty="0"/>
-                    </a:p>
-                  </a:txBody>
-                  <a:tcPr/>
-                </a:tc>
-                <a:tc>
-                  <a:txBody>
-                    <a:bodyPr/>
-                    <a:lstStyle/>
-                    <a:p>
-                      <a:r>
-                        <a:rPr lang="ru-RU" sz="1800" b="0" i="0" kern="1200" dirty="0" smtClean="0">
-                          <a:solidFill>
-                            <a:schemeClr val="dk1"/>
-                          </a:solidFill>
-                          <a:effectLst/>
-                          <a:latin typeface="+mn-lt"/>
-                          <a:ea typeface="+mn-ea"/>
-                          <a:cs typeface="+mn-cs"/>
-                        </a:rPr>
-                        <a:t>0.028</a:t>
-                      </a:r>
-                      <a:r>
-                        <a:rPr lang="en-US" sz="1800" b="0" i="0" kern="1200" dirty="0" smtClean="0">
-                          <a:solidFill>
-                            <a:schemeClr val="dk1"/>
-                          </a:solidFill>
-                          <a:effectLst/>
-                          <a:latin typeface="+mn-lt"/>
-                          <a:ea typeface="+mn-ea"/>
-                          <a:cs typeface="+mn-cs"/>
-                        </a:rPr>
-                        <a:t>9</a:t>
-                      </a:r>
-                      <a:endParaRPr lang="ru-RU" dirty="0"/>
-                    </a:p>
-                  </a:txBody>
-                  <a:tcPr/>
-                </a:tc>
-                <a:tc>
-                  <a:txBody>
-                    <a:bodyPr/>
-                    <a:lstStyle/>
-                    <a:p>
-                      <a:r>
-                        <a:rPr lang="ru-RU" sz="1800" b="0" i="0" kern="1200" dirty="0" smtClean="0">
-                          <a:solidFill>
-                            <a:schemeClr val="dk1"/>
-                          </a:solidFill>
-                          <a:effectLst/>
-                          <a:latin typeface="+mn-lt"/>
-                          <a:ea typeface="+mn-ea"/>
-                          <a:cs typeface="+mn-cs"/>
-                        </a:rPr>
-                        <a:t>0.8120</a:t>
-                      </a:r>
-                      <a:endParaRPr lang="ru-RU" dirty="0"/>
-                    </a:p>
-                  </a:txBody>
-                  <a:tcPr>
-                    <a:solidFill>
-                      <a:srgbClr val="92D050"/>
-                    </a:solidFill>
-                  </a:tcPr>
-                </a:tc>
-                <a:tc>
-                  <a:txBody>
-                    <a:bodyPr/>
-                    <a:lstStyle/>
-                    <a:p>
-                      <a:r>
-                        <a:rPr lang="ru-RU" sz="1800" b="0" i="0" kern="1200" dirty="0" smtClean="0">
-                          <a:solidFill>
-                            <a:schemeClr val="dk1"/>
-                          </a:solidFill>
-                          <a:effectLst/>
-                          <a:latin typeface="+mn-lt"/>
-                          <a:ea typeface="+mn-ea"/>
-                          <a:cs typeface="+mn-cs"/>
-                        </a:rPr>
-                        <a:t>0.4438</a:t>
-                      </a:r>
-                      <a:endParaRPr lang="ru-RU" dirty="0"/>
-                    </a:p>
-                  </a:txBody>
-                  <a:tcPr>
-                    <a:solidFill>
-                      <a:srgbClr val="92D050"/>
-                    </a:solidFill>
-                  </a:tcPr>
-                </a:tc>
-                <a:tc>
-                  <a:txBody>
-                    <a:bodyPr/>
-                    <a:lstStyle/>
-                    <a:p>
-                      <a:r>
-                        <a:rPr lang="ru-RU" sz="1800" b="0" i="0" kern="1200" dirty="0" smtClean="0">
-                          <a:solidFill>
-                            <a:schemeClr val="dk1"/>
-                          </a:solidFill>
-                          <a:effectLst/>
-                          <a:latin typeface="+mn-lt"/>
-                          <a:ea typeface="+mn-ea"/>
-                          <a:cs typeface="+mn-cs"/>
-                        </a:rPr>
-                        <a:t>0.213</a:t>
-                      </a:r>
-                      <a:r>
-                        <a:rPr lang="en-US" sz="1800" b="0" i="0" kern="1200" dirty="0" smtClean="0">
-                          <a:solidFill>
-                            <a:schemeClr val="dk1"/>
-                          </a:solidFill>
-                          <a:effectLst/>
-                          <a:latin typeface="+mn-lt"/>
-                          <a:ea typeface="+mn-ea"/>
-                          <a:cs typeface="+mn-cs"/>
-                        </a:rPr>
-                        <a:t>4</a:t>
-                      </a:r>
-                      <a:endParaRPr lang="ru-RU" dirty="0"/>
-                    </a:p>
-                  </a:txBody>
-                  <a:tcPr/>
-                </a:tc>
-              </a:tr>
-              <a:tr h="370840">
-                <a:tc>
-                  <a:txBody>
-                    <a:bodyPr/>
-                    <a:lstStyle/>
-                    <a:p>
-                      <a:r>
-                        <a:rPr lang="en-US" dirty="0" err="1" smtClean="0"/>
-                        <a:t>DeepPredictWatchman</a:t>
-                      </a:r>
-                      <a:endParaRPr lang="ru-RU" dirty="0"/>
-                    </a:p>
-                  </a:txBody>
-                  <a:tcPr/>
-                </a:tc>
-                <a:tc>
-                  <a:txBody>
-                    <a:bodyPr/>
-                    <a:lstStyle/>
-                    <a:p>
-                      <a:r>
-                        <a:rPr lang="ru-RU" sz="1800" b="0" i="0" kern="1200" dirty="0" smtClean="0">
-                          <a:solidFill>
-                            <a:schemeClr val="dk1"/>
-                          </a:solidFill>
-                          <a:effectLst/>
-                          <a:latin typeface="+mn-lt"/>
-                          <a:ea typeface="+mn-ea"/>
-                          <a:cs typeface="+mn-cs"/>
-                        </a:rPr>
-                        <a:t>0.3224</a:t>
-                      </a:r>
-                      <a:endParaRPr lang="ru-RU" dirty="0"/>
-                    </a:p>
-                  </a:txBody>
-                  <a:tcPr/>
-                </a:tc>
-                <a:tc>
-                  <a:txBody>
-                    <a:bodyPr/>
-                    <a:lstStyle/>
-                    <a:p>
-                      <a:r>
-                        <a:rPr lang="ru-RU" sz="1800" b="0" i="0" kern="1200" dirty="0" smtClean="0">
-                          <a:solidFill>
-                            <a:schemeClr val="dk1"/>
-                          </a:solidFill>
-                          <a:effectLst/>
-                          <a:latin typeface="+mn-lt"/>
-                          <a:ea typeface="+mn-ea"/>
-                          <a:cs typeface="+mn-cs"/>
-                        </a:rPr>
-                        <a:t>0.7167</a:t>
-                      </a:r>
-                      <a:endParaRPr lang="ru-RU" dirty="0"/>
-                    </a:p>
-                  </a:txBody>
-                  <a:tcPr>
-                    <a:solidFill>
-                      <a:srgbClr val="FFC000"/>
-                    </a:solidFill>
-                  </a:tcPr>
-                </a:tc>
-                <a:tc>
-                  <a:txBody>
-                    <a:bodyPr/>
-                    <a:lstStyle/>
-                    <a:p>
-                      <a:r>
-                        <a:rPr lang="ru-RU" sz="1800" b="0" i="0" kern="1200" dirty="0" smtClean="0">
-                          <a:solidFill>
-                            <a:schemeClr val="dk1"/>
-                          </a:solidFill>
-                          <a:effectLst/>
-                          <a:latin typeface="+mn-lt"/>
-                          <a:ea typeface="+mn-ea"/>
-                          <a:cs typeface="+mn-cs"/>
-                        </a:rPr>
-                        <a:t>0.3917</a:t>
-                      </a:r>
-                      <a:endParaRPr lang="ru-RU" dirty="0"/>
-                    </a:p>
-                  </a:txBody>
-                  <a:tcPr/>
-                </a:tc>
-                <a:tc>
-                  <a:txBody>
-                    <a:bodyPr/>
-                    <a:lstStyle/>
-                    <a:p>
-                      <a:r>
-                        <a:rPr lang="ru-RU" sz="1800" b="0" i="0" kern="1200" dirty="0" smtClean="0">
-                          <a:solidFill>
-                            <a:schemeClr val="dk1"/>
-                          </a:solidFill>
-                          <a:effectLst/>
-                          <a:latin typeface="+mn-lt"/>
-                          <a:ea typeface="+mn-ea"/>
-                          <a:cs typeface="+mn-cs"/>
-                        </a:rPr>
-                        <a:t>0.3094</a:t>
-                      </a:r>
-                      <a:endParaRPr lang="ru-RU" dirty="0"/>
-                    </a:p>
-                  </a:txBody>
-                  <a:tcPr>
-                    <a:solidFill>
-                      <a:srgbClr val="FFC000"/>
-                    </a:solidFill>
-                  </a:tcPr>
-                </a:tc>
-              </a:tr>
-              <a:tr h="370840">
-                <a:tc>
-                  <a:txBody>
-                    <a:bodyPr/>
-                    <a:lstStyle/>
-                    <a:p>
-                      <a:r>
-                        <a:rPr lang="en-US" dirty="0" err="1" smtClean="0"/>
-                        <a:t>WatchSquad</a:t>
-                      </a:r>
-                      <a:r>
-                        <a:rPr lang="en-US" dirty="0" smtClean="0"/>
-                        <a:t>(threshold=4)</a:t>
-                      </a:r>
-                      <a:endParaRPr lang="ru-RU" dirty="0"/>
-                    </a:p>
-                  </a:txBody>
-                  <a:tcPr/>
-                </a:tc>
-                <a:tc>
-                  <a:txBody>
-                    <a:bodyPr/>
-                    <a:lstStyle/>
-                    <a:p>
-                      <a:r>
-                        <a:rPr lang="ru-RU" sz="1800" b="0" i="0" kern="1200" dirty="0" smtClean="0">
-                          <a:solidFill>
-                            <a:schemeClr val="dk1"/>
-                          </a:solidFill>
-                          <a:effectLst/>
-                          <a:latin typeface="+mn-lt"/>
-                          <a:ea typeface="+mn-ea"/>
-                          <a:cs typeface="+mn-cs"/>
-                        </a:rPr>
-                        <a:t>0.49</a:t>
-                      </a:r>
-                      <a:r>
-                        <a:rPr lang="en-US" sz="1800" b="0" i="0" kern="1200" dirty="0" smtClean="0">
-                          <a:solidFill>
-                            <a:schemeClr val="dk1"/>
-                          </a:solidFill>
-                          <a:effectLst/>
-                          <a:latin typeface="+mn-lt"/>
-                          <a:ea typeface="+mn-ea"/>
-                          <a:cs typeface="+mn-cs"/>
-                        </a:rPr>
-                        <a:t>50</a:t>
-                      </a:r>
-                      <a:endParaRPr lang="ru-RU" dirty="0"/>
-                    </a:p>
-                  </a:txBody>
-                  <a:tcPr>
-                    <a:solidFill>
-                      <a:srgbClr val="92D050"/>
-                    </a:solidFill>
-                  </a:tcPr>
-                </a:tc>
-                <a:tc>
-                  <a:txBody>
-                    <a:bodyPr/>
-                    <a:lstStyle/>
-                    <a:p>
-                      <a:r>
-                        <a:rPr lang="ru-RU" sz="1800" b="0" i="0" kern="1200" dirty="0" smtClean="0">
-                          <a:solidFill>
-                            <a:schemeClr val="dk1"/>
-                          </a:solidFill>
-                          <a:effectLst/>
-                          <a:latin typeface="+mn-lt"/>
-                          <a:ea typeface="+mn-ea"/>
-                          <a:cs typeface="+mn-cs"/>
-                        </a:rPr>
-                        <a:t>0.7271</a:t>
-                      </a:r>
-                      <a:endParaRPr lang="ru-RU" dirty="0"/>
-                    </a:p>
-                  </a:txBody>
-                  <a:tcPr>
-                    <a:solidFill>
-                      <a:srgbClr val="FFC000"/>
-                    </a:solidFill>
-                  </a:tcPr>
-                </a:tc>
-                <a:tc>
-                  <a:txBody>
-                    <a:bodyPr/>
-                    <a:lstStyle/>
-                    <a:p>
-                      <a:r>
-                        <a:rPr lang="ru-RU" sz="1800" b="0" i="0" kern="1200" dirty="0" smtClean="0">
-                          <a:solidFill>
-                            <a:schemeClr val="dk1"/>
-                          </a:solidFill>
-                          <a:effectLst/>
-                          <a:latin typeface="+mn-lt"/>
-                          <a:ea typeface="+mn-ea"/>
-                          <a:cs typeface="+mn-cs"/>
-                        </a:rPr>
-                        <a:t>0.410</a:t>
-                      </a:r>
-                      <a:r>
-                        <a:rPr lang="en-US" sz="1800" b="0" i="0" kern="1200" dirty="0" smtClean="0">
-                          <a:solidFill>
-                            <a:schemeClr val="dk1"/>
-                          </a:solidFill>
-                          <a:effectLst/>
-                          <a:latin typeface="+mn-lt"/>
-                          <a:ea typeface="+mn-ea"/>
-                          <a:cs typeface="+mn-cs"/>
-                        </a:rPr>
-                        <a:t>4</a:t>
-                      </a:r>
-                      <a:endParaRPr lang="ru-RU" dirty="0"/>
-                    </a:p>
-                  </a:txBody>
-                  <a:tcPr>
-                    <a:solidFill>
-                      <a:srgbClr val="FFC000"/>
-                    </a:solidFill>
-                  </a:tcPr>
-                </a:tc>
-                <a:tc>
-                  <a:txBody>
-                    <a:bodyPr/>
-                    <a:lstStyle/>
-                    <a:p>
-                      <a:r>
-                        <a:rPr lang="ru-RU" sz="1800" b="0" i="0" kern="1200" dirty="0" smtClean="0">
-                          <a:solidFill>
-                            <a:schemeClr val="dk1"/>
-                          </a:solidFill>
-                          <a:effectLst/>
-                          <a:latin typeface="+mn-lt"/>
-                          <a:ea typeface="+mn-ea"/>
-                          <a:cs typeface="+mn-cs"/>
-                        </a:rPr>
-                        <a:t>0.3479</a:t>
-                      </a:r>
-                      <a:endParaRPr lang="ru-RU" dirty="0"/>
-                    </a:p>
-                  </a:txBody>
-                  <a:tcPr>
-                    <a:solidFill>
-                      <a:srgbClr val="92D050"/>
-                    </a:solidFill>
-                  </a:tcPr>
-                </a:tc>
-              </a:tr>
-            </a:tbl>
-          </a:graphicData>
-        </a:graphic>
-      </p:graphicFrame>
     </p:spTree>
     <p:extLst>
       <p:ext uri="{BB962C8B-B14F-4D97-AF65-F5344CB8AC3E}">
-        <p14:creationId xmlns:p14="http://schemas.microsoft.com/office/powerpoint/2010/main" val="3314310523"/>
+        <p14:creationId xmlns:p14="http://schemas.microsoft.com/office/powerpoint/2010/main" val="3605697954"/>
       </p:ext>
     </p:extLst>
   </p:cSld>
@@ -5281,7 +4432,7 @@
             </a:pPr>
             <a:r>
               <a:rPr lang="ru-RU" dirty="0" smtClean="0"/>
-              <a:t>Неисправность - недопустимое отклонение по меньшей мере одной характеристики или переменной системы.</a:t>
+              <a:t>Неисправность – неожиданное и недопустимое отклонение по меньшей мере одной характеристики или переменной системы.</a:t>
             </a:r>
           </a:p>
           <a:p>
@@ -5296,7 +4447,7 @@
             </a:pPr>
             <a:r>
               <a:rPr lang="ru-RU" dirty="0" smtClean="0"/>
-              <a:t>Будем говорить о аномалии, но подразумевать неисправности.</a:t>
+              <a:t>Мы говорим аномалия, подразумеваем – неисправность.</a:t>
             </a:r>
             <a:endParaRPr lang="ru-RU" dirty="0"/>
           </a:p>
@@ -5348,8 +4499,8 @@
           <a:lstStyle/>
           <a:p>
             <a:r>
-              <a:rPr lang="ru-RU" dirty="0" smtClean="0"/>
-              <a:t>Выводы</a:t>
+              <a:rPr lang="en-US" dirty="0" err="1" smtClean="0"/>
+              <a:t>DeepPredictWatchman</a:t>
             </a:r>
             <a:endParaRPr lang="ru-RU" dirty="0"/>
           </a:p>
@@ -5367,49 +4518,73 @@
         </p:nvSpPr>
         <p:spPr/>
         <p:txBody>
-          <a:bodyPr/>
-          <a:lstStyle/>
-          <a:p>
-            <a:r>
-              <a:rPr lang="ru-RU" dirty="0" smtClean="0"/>
-              <a:t>Подготовил </a:t>
-            </a:r>
-            <a:r>
-              <a:rPr lang="ru-RU" dirty="0" err="1" smtClean="0"/>
-              <a:t>датасеты</a:t>
-            </a:r>
-            <a:r>
-              <a:rPr lang="ru-RU" dirty="0" smtClean="0"/>
-              <a:t> для обучения </a:t>
-            </a:r>
-            <a:r>
-              <a:rPr lang="ru-RU" dirty="0" err="1" smtClean="0"/>
-              <a:t>детекции</a:t>
-            </a:r>
-            <a:r>
-              <a:rPr lang="ru-RU" dirty="0" smtClean="0"/>
-              <a:t> аномалий</a:t>
-            </a:r>
-          </a:p>
-          <a:p>
-            <a:r>
-              <a:rPr lang="ru-RU" dirty="0" smtClean="0"/>
-              <a:t>Сформулировал метрику </a:t>
-            </a:r>
-          </a:p>
-          <a:p>
-            <a:r>
-              <a:rPr lang="ru-RU" dirty="0" smtClean="0"/>
-              <a:t>Выбрал и проверил методы обнаружения аномалий</a:t>
-            </a:r>
-          </a:p>
-          <a:p>
-            <a:r>
-              <a:rPr lang="ru-RU" dirty="0" smtClean="0"/>
-              <a:t>Собрал ансамбль методов, который можно использовать в реальной задаче</a:t>
-            </a:r>
-          </a:p>
-          <a:p>
+          <a:bodyPr>
+            <a:normAutofit/>
+          </a:bodyPr>
+          <a:lstStyle/>
+          <a:p>
+            <a:pPr marL="0" indent="0">
+              <a:buNone/>
+            </a:pPr>
+            <a:r>
+              <a:rPr lang="ru-RU" dirty="0" smtClean="0"/>
+              <a:t>Идея:</a:t>
+            </a:r>
+            <a:endParaRPr lang="en-US" dirty="0" smtClean="0"/>
+          </a:p>
+          <a:p>
+            <a:r>
+              <a:rPr lang="ru-RU" dirty="0" smtClean="0"/>
+              <a:t>Текущее семпл предсказывается по нескольким предыдущим</a:t>
+            </a:r>
+          </a:p>
+          <a:p>
+            <a:r>
+              <a:rPr lang="ru-RU" dirty="0" smtClean="0"/>
+              <a:t>Предсказатель строится на базе рекуррентной нейронной сети (</a:t>
+            </a:r>
+            <a:r>
+              <a:rPr lang="en-US" dirty="0" smtClean="0"/>
+              <a:t>LSTM)</a:t>
+            </a:r>
+            <a:endParaRPr lang="ru-RU" dirty="0" smtClean="0"/>
+          </a:p>
+          <a:p>
+            <a:r>
+              <a:rPr lang="ru-RU" dirty="0" smtClean="0"/>
+              <a:t>Запоминает границы ошибки предсказания и </a:t>
+            </a:r>
+            <a:r>
+              <a:rPr lang="en-US" dirty="0" smtClean="0"/>
+              <a:t>PMSE</a:t>
+            </a:r>
+            <a:endParaRPr lang="ru-RU" dirty="0" smtClean="0"/>
+          </a:p>
+          <a:p>
+            <a:r>
+              <a:rPr lang="ru-RU" dirty="0" smtClean="0"/>
+              <a:t>Считает аномалией значения, выходящие за границы</a:t>
+            </a:r>
+            <a:endParaRPr lang="en-US" dirty="0" smtClean="0"/>
+          </a:p>
+          <a:p>
+            <a:pPr marL="0" indent="0">
+              <a:buNone/>
+            </a:pPr>
+            <a:r>
+              <a:rPr lang="ru-RU" dirty="0" smtClean="0"/>
+              <a:t>Результат:</a:t>
+            </a:r>
+          </a:p>
+          <a:p>
+            <a:r>
+              <a:rPr lang="ru-RU" dirty="0" smtClean="0"/>
+              <a:t>Предсказание по каждому признаку и </a:t>
+            </a:r>
+            <a:r>
+              <a:rPr lang="en-US" dirty="0" smtClean="0"/>
+              <a:t>PMSE</a:t>
+            </a:r>
             <a:endParaRPr lang="ru-RU" dirty="0"/>
           </a:p>
         </p:txBody>
@@ -5417,7 +4592,7 @@
     </p:spTree>
     <p:extLst>
       <p:ext uri="{BB962C8B-B14F-4D97-AF65-F5344CB8AC3E}">
-        <p14:creationId xmlns:p14="http://schemas.microsoft.com/office/powerpoint/2010/main" val="2527528467"/>
+        <p14:creationId xmlns:p14="http://schemas.microsoft.com/office/powerpoint/2010/main" val="894946228"/>
       </p:ext>
     </p:extLst>
   </p:cSld>
@@ -5461,7 +4636,2160 @@
           <a:p>
             <a:r>
               <a:rPr lang="ru-RU" dirty="0" smtClean="0"/>
-              <a:t>Пути улучшения</a:t>
+              <a:t>Этапы обучения</a:t>
+            </a:r>
+            <a:endParaRPr lang="ru-RU" dirty="0"/>
+          </a:p>
+        </p:txBody>
+      </p:sp>
+      <p:sp>
+        <p:nvSpPr>
+          <p:cNvPr id="3" name="Объект 2"/>
+          <p:cNvSpPr>
+            <a:spLocks noGrp="1"/>
+          </p:cNvSpPr>
+          <p:nvPr>
+            <p:ph idx="1"/>
+          </p:nvPr>
+        </p:nvSpPr>
+        <p:spPr/>
+        <p:txBody>
+          <a:bodyPr/>
+          <a:lstStyle/>
+          <a:p>
+            <a:pPr marL="514350" indent="-514350">
+              <a:buFont typeface="+mj-lt"/>
+              <a:buAutoNum type="arabicPeriod"/>
+            </a:pPr>
+            <a:r>
+              <a:rPr lang="ru-RU" dirty="0" err="1" smtClean="0"/>
+              <a:t>Предобучение</a:t>
+            </a:r>
+            <a:r>
+              <a:rPr lang="ru-RU" dirty="0" smtClean="0"/>
+              <a:t> п</a:t>
+            </a:r>
+            <a:r>
+              <a:rPr lang="ru-RU" dirty="0" smtClean="0"/>
+              <a:t>о </a:t>
+            </a:r>
+            <a:r>
+              <a:rPr lang="ru-RU" dirty="0" smtClean="0"/>
+              <a:t>всем обучающим </a:t>
+            </a:r>
+            <a:r>
+              <a:rPr lang="ru-RU" dirty="0" smtClean="0"/>
+              <a:t>файла: изучение </a:t>
+            </a:r>
+            <a:r>
+              <a:rPr lang="ru-RU" dirty="0" smtClean="0"/>
+              <a:t>данных, подстройка параметров алгоритма под количество файлов, обучение </a:t>
+            </a:r>
+            <a:r>
+              <a:rPr lang="ru-RU" dirty="0" err="1" smtClean="0"/>
+              <a:t>скейлера</a:t>
+            </a:r>
+            <a:endParaRPr lang="ru-RU" dirty="0" smtClean="0"/>
+          </a:p>
+          <a:p>
+            <a:pPr marL="514350" indent="-514350">
+              <a:buFont typeface="+mj-lt"/>
+              <a:buAutoNum type="arabicPeriod"/>
+            </a:pPr>
+            <a:r>
+              <a:rPr lang="ru-RU" dirty="0" smtClean="0"/>
+              <a:t>Обучение по </a:t>
+            </a:r>
+            <a:r>
+              <a:rPr lang="ru-RU" dirty="0" smtClean="0"/>
+              <a:t>всем обучающим </a:t>
+            </a:r>
+            <a:r>
+              <a:rPr lang="ru-RU" dirty="0" smtClean="0"/>
+              <a:t>файлам: обучение </a:t>
+            </a:r>
+            <a:r>
+              <a:rPr lang="ru-RU" dirty="0" smtClean="0"/>
+              <a:t>основного </a:t>
+            </a:r>
+            <a:r>
+              <a:rPr lang="ru-RU" dirty="0" smtClean="0"/>
+              <a:t>алгоритма представления/предсказания</a:t>
+            </a:r>
+            <a:endParaRPr lang="ru-RU" dirty="0" smtClean="0"/>
+          </a:p>
+          <a:p>
+            <a:pPr marL="514350" indent="-514350">
+              <a:buFont typeface="+mj-lt"/>
+              <a:buAutoNum type="arabicPeriod"/>
+            </a:pPr>
+            <a:r>
+              <a:rPr lang="ru-RU" dirty="0" err="1" smtClean="0"/>
+              <a:t>Постобучение</a:t>
+            </a:r>
+            <a:r>
+              <a:rPr lang="ru-RU" dirty="0" smtClean="0"/>
+              <a:t> по </a:t>
+            </a:r>
+            <a:r>
+              <a:rPr lang="ru-RU" dirty="0" smtClean="0"/>
+              <a:t>всем обучающим </a:t>
+            </a:r>
+            <a:r>
+              <a:rPr lang="ru-RU" dirty="0" smtClean="0"/>
+              <a:t>файлам: запоминание границ </a:t>
+            </a:r>
+            <a:r>
+              <a:rPr lang="ru-RU" dirty="0" smtClean="0"/>
+              <a:t>ошибок </a:t>
+            </a:r>
+            <a:r>
+              <a:rPr lang="ru-RU" dirty="0" smtClean="0"/>
+              <a:t>представления/предсказания</a:t>
+            </a:r>
+            <a:endParaRPr lang="ru-RU" dirty="0"/>
+          </a:p>
+        </p:txBody>
+      </p:sp>
+    </p:spTree>
+    <p:extLst>
+      <p:ext uri="{BB962C8B-B14F-4D97-AF65-F5344CB8AC3E}">
+        <p14:creationId xmlns:p14="http://schemas.microsoft.com/office/powerpoint/2010/main" val="499692603"/>
+      </p:ext>
+    </p:extLst>
+  </p:cSld>
+  <p:clrMapOvr>
+    <a:masterClrMapping/>
+  </p:clrMapOvr>
+</p:sld>
+</file>
+
+<file path=ppt/slides/slide22.xml><?xml version="1.0" encoding="utf-8"?>
+<p:sld xmlns:a="http://schemas.openxmlformats.org/drawingml/2006/main" xmlns:r="http://schemas.openxmlformats.org/officeDocument/2006/relationships" xmlns:p="http://schemas.openxmlformats.org/presentationml/2006/main">
+  <p:cSld>
+    <p:spTree>
+      <p:nvGrpSpPr>
+        <p:cNvPr id="1" name=""/>
+        <p:cNvGrpSpPr/>
+        <p:nvPr/>
+      </p:nvGrpSpPr>
+      <p:grpSpPr>
+        <a:xfrm>
+          <a:off x="0" y="0"/>
+          <a:ext cx="0" cy="0"/>
+          <a:chOff x="0" y="0"/>
+          <a:chExt cx="0" cy="0"/>
+        </a:xfrm>
+      </p:grpSpPr>
+      <p:sp>
+        <p:nvSpPr>
+          <p:cNvPr id="2" name="Заголовок 1"/>
+          <p:cNvSpPr>
+            <a:spLocks noGrp="1"/>
+          </p:cNvSpPr>
+          <p:nvPr>
+            <p:ph type="title"/>
+          </p:nvPr>
+        </p:nvSpPr>
+        <p:spPr/>
+        <p:txBody>
+          <a:bodyPr/>
+          <a:lstStyle/>
+          <a:p>
+            <a:r>
+              <a:rPr lang="ru-RU" dirty="0" smtClean="0"/>
+              <a:t>Сколько мы можем предсказать?</a:t>
+            </a:r>
+            <a:endParaRPr lang="ru-RU" dirty="0"/>
+          </a:p>
+        </p:txBody>
+      </p:sp>
+      <p:graphicFrame>
+        <p:nvGraphicFramePr>
+          <p:cNvPr id="4" name="Объект 3"/>
+          <p:cNvGraphicFramePr>
+            <a:graphicFrameLocks noGrp="1"/>
+          </p:cNvGraphicFramePr>
+          <p:nvPr>
+            <p:ph idx="1"/>
+            <p:extLst>
+              <p:ext uri="{D42A27DB-BD31-4B8C-83A1-F6EECF244321}">
+                <p14:modId xmlns:p14="http://schemas.microsoft.com/office/powerpoint/2010/main" val="225450848"/>
+              </p:ext>
+            </p:extLst>
+          </p:nvPr>
+        </p:nvGraphicFramePr>
+        <p:xfrm>
+          <a:off x="838200" y="1825625"/>
+          <a:ext cx="10068696" cy="2595880"/>
+        </p:xfrm>
+        <a:graphic>
+          <a:graphicData uri="http://schemas.openxmlformats.org/drawingml/2006/table">
+            <a:tbl>
+              <a:tblPr firstRow="1" bandRow="1">
+                <a:tableStyleId>{5C22544A-7EE6-4342-B048-85BDC9FD1C3A}</a:tableStyleId>
+              </a:tblPr>
+              <a:tblGrid>
+                <a:gridCol w="2517174"/>
+                <a:gridCol w="2517174"/>
+                <a:gridCol w="2517174"/>
+                <a:gridCol w="2517174"/>
+              </a:tblGrid>
+              <a:tr h="370840">
+                <a:tc>
+                  <a:txBody>
+                    <a:bodyPr/>
+                    <a:lstStyle/>
+                    <a:p>
+                      <a:endParaRPr lang="ru-RU" dirty="0"/>
+                    </a:p>
+                  </a:txBody>
+                  <a:tcPr/>
+                </a:tc>
+                <a:tc>
+                  <a:txBody>
+                    <a:bodyPr/>
+                    <a:lstStyle/>
+                    <a:p>
+                      <a:r>
+                        <a:rPr lang="en-US" dirty="0" smtClean="0"/>
+                        <a:t>GHL</a:t>
+                      </a:r>
+                      <a:endParaRPr lang="ru-RU" dirty="0"/>
+                    </a:p>
+                  </a:txBody>
+                  <a:tcPr/>
+                </a:tc>
+                <a:tc>
+                  <a:txBody>
+                    <a:bodyPr/>
+                    <a:lstStyle/>
+                    <a:p>
+                      <a:r>
+                        <a:rPr lang="en-US" dirty="0" smtClean="0"/>
+                        <a:t>TEP</a:t>
+                      </a:r>
+                      <a:endParaRPr lang="ru-RU" dirty="0"/>
+                    </a:p>
+                  </a:txBody>
+                  <a:tcPr/>
+                </a:tc>
+                <a:tc>
+                  <a:txBody>
+                    <a:bodyPr/>
+                    <a:lstStyle/>
+                    <a:p>
+                      <a:r>
+                        <a:rPr lang="en-US" dirty="0" err="1" smtClean="0"/>
+                        <a:t>SWaT</a:t>
+                      </a:r>
+                      <a:endParaRPr lang="ru-RU" dirty="0"/>
+                    </a:p>
+                  </a:txBody>
+                  <a:tcPr/>
+                </a:tc>
+              </a:tr>
+              <a:tr h="370840">
+                <a:tc>
+                  <a:txBody>
+                    <a:bodyPr/>
+                    <a:lstStyle/>
+                    <a:p>
+                      <a:r>
+                        <a:rPr lang="en-US" dirty="0" err="1" smtClean="0"/>
+                        <a:t>DirectLimitWatchman</a:t>
+                      </a:r>
+                      <a:endParaRPr lang="ru-RU" dirty="0"/>
+                    </a:p>
+                  </a:txBody>
+                  <a:tcPr/>
+                </a:tc>
+                <a:tc>
+                  <a:txBody>
+                    <a:bodyPr/>
+                    <a:lstStyle/>
+                    <a:p>
+                      <a:r>
+                        <a:rPr lang="ru-RU" dirty="0" smtClean="0"/>
+                        <a:t>12</a:t>
+                      </a:r>
+                      <a:endParaRPr lang="ru-RU" dirty="0"/>
+                    </a:p>
+                  </a:txBody>
+                  <a:tcPr/>
+                </a:tc>
+                <a:tc>
+                  <a:txBody>
+                    <a:bodyPr/>
+                    <a:lstStyle/>
+                    <a:p>
+                      <a:r>
+                        <a:rPr lang="ru-RU" dirty="0" smtClean="0"/>
+                        <a:t>52</a:t>
+                      </a:r>
+                      <a:endParaRPr lang="ru-RU" dirty="0"/>
+                    </a:p>
+                  </a:txBody>
+                  <a:tcPr/>
+                </a:tc>
+                <a:tc>
+                  <a:txBody>
+                    <a:bodyPr/>
+                    <a:lstStyle/>
+                    <a:p>
+                      <a:r>
+                        <a:rPr lang="ru-RU" dirty="0" smtClean="0"/>
+                        <a:t>52</a:t>
+                      </a:r>
+                      <a:endParaRPr lang="ru-RU" dirty="0"/>
+                    </a:p>
+                  </a:txBody>
+                  <a:tcPr/>
+                </a:tc>
+              </a:tr>
+              <a:tr h="370840">
+                <a:tc>
+                  <a:txBody>
+                    <a:bodyPr/>
+                    <a:lstStyle/>
+                    <a:p>
+                      <a:r>
+                        <a:rPr lang="en-US" dirty="0" err="1" smtClean="0"/>
+                        <a:t>PcaLimitWatchman</a:t>
+                      </a:r>
+                      <a:endParaRPr lang="ru-RU" dirty="0"/>
+                    </a:p>
+                  </a:txBody>
+                  <a:tcPr/>
+                </a:tc>
+                <a:tc>
+                  <a:txBody>
+                    <a:bodyPr/>
+                    <a:lstStyle/>
+                    <a:p>
+                      <a:r>
+                        <a:rPr lang="en-US" dirty="0" smtClean="0"/>
+                        <a:t>4</a:t>
+                      </a:r>
+                      <a:endParaRPr lang="ru-RU" dirty="0"/>
+                    </a:p>
+                  </a:txBody>
+                  <a:tcPr/>
+                </a:tc>
+                <a:tc>
+                  <a:txBody>
+                    <a:bodyPr/>
+                    <a:lstStyle/>
+                    <a:p>
+                      <a:r>
+                        <a:rPr lang="en-US" dirty="0" smtClean="0"/>
+                        <a:t>4</a:t>
+                      </a:r>
+                      <a:endParaRPr lang="ru-RU" dirty="0"/>
+                    </a:p>
+                  </a:txBody>
+                  <a:tcPr/>
+                </a:tc>
+                <a:tc>
+                  <a:txBody>
+                    <a:bodyPr/>
+                    <a:lstStyle/>
+                    <a:p>
+                      <a:r>
+                        <a:rPr lang="en-US" dirty="0" smtClean="0"/>
+                        <a:t>4</a:t>
+                      </a:r>
+                      <a:endParaRPr lang="ru-RU" dirty="0"/>
+                    </a:p>
+                  </a:txBody>
+                  <a:tcPr/>
+                </a:tc>
+              </a:tr>
+              <a:tr h="370840">
+                <a:tc>
+                  <a:txBody>
+                    <a:bodyPr/>
+                    <a:lstStyle/>
+                    <a:p>
+                      <a:r>
+                        <a:rPr lang="en-US" dirty="0" err="1" smtClean="0"/>
+                        <a:t>IsoForestWatchman</a:t>
+                      </a:r>
+                      <a:endParaRPr lang="ru-RU" dirty="0"/>
+                    </a:p>
+                  </a:txBody>
+                  <a:tcPr/>
+                </a:tc>
+                <a:tc>
+                  <a:txBody>
+                    <a:bodyPr/>
+                    <a:lstStyle/>
+                    <a:p>
+                      <a:r>
+                        <a:rPr lang="en-US" dirty="0" smtClean="0"/>
+                        <a:t>1</a:t>
+                      </a:r>
+                      <a:endParaRPr lang="ru-RU" dirty="0"/>
+                    </a:p>
+                  </a:txBody>
+                  <a:tcPr/>
+                </a:tc>
+                <a:tc>
+                  <a:txBody>
+                    <a:bodyPr/>
+                    <a:lstStyle/>
+                    <a:p>
+                      <a:r>
+                        <a:rPr lang="en-US" dirty="0" smtClean="0"/>
+                        <a:t>1</a:t>
+                      </a:r>
+                      <a:endParaRPr lang="ru-RU" dirty="0"/>
+                    </a:p>
+                  </a:txBody>
+                  <a:tcPr/>
+                </a:tc>
+                <a:tc>
+                  <a:txBody>
+                    <a:bodyPr/>
+                    <a:lstStyle/>
+                    <a:p>
+                      <a:r>
+                        <a:rPr lang="en-US" dirty="0" smtClean="0"/>
+                        <a:t>1</a:t>
+                      </a:r>
+                      <a:endParaRPr lang="ru-RU" dirty="0"/>
+                    </a:p>
+                  </a:txBody>
+                  <a:tcPr/>
+                </a:tc>
+              </a:tr>
+              <a:tr h="370840">
+                <a:tc>
+                  <a:txBody>
+                    <a:bodyPr/>
+                    <a:lstStyle/>
+                    <a:p>
+                      <a:r>
+                        <a:rPr lang="en-US" dirty="0" err="1" smtClean="0"/>
+                        <a:t>LinearPredictWatchman</a:t>
+                      </a:r>
+                      <a:endParaRPr lang="ru-RU" dirty="0"/>
+                    </a:p>
+                  </a:txBody>
+                  <a:tcPr/>
+                </a:tc>
+                <a:tc>
+                  <a:txBody>
+                    <a:bodyPr/>
+                    <a:lstStyle/>
+                    <a:p>
+                      <a:r>
+                        <a:rPr lang="ru-RU" dirty="0" smtClean="0"/>
+                        <a:t>8</a:t>
+                      </a:r>
+                      <a:endParaRPr lang="ru-RU" dirty="0"/>
+                    </a:p>
+                  </a:txBody>
+                  <a:tcPr/>
+                </a:tc>
+                <a:tc>
+                  <a:txBody>
+                    <a:bodyPr/>
+                    <a:lstStyle/>
+                    <a:p>
+                      <a:r>
+                        <a:rPr lang="ru-RU" dirty="0" smtClean="0"/>
+                        <a:t>53</a:t>
+                      </a:r>
+                      <a:endParaRPr lang="ru-RU" dirty="0"/>
+                    </a:p>
+                  </a:txBody>
+                  <a:tcPr/>
+                </a:tc>
+                <a:tc>
+                  <a:txBody>
+                    <a:bodyPr/>
+                    <a:lstStyle/>
+                    <a:p>
+                      <a:r>
+                        <a:rPr lang="en-US" dirty="0" smtClean="0"/>
+                        <a:t>26</a:t>
+                      </a:r>
+                      <a:endParaRPr lang="ru-RU" dirty="0"/>
+                    </a:p>
+                  </a:txBody>
+                  <a:tcPr/>
+                </a:tc>
+              </a:tr>
+              <a:tr h="370840">
+                <a:tc>
+                  <a:txBody>
+                    <a:bodyPr/>
+                    <a:lstStyle/>
+                    <a:p>
+                      <a:r>
+                        <a:rPr lang="en-US" dirty="0" err="1" smtClean="0"/>
+                        <a:t>DeepPredictWatchman</a:t>
+                      </a:r>
+                      <a:endParaRPr lang="ru-RU" dirty="0"/>
+                    </a:p>
+                  </a:txBody>
+                  <a:tcPr/>
+                </a:tc>
+                <a:tc>
+                  <a:txBody>
+                    <a:bodyPr/>
+                    <a:lstStyle/>
+                    <a:p>
+                      <a:r>
+                        <a:rPr lang="ru-RU" dirty="0" smtClean="0"/>
+                        <a:t>13</a:t>
+                      </a:r>
+                      <a:endParaRPr lang="ru-RU" dirty="0"/>
+                    </a:p>
+                  </a:txBody>
+                  <a:tcPr/>
+                </a:tc>
+                <a:tc>
+                  <a:txBody>
+                    <a:bodyPr/>
+                    <a:lstStyle/>
+                    <a:p>
+                      <a:r>
+                        <a:rPr lang="ru-RU" dirty="0" smtClean="0"/>
+                        <a:t>53</a:t>
+                      </a:r>
+                      <a:endParaRPr lang="ru-RU" dirty="0"/>
+                    </a:p>
+                  </a:txBody>
+                  <a:tcPr/>
+                </a:tc>
+                <a:tc>
+                  <a:txBody>
+                    <a:bodyPr/>
+                    <a:lstStyle/>
+                    <a:p>
+                      <a:r>
+                        <a:rPr lang="ru-RU" dirty="0" smtClean="0"/>
+                        <a:t>53</a:t>
+                      </a:r>
+                      <a:endParaRPr lang="ru-RU" dirty="0"/>
+                    </a:p>
+                  </a:txBody>
+                  <a:tcPr/>
+                </a:tc>
+              </a:tr>
+              <a:tr h="370840">
+                <a:tc>
+                  <a:txBody>
+                    <a:bodyPr/>
+                    <a:lstStyle/>
+                    <a:p>
+                      <a:r>
+                        <a:rPr lang="ru-RU" b="1" dirty="0" smtClean="0"/>
+                        <a:t>Итого</a:t>
+                      </a:r>
+                      <a:endParaRPr lang="ru-RU" b="1" dirty="0"/>
+                    </a:p>
+                  </a:txBody>
+                  <a:tcPr/>
+                </a:tc>
+                <a:tc>
+                  <a:txBody>
+                    <a:bodyPr/>
+                    <a:lstStyle/>
+                    <a:p>
+                      <a:r>
+                        <a:rPr lang="ru-RU" b="1" dirty="0" smtClean="0"/>
+                        <a:t>38</a:t>
+                      </a:r>
+                      <a:endParaRPr lang="ru-RU" b="1" dirty="0"/>
+                    </a:p>
+                  </a:txBody>
+                  <a:tcPr/>
+                </a:tc>
+                <a:tc>
+                  <a:txBody>
+                    <a:bodyPr/>
+                    <a:lstStyle/>
+                    <a:p>
+                      <a:r>
+                        <a:rPr lang="ru-RU" b="1" dirty="0" smtClean="0"/>
+                        <a:t>163</a:t>
+                      </a:r>
+                      <a:endParaRPr lang="ru-RU" b="1" dirty="0"/>
+                    </a:p>
+                  </a:txBody>
+                  <a:tcPr/>
+                </a:tc>
+                <a:tc>
+                  <a:txBody>
+                    <a:bodyPr/>
+                    <a:lstStyle/>
+                    <a:p>
+                      <a:r>
+                        <a:rPr lang="ru-RU" b="1" dirty="0" smtClean="0"/>
+                        <a:t>136</a:t>
+                      </a:r>
+                      <a:endParaRPr lang="ru-RU" b="1" dirty="0"/>
+                    </a:p>
+                  </a:txBody>
+                  <a:tcPr/>
+                </a:tc>
+              </a:tr>
+            </a:tbl>
+          </a:graphicData>
+        </a:graphic>
+      </p:graphicFrame>
+    </p:spTree>
+    <p:extLst>
+      <p:ext uri="{BB962C8B-B14F-4D97-AF65-F5344CB8AC3E}">
+        <p14:creationId xmlns:p14="http://schemas.microsoft.com/office/powerpoint/2010/main" val="1798441367"/>
+      </p:ext>
+    </p:extLst>
+  </p:cSld>
+  <p:clrMapOvr>
+    <a:masterClrMapping/>
+  </p:clrMapOvr>
+</p:sld>
+</file>
+
+<file path=ppt/slides/slide23.xml><?xml version="1.0" encoding="utf-8"?>
+<p:sld xmlns:a="http://schemas.openxmlformats.org/drawingml/2006/main" xmlns:r="http://schemas.openxmlformats.org/officeDocument/2006/relationships" xmlns:p="http://schemas.openxmlformats.org/presentationml/2006/main">
+  <p:cSld>
+    <p:spTree>
+      <p:nvGrpSpPr>
+        <p:cNvPr id="1" name=""/>
+        <p:cNvGrpSpPr/>
+        <p:nvPr/>
+      </p:nvGrpSpPr>
+      <p:grpSpPr>
+        <a:xfrm>
+          <a:off x="0" y="0"/>
+          <a:ext cx="0" cy="0"/>
+          <a:chOff x="0" y="0"/>
+          <a:chExt cx="0" cy="0"/>
+        </a:xfrm>
+      </p:grpSpPr>
+      <p:sp>
+        <p:nvSpPr>
+          <p:cNvPr id="2" name="Заголовок 1"/>
+          <p:cNvSpPr>
+            <a:spLocks noGrp="1"/>
+          </p:cNvSpPr>
+          <p:nvPr>
+            <p:ph type="title"/>
+          </p:nvPr>
+        </p:nvSpPr>
+        <p:spPr/>
+        <p:txBody>
+          <a:bodyPr/>
+          <a:lstStyle/>
+          <a:p>
+            <a:r>
+              <a:rPr lang="ru-RU" dirty="0" err="1" smtClean="0"/>
+              <a:t>Ансамблирование</a:t>
+            </a:r>
+            <a:endParaRPr lang="ru-RU" dirty="0"/>
+          </a:p>
+        </p:txBody>
+      </p:sp>
+      <p:sp>
+        <p:nvSpPr>
+          <p:cNvPr id="3" name="Объект 2"/>
+          <p:cNvSpPr>
+            <a:spLocks noGrp="1"/>
+          </p:cNvSpPr>
+          <p:nvPr>
+            <p:ph idx="1"/>
+          </p:nvPr>
+        </p:nvSpPr>
+        <p:spPr/>
+        <p:txBody>
+          <a:bodyPr>
+            <a:normAutofit fontScale="77500" lnSpcReduction="20000"/>
+          </a:bodyPr>
+          <a:lstStyle/>
+          <a:p>
+            <a:pPr marL="0" indent="0">
+              <a:buNone/>
+            </a:pPr>
+            <a:r>
+              <a:rPr lang="ru-RU" dirty="0" smtClean="0"/>
+              <a:t>Отдельный сторож может хорошо работать на одних процессах и плохо на других. Мы хотим объединить предсказания, чтобы получать стабильно хороший результат.</a:t>
+            </a:r>
+          </a:p>
+          <a:p>
+            <a:pPr marL="0" indent="0">
+              <a:buNone/>
+            </a:pPr>
+            <a:endParaRPr lang="ru-RU" dirty="0" smtClean="0"/>
+          </a:p>
+          <a:p>
+            <a:pPr marL="0" indent="0">
+              <a:buNone/>
+            </a:pPr>
+            <a:r>
+              <a:rPr lang="ru-RU" dirty="0" smtClean="0"/>
+              <a:t>Ансамбль:</a:t>
+            </a:r>
+          </a:p>
+          <a:p>
+            <a:r>
+              <a:rPr lang="ru-RU" dirty="0" smtClean="0"/>
+              <a:t>Предсказывает каждым сторожем</a:t>
+            </a:r>
+          </a:p>
+          <a:p>
+            <a:r>
+              <a:rPr lang="ru-RU" dirty="0" smtClean="0"/>
+              <a:t>Считает по каждому семплу количество предсказаний аномалии</a:t>
+            </a:r>
+          </a:p>
+          <a:p>
+            <a:r>
+              <a:rPr lang="ru-RU" dirty="0" smtClean="0"/>
+              <a:t>Считает семпл аномалией, начиная от некоторого количества</a:t>
+            </a:r>
+          </a:p>
+          <a:p>
+            <a:endParaRPr lang="ru-RU" dirty="0" smtClean="0"/>
+          </a:p>
+          <a:p>
+            <a:pPr marL="0" indent="0">
+              <a:buNone/>
+            </a:pPr>
+            <a:r>
+              <a:rPr lang="ru-RU" dirty="0" smtClean="0"/>
+              <a:t>Отсечка может выступать в качестве параметра уверенности:</a:t>
+            </a:r>
+          </a:p>
+          <a:p>
+            <a:r>
+              <a:rPr lang="ru-RU" dirty="0" smtClean="0"/>
+              <a:t>Чем больше отсечка, тем больше мы уверены в положительном предсказании, но тем больше пропускаем аномалии</a:t>
+            </a:r>
+          </a:p>
+          <a:p>
+            <a:r>
+              <a:rPr lang="ru-RU" dirty="0" smtClean="0"/>
+              <a:t>Чем меньше отсечка, тем меньше мы уверены в положительном предсказании, но тем меньше пропускаем аномалии</a:t>
+            </a:r>
+          </a:p>
+        </p:txBody>
+      </p:sp>
+    </p:spTree>
+    <p:extLst>
+      <p:ext uri="{BB962C8B-B14F-4D97-AF65-F5344CB8AC3E}">
+        <p14:creationId xmlns:p14="http://schemas.microsoft.com/office/powerpoint/2010/main" val="1766330035"/>
+      </p:ext>
+    </p:extLst>
+  </p:cSld>
+  <p:clrMapOvr>
+    <a:masterClrMapping/>
+  </p:clrMapOvr>
+</p:sld>
+</file>
+
+<file path=ppt/slides/slide24.xml><?xml version="1.0" encoding="utf-8"?>
+<p:sld xmlns:a="http://schemas.openxmlformats.org/drawingml/2006/main" xmlns:r="http://schemas.openxmlformats.org/officeDocument/2006/relationships" xmlns:p="http://schemas.openxmlformats.org/presentationml/2006/main">
+  <p:cSld>
+    <p:spTree>
+      <p:nvGrpSpPr>
+        <p:cNvPr id="1" name=""/>
+        <p:cNvGrpSpPr/>
+        <p:nvPr/>
+      </p:nvGrpSpPr>
+      <p:grpSpPr>
+        <a:xfrm>
+          <a:off x="0" y="0"/>
+          <a:ext cx="0" cy="0"/>
+          <a:chOff x="0" y="0"/>
+          <a:chExt cx="0" cy="0"/>
+        </a:xfrm>
+      </p:grpSpPr>
+      <p:sp>
+        <p:nvSpPr>
+          <p:cNvPr id="2" name="Заголовок 1"/>
+          <p:cNvSpPr>
+            <a:spLocks noGrp="1"/>
+          </p:cNvSpPr>
+          <p:nvPr>
+            <p:ph type="title"/>
+          </p:nvPr>
+        </p:nvSpPr>
+        <p:spPr/>
+        <p:txBody>
+          <a:bodyPr/>
+          <a:lstStyle/>
+          <a:p>
+            <a:r>
+              <a:rPr lang="ru-RU" dirty="0" smtClean="0"/>
+              <a:t>Результаты</a:t>
+            </a:r>
+            <a:r>
+              <a:rPr lang="en-US" dirty="0" smtClean="0"/>
+              <a:t> (F1-</a:t>
+            </a:r>
+            <a:r>
+              <a:rPr lang="ru-RU" dirty="0" smtClean="0"/>
+              <a:t>мера)</a:t>
+            </a:r>
+            <a:endParaRPr lang="ru-RU" dirty="0"/>
+          </a:p>
+        </p:txBody>
+      </p:sp>
+      <p:graphicFrame>
+        <p:nvGraphicFramePr>
+          <p:cNvPr id="4" name="Объект 3"/>
+          <p:cNvGraphicFramePr>
+            <a:graphicFrameLocks noGrp="1"/>
+          </p:cNvGraphicFramePr>
+          <p:nvPr>
+            <p:ph idx="1"/>
+            <p:extLst>
+              <p:ext uri="{D42A27DB-BD31-4B8C-83A1-F6EECF244321}">
+                <p14:modId xmlns:p14="http://schemas.microsoft.com/office/powerpoint/2010/main" val="3554277830"/>
+              </p:ext>
+            </p:extLst>
+          </p:nvPr>
+        </p:nvGraphicFramePr>
+        <p:xfrm>
+          <a:off x="838201" y="1690688"/>
+          <a:ext cx="10515599" cy="2595880"/>
+        </p:xfrm>
+        <a:graphic>
+          <a:graphicData uri="http://schemas.openxmlformats.org/drawingml/2006/table">
+            <a:tbl>
+              <a:tblPr firstRow="1" bandRow="1">
+                <a:tableStyleId>{5C22544A-7EE6-4342-B048-85BDC9FD1C3A}</a:tableStyleId>
+              </a:tblPr>
+              <a:tblGrid>
+                <a:gridCol w="2852351"/>
+                <a:gridCol w="1915812"/>
+                <a:gridCol w="1915812"/>
+                <a:gridCol w="1915812"/>
+                <a:gridCol w="1915812"/>
+              </a:tblGrid>
+              <a:tr h="370840">
+                <a:tc>
+                  <a:txBody>
+                    <a:bodyPr/>
+                    <a:lstStyle/>
+                    <a:p>
+                      <a:endParaRPr lang="ru-RU" dirty="0"/>
+                    </a:p>
+                  </a:txBody>
+                  <a:tcPr/>
+                </a:tc>
+                <a:tc>
+                  <a:txBody>
+                    <a:bodyPr/>
+                    <a:lstStyle/>
+                    <a:p>
+                      <a:r>
+                        <a:rPr lang="en-US" dirty="0" smtClean="0"/>
+                        <a:t>GHL</a:t>
+                      </a:r>
+                      <a:endParaRPr lang="ru-RU" dirty="0"/>
+                    </a:p>
+                  </a:txBody>
+                  <a:tcPr/>
+                </a:tc>
+                <a:tc>
+                  <a:txBody>
+                    <a:bodyPr/>
+                    <a:lstStyle/>
+                    <a:p>
+                      <a:r>
+                        <a:rPr lang="en-US" dirty="0" smtClean="0"/>
+                        <a:t>TEP Harvard</a:t>
+                      </a:r>
+                      <a:endParaRPr lang="ru-RU" dirty="0"/>
+                    </a:p>
+                  </a:txBody>
+                  <a:tcPr/>
+                </a:tc>
+                <a:tc>
+                  <a:txBody>
+                    <a:bodyPr/>
+                    <a:lstStyle/>
+                    <a:p>
+                      <a:r>
+                        <a:rPr lang="en-US" dirty="0" smtClean="0"/>
+                        <a:t>TEP Kaspersky</a:t>
+                      </a:r>
+                      <a:endParaRPr lang="ru-RU" dirty="0"/>
+                    </a:p>
+                  </a:txBody>
+                  <a:tcPr/>
+                </a:tc>
+                <a:tc>
+                  <a:txBody>
+                    <a:bodyPr/>
+                    <a:lstStyle/>
+                    <a:p>
+                      <a:r>
+                        <a:rPr lang="en-US" dirty="0" err="1" smtClean="0"/>
+                        <a:t>SWaT</a:t>
+                      </a:r>
+                      <a:endParaRPr lang="ru-RU" dirty="0"/>
+                    </a:p>
+                  </a:txBody>
+                  <a:tcPr/>
+                </a:tc>
+              </a:tr>
+              <a:tr h="370840">
+                <a:tc>
+                  <a:txBody>
+                    <a:bodyPr/>
+                    <a:lstStyle/>
+                    <a:p>
+                      <a:r>
+                        <a:rPr lang="en-US" dirty="0" err="1" smtClean="0"/>
+                        <a:t>DirectLimitWatchman</a:t>
+                      </a:r>
+                      <a:endParaRPr lang="ru-RU" dirty="0"/>
+                    </a:p>
+                  </a:txBody>
+                  <a:tcPr/>
+                </a:tc>
+                <a:tc>
+                  <a:txBody>
+                    <a:bodyPr/>
+                    <a:lstStyle/>
+                    <a:p>
+                      <a:r>
+                        <a:rPr lang="ru-RU" sz="1800" b="0" i="0" kern="1200" dirty="0" smtClean="0">
+                          <a:solidFill>
+                            <a:schemeClr val="dk1"/>
+                          </a:solidFill>
+                          <a:effectLst/>
+                          <a:latin typeface="+mn-lt"/>
+                          <a:ea typeface="+mn-ea"/>
+                          <a:cs typeface="+mn-cs"/>
+                        </a:rPr>
+                        <a:t>0.3792</a:t>
+                      </a:r>
+                      <a:endParaRPr lang="ru-RU" dirty="0"/>
+                    </a:p>
+                  </a:txBody>
+                  <a:tcPr>
+                    <a:solidFill>
+                      <a:srgbClr val="FFC000"/>
+                    </a:solidFill>
+                  </a:tcPr>
+                </a:tc>
+                <a:tc>
+                  <a:txBody>
+                    <a:bodyPr/>
+                    <a:lstStyle/>
+                    <a:p>
+                      <a:r>
+                        <a:rPr lang="ru-RU" sz="1800" b="0" i="0" kern="1200" dirty="0" smtClean="0">
+                          <a:solidFill>
+                            <a:schemeClr val="dk1"/>
+                          </a:solidFill>
+                          <a:effectLst/>
+                          <a:latin typeface="+mn-lt"/>
+                          <a:ea typeface="+mn-ea"/>
+                          <a:cs typeface="+mn-cs"/>
+                        </a:rPr>
+                        <a:t>0.6821</a:t>
+                      </a:r>
+                      <a:endParaRPr lang="ru-RU" dirty="0"/>
+                    </a:p>
+                  </a:txBody>
+                  <a:tcPr/>
+                </a:tc>
+                <a:tc>
+                  <a:txBody>
+                    <a:bodyPr/>
+                    <a:lstStyle/>
+                    <a:p>
+                      <a:r>
+                        <a:rPr lang="ru-RU" sz="1800" b="0" i="0" kern="1200" dirty="0" smtClean="0">
+                          <a:solidFill>
+                            <a:schemeClr val="dk1"/>
+                          </a:solidFill>
+                          <a:effectLst/>
+                          <a:latin typeface="+mn-lt"/>
+                          <a:ea typeface="+mn-ea"/>
+                          <a:cs typeface="+mn-cs"/>
+                        </a:rPr>
+                        <a:t>0.4154</a:t>
+                      </a:r>
+                      <a:endParaRPr lang="ru-RU" dirty="0"/>
+                    </a:p>
+                  </a:txBody>
+                  <a:tcPr>
+                    <a:solidFill>
+                      <a:srgbClr val="FFC000"/>
+                    </a:solidFill>
+                  </a:tcPr>
+                </a:tc>
+                <a:tc>
+                  <a:txBody>
+                    <a:bodyPr/>
+                    <a:lstStyle/>
+                    <a:p>
+                      <a:r>
+                        <a:rPr lang="ru-RU" sz="1800" b="0" i="0" kern="1200" dirty="0" smtClean="0">
+                          <a:solidFill>
+                            <a:schemeClr val="dk1"/>
+                          </a:solidFill>
+                          <a:effectLst/>
+                          <a:latin typeface="+mn-lt"/>
+                          <a:ea typeface="+mn-ea"/>
+                          <a:cs typeface="+mn-cs"/>
+                        </a:rPr>
+                        <a:t>0.325</a:t>
+                      </a:r>
+                      <a:r>
+                        <a:rPr lang="en-US" sz="1800" b="0" i="0" kern="1200" dirty="0" smtClean="0">
+                          <a:solidFill>
+                            <a:schemeClr val="dk1"/>
+                          </a:solidFill>
+                          <a:effectLst/>
+                          <a:latin typeface="+mn-lt"/>
+                          <a:ea typeface="+mn-ea"/>
+                          <a:cs typeface="+mn-cs"/>
+                        </a:rPr>
+                        <a:t>7</a:t>
+                      </a:r>
+                      <a:endParaRPr lang="ru-RU" dirty="0"/>
+                    </a:p>
+                  </a:txBody>
+                  <a:tcPr>
+                    <a:solidFill>
+                      <a:srgbClr val="FFC000"/>
+                    </a:solidFill>
+                  </a:tcPr>
+                </a:tc>
+              </a:tr>
+              <a:tr h="370840">
+                <a:tc>
+                  <a:txBody>
+                    <a:bodyPr/>
+                    <a:lstStyle/>
+                    <a:p>
+                      <a:r>
+                        <a:rPr lang="en-US" dirty="0" err="1" smtClean="0"/>
+                        <a:t>PcaLimitWatchman</a:t>
+                      </a:r>
+                      <a:endParaRPr lang="ru-RU" dirty="0"/>
+                    </a:p>
+                  </a:txBody>
+                  <a:tcPr/>
+                </a:tc>
+                <a:tc>
+                  <a:txBody>
+                    <a:bodyPr/>
+                    <a:lstStyle/>
+                    <a:p>
+                      <a:r>
+                        <a:rPr lang="ru-RU" sz="1800" b="0" i="0" kern="1200" dirty="0" smtClean="0">
+                          <a:solidFill>
+                            <a:schemeClr val="dk1"/>
+                          </a:solidFill>
+                          <a:effectLst/>
+                          <a:latin typeface="+mn-lt"/>
+                          <a:ea typeface="+mn-ea"/>
+                          <a:cs typeface="+mn-cs"/>
+                        </a:rPr>
+                        <a:t>0.3882</a:t>
+                      </a:r>
+                      <a:endParaRPr lang="ru-RU" dirty="0"/>
+                    </a:p>
+                  </a:txBody>
+                  <a:tcPr>
+                    <a:solidFill>
+                      <a:srgbClr val="FFC000"/>
+                    </a:solidFill>
+                  </a:tcPr>
+                </a:tc>
+                <a:tc>
+                  <a:txBody>
+                    <a:bodyPr/>
+                    <a:lstStyle/>
+                    <a:p>
+                      <a:r>
+                        <a:rPr lang="ru-RU" sz="1800" b="0" i="0" kern="1200" dirty="0" smtClean="0">
+                          <a:solidFill>
+                            <a:schemeClr val="dk1"/>
+                          </a:solidFill>
+                          <a:effectLst/>
+                          <a:latin typeface="+mn-lt"/>
+                          <a:ea typeface="+mn-ea"/>
+                          <a:cs typeface="+mn-cs"/>
+                        </a:rPr>
+                        <a:t>0.6007</a:t>
+                      </a:r>
+                      <a:endParaRPr lang="ru-RU" dirty="0"/>
+                    </a:p>
+                  </a:txBody>
+                  <a:tcPr/>
+                </a:tc>
+                <a:tc>
+                  <a:txBody>
+                    <a:bodyPr/>
+                    <a:lstStyle/>
+                    <a:p>
+                      <a:r>
+                        <a:rPr lang="ru-RU" sz="1800" b="0" i="0" kern="1200" dirty="0" smtClean="0">
+                          <a:solidFill>
+                            <a:schemeClr val="dk1"/>
+                          </a:solidFill>
+                          <a:effectLst/>
+                          <a:latin typeface="+mn-lt"/>
+                          <a:ea typeface="+mn-ea"/>
+                          <a:cs typeface="+mn-cs"/>
+                        </a:rPr>
+                        <a:t>0.2570</a:t>
+                      </a:r>
+                      <a:endParaRPr lang="ru-RU" dirty="0"/>
+                    </a:p>
+                  </a:txBody>
+                  <a:tcPr/>
+                </a:tc>
+                <a:tc>
+                  <a:txBody>
+                    <a:bodyPr/>
+                    <a:lstStyle/>
+                    <a:p>
+                      <a:r>
+                        <a:rPr lang="ru-RU" sz="1800" b="0" i="0" kern="1200" dirty="0" smtClean="0">
+                          <a:solidFill>
+                            <a:schemeClr val="dk1"/>
+                          </a:solidFill>
+                          <a:effectLst/>
+                          <a:latin typeface="+mn-lt"/>
+                          <a:ea typeface="+mn-ea"/>
+                          <a:cs typeface="+mn-cs"/>
+                        </a:rPr>
+                        <a:t>0.161</a:t>
+                      </a:r>
+                      <a:r>
+                        <a:rPr lang="en-US" sz="1800" b="0" i="0" kern="1200" dirty="0" smtClean="0">
+                          <a:solidFill>
+                            <a:schemeClr val="dk1"/>
+                          </a:solidFill>
+                          <a:effectLst/>
+                          <a:latin typeface="+mn-lt"/>
+                          <a:ea typeface="+mn-ea"/>
+                          <a:cs typeface="+mn-cs"/>
+                        </a:rPr>
+                        <a:t>1</a:t>
+                      </a:r>
+                      <a:endParaRPr lang="ru-RU" dirty="0"/>
+                    </a:p>
+                  </a:txBody>
+                  <a:tcPr/>
+                </a:tc>
+              </a:tr>
+              <a:tr h="370840">
+                <a:tc>
+                  <a:txBody>
+                    <a:bodyPr/>
+                    <a:lstStyle/>
+                    <a:p>
+                      <a:r>
+                        <a:rPr lang="en-US" dirty="0" err="1" smtClean="0"/>
+                        <a:t>IsoForestWatchman</a:t>
+                      </a:r>
+                      <a:endParaRPr lang="ru-RU" dirty="0"/>
+                    </a:p>
+                  </a:txBody>
+                  <a:tcPr/>
+                </a:tc>
+                <a:tc>
+                  <a:txBody>
+                    <a:bodyPr/>
+                    <a:lstStyle/>
+                    <a:p>
+                      <a:r>
+                        <a:rPr lang="ru-RU" sz="1800" b="0" i="0" kern="1200" dirty="0" smtClean="0">
+                          <a:solidFill>
+                            <a:schemeClr val="dk1"/>
+                          </a:solidFill>
+                          <a:effectLst/>
+                          <a:latin typeface="+mn-lt"/>
+                          <a:ea typeface="+mn-ea"/>
+                          <a:cs typeface="+mn-cs"/>
+                        </a:rPr>
+                        <a:t>0.0508</a:t>
+                      </a:r>
+                      <a:endParaRPr lang="ru-RU" dirty="0"/>
+                    </a:p>
+                  </a:txBody>
+                  <a:tcPr/>
+                </a:tc>
+                <a:tc>
+                  <a:txBody>
+                    <a:bodyPr/>
+                    <a:lstStyle/>
+                    <a:p>
+                      <a:r>
+                        <a:rPr lang="ru-RU" sz="1800" b="0" i="0" kern="1200" dirty="0" smtClean="0">
+                          <a:solidFill>
+                            <a:schemeClr val="dk1"/>
+                          </a:solidFill>
+                          <a:effectLst/>
+                          <a:latin typeface="+mn-lt"/>
+                          <a:ea typeface="+mn-ea"/>
+                          <a:cs typeface="+mn-cs"/>
+                        </a:rPr>
+                        <a:t>0.525</a:t>
+                      </a:r>
+                      <a:r>
+                        <a:rPr lang="en-US" sz="1800" b="0" i="0" kern="1200" dirty="0" smtClean="0">
+                          <a:solidFill>
+                            <a:schemeClr val="dk1"/>
+                          </a:solidFill>
+                          <a:effectLst/>
+                          <a:latin typeface="+mn-lt"/>
+                          <a:ea typeface="+mn-ea"/>
+                          <a:cs typeface="+mn-cs"/>
+                        </a:rPr>
+                        <a:t>2</a:t>
+                      </a:r>
+                      <a:endParaRPr lang="ru-RU" dirty="0"/>
+                    </a:p>
+                  </a:txBody>
+                  <a:tcPr/>
+                </a:tc>
+                <a:tc>
+                  <a:txBody>
+                    <a:bodyPr/>
+                    <a:lstStyle/>
+                    <a:p>
+                      <a:r>
+                        <a:rPr lang="ru-RU" sz="1800" b="0" i="0" kern="1200" dirty="0" smtClean="0">
+                          <a:solidFill>
+                            <a:schemeClr val="dk1"/>
+                          </a:solidFill>
+                          <a:effectLst/>
+                          <a:latin typeface="+mn-lt"/>
+                          <a:ea typeface="+mn-ea"/>
+                          <a:cs typeface="+mn-cs"/>
+                        </a:rPr>
+                        <a:t>0.0689</a:t>
+                      </a:r>
+                      <a:endParaRPr lang="ru-RU" dirty="0"/>
+                    </a:p>
+                  </a:txBody>
+                  <a:tcPr/>
+                </a:tc>
+                <a:tc>
+                  <a:txBody>
+                    <a:bodyPr/>
+                    <a:lstStyle/>
+                    <a:p>
+                      <a:r>
+                        <a:rPr lang="ru-RU" sz="1800" b="0" i="0" kern="1200" dirty="0" smtClean="0">
+                          <a:solidFill>
+                            <a:schemeClr val="dk1"/>
+                          </a:solidFill>
+                          <a:effectLst/>
+                          <a:latin typeface="+mn-lt"/>
+                          <a:ea typeface="+mn-ea"/>
+                          <a:cs typeface="+mn-cs"/>
+                        </a:rPr>
+                        <a:t>0.267</a:t>
+                      </a:r>
+                      <a:r>
+                        <a:rPr lang="en-US" sz="1800" b="0" i="0" kern="1200" dirty="0" smtClean="0">
+                          <a:solidFill>
+                            <a:schemeClr val="dk1"/>
+                          </a:solidFill>
+                          <a:effectLst/>
+                          <a:latin typeface="+mn-lt"/>
+                          <a:ea typeface="+mn-ea"/>
+                          <a:cs typeface="+mn-cs"/>
+                        </a:rPr>
+                        <a:t>9</a:t>
+                      </a:r>
+                      <a:endParaRPr lang="ru-RU" dirty="0"/>
+                    </a:p>
+                  </a:txBody>
+                  <a:tcPr/>
+                </a:tc>
+              </a:tr>
+              <a:tr h="370840">
+                <a:tc>
+                  <a:txBody>
+                    <a:bodyPr/>
+                    <a:lstStyle/>
+                    <a:p>
+                      <a:r>
+                        <a:rPr lang="en-US" dirty="0" err="1" smtClean="0"/>
+                        <a:t>LinearPredictWatchman</a:t>
+                      </a:r>
+                      <a:endParaRPr lang="ru-RU" dirty="0"/>
+                    </a:p>
+                  </a:txBody>
+                  <a:tcPr/>
+                </a:tc>
+                <a:tc>
+                  <a:txBody>
+                    <a:bodyPr/>
+                    <a:lstStyle/>
+                    <a:p>
+                      <a:r>
+                        <a:rPr lang="ru-RU" sz="1800" b="0" i="0" kern="1200" dirty="0" smtClean="0">
+                          <a:solidFill>
+                            <a:schemeClr val="dk1"/>
+                          </a:solidFill>
+                          <a:effectLst/>
+                          <a:latin typeface="+mn-lt"/>
+                          <a:ea typeface="+mn-ea"/>
+                          <a:cs typeface="+mn-cs"/>
+                        </a:rPr>
+                        <a:t>0.028</a:t>
+                      </a:r>
+                      <a:r>
+                        <a:rPr lang="en-US" sz="1800" b="0" i="0" kern="1200" dirty="0" smtClean="0">
+                          <a:solidFill>
+                            <a:schemeClr val="dk1"/>
+                          </a:solidFill>
+                          <a:effectLst/>
+                          <a:latin typeface="+mn-lt"/>
+                          <a:ea typeface="+mn-ea"/>
+                          <a:cs typeface="+mn-cs"/>
+                        </a:rPr>
+                        <a:t>9</a:t>
+                      </a:r>
+                      <a:endParaRPr lang="ru-RU" dirty="0"/>
+                    </a:p>
+                  </a:txBody>
+                  <a:tcPr/>
+                </a:tc>
+                <a:tc>
+                  <a:txBody>
+                    <a:bodyPr/>
+                    <a:lstStyle/>
+                    <a:p>
+                      <a:r>
+                        <a:rPr lang="ru-RU" sz="1800" b="0" i="0" kern="1200" dirty="0" smtClean="0">
+                          <a:solidFill>
+                            <a:schemeClr val="dk1"/>
+                          </a:solidFill>
+                          <a:effectLst/>
+                          <a:latin typeface="+mn-lt"/>
+                          <a:ea typeface="+mn-ea"/>
+                          <a:cs typeface="+mn-cs"/>
+                        </a:rPr>
+                        <a:t>0.8120</a:t>
+                      </a:r>
+                      <a:endParaRPr lang="ru-RU" dirty="0"/>
+                    </a:p>
+                  </a:txBody>
+                  <a:tcPr>
+                    <a:solidFill>
+                      <a:srgbClr val="92D050"/>
+                    </a:solidFill>
+                  </a:tcPr>
+                </a:tc>
+                <a:tc>
+                  <a:txBody>
+                    <a:bodyPr/>
+                    <a:lstStyle/>
+                    <a:p>
+                      <a:r>
+                        <a:rPr lang="ru-RU" sz="1800" b="0" i="0" kern="1200" dirty="0" smtClean="0">
+                          <a:solidFill>
+                            <a:schemeClr val="dk1"/>
+                          </a:solidFill>
+                          <a:effectLst/>
+                          <a:latin typeface="+mn-lt"/>
+                          <a:ea typeface="+mn-ea"/>
+                          <a:cs typeface="+mn-cs"/>
+                        </a:rPr>
+                        <a:t>0.4438</a:t>
+                      </a:r>
+                      <a:endParaRPr lang="ru-RU" dirty="0"/>
+                    </a:p>
+                  </a:txBody>
+                  <a:tcPr>
+                    <a:solidFill>
+                      <a:srgbClr val="92D050"/>
+                    </a:solidFill>
+                  </a:tcPr>
+                </a:tc>
+                <a:tc>
+                  <a:txBody>
+                    <a:bodyPr/>
+                    <a:lstStyle/>
+                    <a:p>
+                      <a:r>
+                        <a:rPr lang="ru-RU" sz="1800" b="0" i="0" kern="1200" dirty="0" smtClean="0">
+                          <a:solidFill>
+                            <a:schemeClr val="dk1"/>
+                          </a:solidFill>
+                          <a:effectLst/>
+                          <a:latin typeface="+mn-lt"/>
+                          <a:ea typeface="+mn-ea"/>
+                          <a:cs typeface="+mn-cs"/>
+                        </a:rPr>
+                        <a:t>0.213</a:t>
+                      </a:r>
+                      <a:r>
+                        <a:rPr lang="en-US" sz="1800" b="0" i="0" kern="1200" dirty="0" smtClean="0">
+                          <a:solidFill>
+                            <a:schemeClr val="dk1"/>
+                          </a:solidFill>
+                          <a:effectLst/>
+                          <a:latin typeface="+mn-lt"/>
+                          <a:ea typeface="+mn-ea"/>
+                          <a:cs typeface="+mn-cs"/>
+                        </a:rPr>
+                        <a:t>4</a:t>
+                      </a:r>
+                      <a:endParaRPr lang="ru-RU" dirty="0"/>
+                    </a:p>
+                  </a:txBody>
+                  <a:tcPr/>
+                </a:tc>
+              </a:tr>
+              <a:tr h="370840">
+                <a:tc>
+                  <a:txBody>
+                    <a:bodyPr/>
+                    <a:lstStyle/>
+                    <a:p>
+                      <a:r>
+                        <a:rPr lang="en-US" dirty="0" err="1" smtClean="0"/>
+                        <a:t>DeepPredictWatchman</a:t>
+                      </a:r>
+                      <a:endParaRPr lang="ru-RU" dirty="0"/>
+                    </a:p>
+                  </a:txBody>
+                  <a:tcPr/>
+                </a:tc>
+                <a:tc>
+                  <a:txBody>
+                    <a:bodyPr/>
+                    <a:lstStyle/>
+                    <a:p>
+                      <a:r>
+                        <a:rPr lang="ru-RU" sz="1800" b="0" i="0" kern="1200" dirty="0" smtClean="0">
+                          <a:solidFill>
+                            <a:schemeClr val="dk1"/>
+                          </a:solidFill>
+                          <a:effectLst/>
+                          <a:latin typeface="+mn-lt"/>
+                          <a:ea typeface="+mn-ea"/>
+                          <a:cs typeface="+mn-cs"/>
+                        </a:rPr>
+                        <a:t>0.3224</a:t>
+                      </a:r>
+                      <a:endParaRPr lang="ru-RU" dirty="0"/>
+                    </a:p>
+                  </a:txBody>
+                  <a:tcPr/>
+                </a:tc>
+                <a:tc>
+                  <a:txBody>
+                    <a:bodyPr/>
+                    <a:lstStyle/>
+                    <a:p>
+                      <a:r>
+                        <a:rPr lang="ru-RU" sz="1800" b="0" i="0" kern="1200" dirty="0" smtClean="0">
+                          <a:solidFill>
+                            <a:schemeClr val="dk1"/>
+                          </a:solidFill>
+                          <a:effectLst/>
+                          <a:latin typeface="+mn-lt"/>
+                          <a:ea typeface="+mn-ea"/>
+                          <a:cs typeface="+mn-cs"/>
+                        </a:rPr>
+                        <a:t>0.7167</a:t>
+                      </a:r>
+                      <a:endParaRPr lang="ru-RU" dirty="0"/>
+                    </a:p>
+                  </a:txBody>
+                  <a:tcPr>
+                    <a:solidFill>
+                      <a:srgbClr val="FFC000"/>
+                    </a:solidFill>
+                  </a:tcPr>
+                </a:tc>
+                <a:tc>
+                  <a:txBody>
+                    <a:bodyPr/>
+                    <a:lstStyle/>
+                    <a:p>
+                      <a:r>
+                        <a:rPr lang="ru-RU" sz="1800" b="0" i="0" kern="1200" dirty="0" smtClean="0">
+                          <a:solidFill>
+                            <a:schemeClr val="dk1"/>
+                          </a:solidFill>
+                          <a:effectLst/>
+                          <a:latin typeface="+mn-lt"/>
+                          <a:ea typeface="+mn-ea"/>
+                          <a:cs typeface="+mn-cs"/>
+                        </a:rPr>
+                        <a:t>0.3917</a:t>
+                      </a:r>
+                      <a:endParaRPr lang="ru-RU" dirty="0"/>
+                    </a:p>
+                  </a:txBody>
+                  <a:tcPr/>
+                </a:tc>
+                <a:tc>
+                  <a:txBody>
+                    <a:bodyPr/>
+                    <a:lstStyle/>
+                    <a:p>
+                      <a:r>
+                        <a:rPr lang="ru-RU" sz="1800" b="0" i="0" kern="1200" dirty="0" smtClean="0">
+                          <a:solidFill>
+                            <a:schemeClr val="dk1"/>
+                          </a:solidFill>
+                          <a:effectLst/>
+                          <a:latin typeface="+mn-lt"/>
+                          <a:ea typeface="+mn-ea"/>
+                          <a:cs typeface="+mn-cs"/>
+                        </a:rPr>
+                        <a:t>0.3094</a:t>
+                      </a:r>
+                      <a:endParaRPr lang="ru-RU" dirty="0"/>
+                    </a:p>
+                  </a:txBody>
+                  <a:tcPr>
+                    <a:solidFill>
+                      <a:srgbClr val="FFC000"/>
+                    </a:solidFill>
+                  </a:tcPr>
+                </a:tc>
+              </a:tr>
+              <a:tr h="370840">
+                <a:tc>
+                  <a:txBody>
+                    <a:bodyPr/>
+                    <a:lstStyle/>
+                    <a:p>
+                      <a:r>
+                        <a:rPr lang="en-US" dirty="0" err="1" smtClean="0"/>
+                        <a:t>WatchSquad</a:t>
+                      </a:r>
+                      <a:r>
+                        <a:rPr lang="en-US" dirty="0" smtClean="0"/>
+                        <a:t>(threshold=4)</a:t>
+                      </a:r>
+                      <a:endParaRPr lang="ru-RU" dirty="0"/>
+                    </a:p>
+                  </a:txBody>
+                  <a:tcPr/>
+                </a:tc>
+                <a:tc>
+                  <a:txBody>
+                    <a:bodyPr/>
+                    <a:lstStyle/>
+                    <a:p>
+                      <a:r>
+                        <a:rPr lang="ru-RU" sz="1800" b="0" i="0" kern="1200" dirty="0" smtClean="0">
+                          <a:solidFill>
+                            <a:schemeClr val="dk1"/>
+                          </a:solidFill>
+                          <a:effectLst/>
+                          <a:latin typeface="+mn-lt"/>
+                          <a:ea typeface="+mn-ea"/>
+                          <a:cs typeface="+mn-cs"/>
+                        </a:rPr>
+                        <a:t>0.49</a:t>
+                      </a:r>
+                      <a:r>
+                        <a:rPr lang="en-US" sz="1800" b="0" i="0" kern="1200" dirty="0" smtClean="0">
+                          <a:solidFill>
+                            <a:schemeClr val="dk1"/>
+                          </a:solidFill>
+                          <a:effectLst/>
+                          <a:latin typeface="+mn-lt"/>
+                          <a:ea typeface="+mn-ea"/>
+                          <a:cs typeface="+mn-cs"/>
+                        </a:rPr>
+                        <a:t>50</a:t>
+                      </a:r>
+                      <a:endParaRPr lang="ru-RU" dirty="0"/>
+                    </a:p>
+                  </a:txBody>
+                  <a:tcPr>
+                    <a:solidFill>
+                      <a:srgbClr val="92D050"/>
+                    </a:solidFill>
+                  </a:tcPr>
+                </a:tc>
+                <a:tc>
+                  <a:txBody>
+                    <a:bodyPr/>
+                    <a:lstStyle/>
+                    <a:p>
+                      <a:r>
+                        <a:rPr lang="ru-RU" sz="1800" b="0" i="0" kern="1200" dirty="0" smtClean="0">
+                          <a:solidFill>
+                            <a:schemeClr val="dk1"/>
+                          </a:solidFill>
+                          <a:effectLst/>
+                          <a:latin typeface="+mn-lt"/>
+                          <a:ea typeface="+mn-ea"/>
+                          <a:cs typeface="+mn-cs"/>
+                        </a:rPr>
+                        <a:t>0.7271</a:t>
+                      </a:r>
+                      <a:endParaRPr lang="ru-RU" dirty="0"/>
+                    </a:p>
+                  </a:txBody>
+                  <a:tcPr>
+                    <a:solidFill>
+                      <a:srgbClr val="FFC000"/>
+                    </a:solidFill>
+                  </a:tcPr>
+                </a:tc>
+                <a:tc>
+                  <a:txBody>
+                    <a:bodyPr/>
+                    <a:lstStyle/>
+                    <a:p>
+                      <a:r>
+                        <a:rPr lang="ru-RU" sz="1800" b="0" i="0" kern="1200" dirty="0" smtClean="0">
+                          <a:solidFill>
+                            <a:schemeClr val="dk1"/>
+                          </a:solidFill>
+                          <a:effectLst/>
+                          <a:latin typeface="+mn-lt"/>
+                          <a:ea typeface="+mn-ea"/>
+                          <a:cs typeface="+mn-cs"/>
+                        </a:rPr>
+                        <a:t>0.410</a:t>
+                      </a:r>
+                      <a:r>
+                        <a:rPr lang="en-US" sz="1800" b="0" i="0" kern="1200" dirty="0" smtClean="0">
+                          <a:solidFill>
+                            <a:schemeClr val="dk1"/>
+                          </a:solidFill>
+                          <a:effectLst/>
+                          <a:latin typeface="+mn-lt"/>
+                          <a:ea typeface="+mn-ea"/>
+                          <a:cs typeface="+mn-cs"/>
+                        </a:rPr>
+                        <a:t>4</a:t>
+                      </a:r>
+                      <a:endParaRPr lang="ru-RU" dirty="0"/>
+                    </a:p>
+                  </a:txBody>
+                  <a:tcPr>
+                    <a:solidFill>
+                      <a:srgbClr val="FFC000"/>
+                    </a:solidFill>
+                  </a:tcPr>
+                </a:tc>
+                <a:tc>
+                  <a:txBody>
+                    <a:bodyPr/>
+                    <a:lstStyle/>
+                    <a:p>
+                      <a:r>
+                        <a:rPr lang="ru-RU" sz="1800" b="0" i="0" kern="1200" dirty="0" smtClean="0">
+                          <a:solidFill>
+                            <a:schemeClr val="dk1"/>
+                          </a:solidFill>
+                          <a:effectLst/>
+                          <a:latin typeface="+mn-lt"/>
+                          <a:ea typeface="+mn-ea"/>
+                          <a:cs typeface="+mn-cs"/>
+                        </a:rPr>
+                        <a:t>0.3479</a:t>
+                      </a:r>
+                      <a:endParaRPr lang="ru-RU" dirty="0"/>
+                    </a:p>
+                  </a:txBody>
+                  <a:tcPr>
+                    <a:solidFill>
+                      <a:srgbClr val="92D050"/>
+                    </a:solidFill>
+                  </a:tcPr>
+                </a:tc>
+              </a:tr>
+            </a:tbl>
+          </a:graphicData>
+        </a:graphic>
+      </p:graphicFrame>
+      <p:graphicFrame>
+        <p:nvGraphicFramePr>
+          <p:cNvPr id="3" name="Таблица 2"/>
+          <p:cNvGraphicFramePr>
+            <a:graphicFrameLocks noGrp="1"/>
+          </p:cNvGraphicFramePr>
+          <p:nvPr>
+            <p:extLst>
+              <p:ext uri="{D42A27DB-BD31-4B8C-83A1-F6EECF244321}">
+                <p14:modId xmlns:p14="http://schemas.microsoft.com/office/powerpoint/2010/main" val="1718373983"/>
+              </p:ext>
+            </p:extLst>
+          </p:nvPr>
+        </p:nvGraphicFramePr>
+        <p:xfrm>
+          <a:off x="838200" y="4723255"/>
+          <a:ext cx="10515599" cy="1112520"/>
+        </p:xfrm>
+        <a:graphic>
+          <a:graphicData uri="http://schemas.openxmlformats.org/drawingml/2006/table">
+            <a:tbl>
+              <a:tblPr firstRow="1" bandRow="1">
+                <a:tableStyleId>{5C22544A-7EE6-4342-B048-85BDC9FD1C3A}</a:tableStyleId>
+              </a:tblPr>
+              <a:tblGrid>
+                <a:gridCol w="2868827"/>
+                <a:gridCol w="1911693"/>
+                <a:gridCol w="1911693"/>
+                <a:gridCol w="1911693"/>
+                <a:gridCol w="1911693"/>
+              </a:tblGrid>
+              <a:tr h="370840">
+                <a:tc>
+                  <a:txBody>
+                    <a:bodyPr/>
+                    <a:lstStyle/>
+                    <a:p>
+                      <a:pPr marL="0" marR="0" lvl="0" indent="0" algn="l" defTabSz="914400" rtl="0" eaLnBrk="1" fontAlgn="auto" latinLnBrk="0" hangingPunct="1">
+                        <a:lnSpc>
+                          <a:spcPct val="100000"/>
+                        </a:lnSpc>
+                        <a:spcBef>
+                          <a:spcPts val="0"/>
+                        </a:spcBef>
+                        <a:spcAft>
+                          <a:spcPts val="0"/>
+                        </a:spcAft>
+                        <a:buClrTx/>
+                        <a:buSzTx/>
+                        <a:buFontTx/>
+                        <a:buNone/>
+                        <a:tabLst/>
+                        <a:defRPr/>
+                      </a:pPr>
+                      <a:r>
+                        <a:rPr lang="en-US" dirty="0" err="1" smtClean="0"/>
+                        <a:t>WatchSquad</a:t>
+                      </a:r>
+                      <a:r>
+                        <a:rPr lang="en-US" dirty="0" smtClean="0"/>
+                        <a:t>(threshold=4)</a:t>
+                      </a:r>
+                      <a:endParaRPr lang="ru-RU" dirty="0" smtClean="0"/>
+                    </a:p>
+                  </a:txBody>
+                  <a:tcPr/>
+                </a:tc>
+                <a:tc>
+                  <a:txBody>
+                    <a:bodyPr/>
+                    <a:lstStyle/>
+                    <a:p>
+                      <a:r>
+                        <a:rPr lang="en-US" dirty="0" smtClean="0"/>
+                        <a:t>GHL</a:t>
+                      </a:r>
+                      <a:endParaRPr lang="ru-RU" dirty="0"/>
+                    </a:p>
+                  </a:txBody>
+                  <a:tcPr/>
+                </a:tc>
+                <a:tc>
+                  <a:txBody>
+                    <a:bodyPr/>
+                    <a:lstStyle/>
+                    <a:p>
+                      <a:pPr marL="0" marR="0" lvl="0" indent="0" algn="l" defTabSz="914400" rtl="0" eaLnBrk="1" fontAlgn="auto" latinLnBrk="0" hangingPunct="1">
+                        <a:lnSpc>
+                          <a:spcPct val="100000"/>
+                        </a:lnSpc>
+                        <a:spcBef>
+                          <a:spcPts val="0"/>
+                        </a:spcBef>
+                        <a:spcAft>
+                          <a:spcPts val="0"/>
+                        </a:spcAft>
+                        <a:buClrTx/>
+                        <a:buSzTx/>
+                        <a:buFontTx/>
+                        <a:buNone/>
+                        <a:tabLst/>
+                        <a:defRPr/>
+                      </a:pPr>
+                      <a:r>
+                        <a:rPr lang="en-US" dirty="0" smtClean="0"/>
+                        <a:t>TEP Harvard</a:t>
+                      </a:r>
+                      <a:endParaRPr lang="ru-RU" dirty="0" smtClean="0"/>
+                    </a:p>
+                  </a:txBody>
+                  <a:tcPr/>
+                </a:tc>
+                <a:tc>
+                  <a:txBody>
+                    <a:bodyPr/>
+                    <a:lstStyle/>
+                    <a:p>
+                      <a:pPr marL="0" marR="0" lvl="0" indent="0" algn="l" defTabSz="914400" rtl="0" eaLnBrk="1" fontAlgn="auto" latinLnBrk="0" hangingPunct="1">
+                        <a:lnSpc>
+                          <a:spcPct val="100000"/>
+                        </a:lnSpc>
+                        <a:spcBef>
+                          <a:spcPts val="0"/>
+                        </a:spcBef>
+                        <a:spcAft>
+                          <a:spcPts val="0"/>
+                        </a:spcAft>
+                        <a:buClrTx/>
+                        <a:buSzTx/>
+                        <a:buFontTx/>
+                        <a:buNone/>
+                        <a:tabLst/>
+                        <a:defRPr/>
+                      </a:pPr>
+                      <a:r>
+                        <a:rPr lang="en-US" dirty="0" smtClean="0"/>
+                        <a:t>TEP Kaspersky</a:t>
+                      </a:r>
+                      <a:endParaRPr lang="ru-RU" dirty="0" smtClean="0"/>
+                    </a:p>
+                  </a:txBody>
+                  <a:tcPr/>
+                </a:tc>
+                <a:tc>
+                  <a:txBody>
+                    <a:bodyPr/>
+                    <a:lstStyle/>
+                    <a:p>
+                      <a:pPr marL="0" marR="0" lvl="0" indent="0" algn="l" defTabSz="914400" rtl="0" eaLnBrk="1" fontAlgn="auto" latinLnBrk="0" hangingPunct="1">
+                        <a:lnSpc>
+                          <a:spcPct val="100000"/>
+                        </a:lnSpc>
+                        <a:spcBef>
+                          <a:spcPts val="0"/>
+                        </a:spcBef>
+                        <a:spcAft>
+                          <a:spcPts val="0"/>
+                        </a:spcAft>
+                        <a:buClrTx/>
+                        <a:buSzTx/>
+                        <a:buFontTx/>
+                        <a:buNone/>
+                        <a:tabLst/>
+                        <a:defRPr/>
+                      </a:pPr>
+                      <a:r>
+                        <a:rPr lang="en-US" dirty="0" err="1" smtClean="0"/>
+                        <a:t>SWaT</a:t>
+                      </a:r>
+                      <a:endParaRPr lang="ru-RU" dirty="0" smtClean="0"/>
+                    </a:p>
+                  </a:txBody>
+                  <a:tcPr/>
+                </a:tc>
+              </a:tr>
+              <a:tr h="370840">
+                <a:tc>
+                  <a:txBody>
+                    <a:bodyPr/>
+                    <a:lstStyle/>
+                    <a:p>
+                      <a:r>
+                        <a:rPr lang="en-US" dirty="0" smtClean="0"/>
+                        <a:t>Precision</a:t>
+                      </a:r>
+                      <a:endParaRPr lang="ru-RU" dirty="0"/>
+                    </a:p>
+                  </a:txBody>
+                  <a:tcPr/>
+                </a:tc>
+                <a:tc>
+                  <a:txBody>
+                    <a:bodyPr/>
+                    <a:lstStyle/>
+                    <a:p>
+                      <a:r>
+                        <a:rPr lang="en-US" dirty="0" smtClean="0"/>
+                        <a:t>0.4932</a:t>
+                      </a:r>
+                      <a:endParaRPr lang="ru-RU" dirty="0"/>
+                    </a:p>
+                  </a:txBody>
+                  <a:tcPr/>
+                </a:tc>
+                <a:tc>
+                  <a:txBody>
+                    <a:bodyPr/>
+                    <a:lstStyle/>
+                    <a:p>
+                      <a:r>
+                        <a:rPr lang="en-US" dirty="0" smtClean="0"/>
+                        <a:t>0.9983</a:t>
+                      </a:r>
+                      <a:endParaRPr lang="ru-RU" dirty="0"/>
+                    </a:p>
+                  </a:txBody>
+                  <a:tcPr/>
+                </a:tc>
+                <a:tc>
+                  <a:txBody>
+                    <a:bodyPr/>
+                    <a:lstStyle/>
+                    <a:p>
+                      <a:r>
+                        <a:rPr lang="en-US" dirty="0" smtClean="0"/>
+                        <a:t>0.7705</a:t>
+                      </a:r>
+                      <a:endParaRPr lang="ru-RU" dirty="0"/>
+                    </a:p>
+                  </a:txBody>
+                  <a:tcPr/>
+                </a:tc>
+                <a:tc>
+                  <a:txBody>
+                    <a:bodyPr/>
+                    <a:lstStyle/>
+                    <a:p>
+                      <a:r>
+                        <a:rPr lang="en-US" dirty="0" smtClean="0"/>
+                        <a:t>0.2689</a:t>
+                      </a:r>
+                      <a:endParaRPr lang="ru-RU" dirty="0"/>
+                    </a:p>
+                  </a:txBody>
+                  <a:tcPr/>
+                </a:tc>
+              </a:tr>
+              <a:tr h="370840">
+                <a:tc>
+                  <a:txBody>
+                    <a:bodyPr/>
+                    <a:lstStyle/>
+                    <a:p>
+                      <a:r>
+                        <a:rPr lang="en-US" dirty="0" smtClean="0"/>
+                        <a:t>Recall</a:t>
+                      </a:r>
+                      <a:endParaRPr lang="ru-RU" dirty="0"/>
+                    </a:p>
+                  </a:txBody>
+                  <a:tcPr/>
+                </a:tc>
+                <a:tc>
+                  <a:txBody>
+                    <a:bodyPr/>
+                    <a:lstStyle/>
+                    <a:p>
+                      <a:r>
+                        <a:rPr lang="en-US" dirty="0" smtClean="0"/>
+                        <a:t>0.6027</a:t>
+                      </a:r>
+                      <a:endParaRPr lang="ru-RU" dirty="0"/>
+                    </a:p>
+                  </a:txBody>
+                  <a:tcPr/>
+                </a:tc>
+                <a:tc>
+                  <a:txBody>
+                    <a:bodyPr/>
+                    <a:lstStyle/>
+                    <a:p>
+                      <a:r>
+                        <a:rPr lang="en-US" dirty="0" smtClean="0"/>
+                        <a:t>0.6895</a:t>
+                      </a:r>
+                      <a:endParaRPr lang="ru-RU" dirty="0"/>
+                    </a:p>
+                  </a:txBody>
+                  <a:tcPr/>
+                </a:tc>
+                <a:tc>
+                  <a:txBody>
+                    <a:bodyPr/>
+                    <a:lstStyle/>
+                    <a:p>
+                      <a:r>
+                        <a:rPr lang="en-US" dirty="0" smtClean="0"/>
+                        <a:t>0.4384</a:t>
+                      </a:r>
+                      <a:endParaRPr lang="ru-RU" dirty="0"/>
+                    </a:p>
+                  </a:txBody>
+                  <a:tcPr/>
+                </a:tc>
+                <a:tc>
+                  <a:txBody>
+                    <a:bodyPr/>
+                    <a:lstStyle/>
+                    <a:p>
+                      <a:r>
+                        <a:rPr lang="en-US" dirty="0" smtClean="0"/>
+                        <a:t>0.8569</a:t>
+                      </a:r>
+                      <a:endParaRPr lang="ru-RU" dirty="0"/>
+                    </a:p>
+                  </a:txBody>
+                  <a:tcPr/>
+                </a:tc>
+              </a:tr>
+            </a:tbl>
+          </a:graphicData>
+        </a:graphic>
+      </p:graphicFrame>
+    </p:spTree>
+    <p:extLst>
+      <p:ext uri="{BB962C8B-B14F-4D97-AF65-F5344CB8AC3E}">
+        <p14:creationId xmlns:p14="http://schemas.microsoft.com/office/powerpoint/2010/main" val="3314310523"/>
+      </p:ext>
+    </p:extLst>
+  </p:cSld>
+  <p:clrMapOvr>
+    <a:masterClrMapping/>
+  </p:clrMapOvr>
+</p:sld>
+</file>
+
+<file path=ppt/slides/slide25.xml><?xml version="1.0" encoding="utf-8"?>
+<p:sld xmlns:a="http://schemas.openxmlformats.org/drawingml/2006/main" xmlns:r="http://schemas.openxmlformats.org/officeDocument/2006/relationships" xmlns:p="http://schemas.openxmlformats.org/presentationml/2006/main">
+  <p:cSld>
+    <p:spTree>
+      <p:nvGrpSpPr>
+        <p:cNvPr id="1" name=""/>
+        <p:cNvGrpSpPr/>
+        <p:nvPr/>
+      </p:nvGrpSpPr>
+      <p:grpSpPr>
+        <a:xfrm>
+          <a:off x="0" y="0"/>
+          <a:ext cx="0" cy="0"/>
+          <a:chOff x="0" y="0"/>
+          <a:chExt cx="0" cy="0"/>
+        </a:xfrm>
+      </p:grpSpPr>
+      <p:sp>
+        <p:nvSpPr>
+          <p:cNvPr id="2" name="Заголовок 1"/>
+          <p:cNvSpPr>
+            <a:spLocks noGrp="1"/>
+          </p:cNvSpPr>
+          <p:nvPr>
+            <p:ph type="title"/>
+          </p:nvPr>
+        </p:nvSpPr>
+        <p:spPr/>
+        <p:txBody>
+          <a:bodyPr/>
+          <a:lstStyle/>
+          <a:p>
+            <a:r>
+              <a:rPr lang="ru-RU" dirty="0" smtClean="0"/>
+              <a:t>Выводы</a:t>
+            </a:r>
+            <a:endParaRPr lang="ru-RU" dirty="0"/>
+          </a:p>
+        </p:txBody>
+      </p:sp>
+      <p:sp>
+        <p:nvSpPr>
+          <p:cNvPr id="3" name="Объект 2"/>
+          <p:cNvSpPr>
+            <a:spLocks noGrp="1"/>
+          </p:cNvSpPr>
+          <p:nvPr>
+            <p:ph idx="1"/>
+          </p:nvPr>
+        </p:nvSpPr>
+        <p:spPr/>
+        <p:txBody>
+          <a:bodyPr/>
+          <a:lstStyle/>
+          <a:p>
+            <a:r>
+              <a:rPr lang="ru-RU" dirty="0" smtClean="0"/>
+              <a:t>Подготовил </a:t>
+            </a:r>
+            <a:r>
+              <a:rPr lang="ru-RU" dirty="0" err="1" smtClean="0"/>
+              <a:t>датасеты</a:t>
+            </a:r>
+            <a:r>
+              <a:rPr lang="ru-RU" dirty="0" smtClean="0"/>
+              <a:t> для обучения обнаружения аномалий</a:t>
+            </a:r>
+          </a:p>
+          <a:p>
+            <a:r>
+              <a:rPr lang="ru-RU" dirty="0" smtClean="0"/>
+              <a:t>Сформулировал метрику</a:t>
+            </a:r>
+          </a:p>
+          <a:p>
+            <a:r>
+              <a:rPr lang="ru-RU" dirty="0" smtClean="0"/>
+              <a:t>Выбрал и проверил методы обнаружения аномалий</a:t>
+            </a:r>
+          </a:p>
+          <a:p>
+            <a:r>
+              <a:rPr lang="ru-RU" dirty="0" smtClean="0"/>
+              <a:t>Собрал ансамбль методов, который можно использовать в реальной задаче</a:t>
+            </a:r>
+          </a:p>
+          <a:p>
+            <a:endParaRPr lang="ru-RU" dirty="0"/>
+          </a:p>
+        </p:txBody>
+      </p:sp>
+    </p:spTree>
+    <p:extLst>
+      <p:ext uri="{BB962C8B-B14F-4D97-AF65-F5344CB8AC3E}">
+        <p14:creationId xmlns:p14="http://schemas.microsoft.com/office/powerpoint/2010/main" val="2527528467"/>
+      </p:ext>
+    </p:extLst>
+  </p:cSld>
+  <p:clrMapOvr>
+    <a:masterClrMapping/>
+  </p:clrMapOvr>
+</p:sld>
+</file>
+
+<file path=ppt/slides/slide26.xml><?xml version="1.0" encoding="utf-8"?>
+<p:sld xmlns:a="http://schemas.openxmlformats.org/drawingml/2006/main" xmlns:r="http://schemas.openxmlformats.org/officeDocument/2006/relationships" xmlns:p="http://schemas.openxmlformats.org/presentationml/2006/main">
+  <p:cSld>
+    <p:spTree>
+      <p:nvGrpSpPr>
+        <p:cNvPr id="1" name=""/>
+        <p:cNvGrpSpPr/>
+        <p:nvPr/>
+      </p:nvGrpSpPr>
+      <p:grpSpPr>
+        <a:xfrm>
+          <a:off x="0" y="0"/>
+          <a:ext cx="0" cy="0"/>
+          <a:chOff x="0" y="0"/>
+          <a:chExt cx="0" cy="0"/>
+        </a:xfrm>
+      </p:grpSpPr>
+      <p:sp>
+        <p:nvSpPr>
+          <p:cNvPr id="2" name="Заголовок 1"/>
+          <p:cNvSpPr>
+            <a:spLocks noGrp="1"/>
+          </p:cNvSpPr>
+          <p:nvPr>
+            <p:ph type="title"/>
+          </p:nvPr>
+        </p:nvSpPr>
+        <p:spPr/>
+        <p:txBody>
+          <a:bodyPr/>
+          <a:lstStyle/>
+          <a:p>
+            <a:r>
+              <a:rPr lang="ru-RU" dirty="0" smtClean="0"/>
+              <a:t>Пути улучшения, общие</a:t>
             </a:r>
             <a:endParaRPr lang="ru-RU" dirty="0"/>
           </a:p>
@@ -5482,19 +6810,9 @@
             <p:spPr/>
             <p:txBody>
               <a:bodyPr>
-                <a:normAutofit fontScale="55000" lnSpcReduction="20000"/>
+                <a:normAutofit/>
               </a:bodyPr>
               <a:lstStyle/>
-              <a:p>
-                <a:pPr marL="0" indent="0">
-                  <a:buNone/>
-                </a:pPr>
-                <a:r>
-                  <a:rPr lang="ru-RU" dirty="0" smtClean="0"/>
-                  <a:t>Общие:</a:t>
-                </a:r>
-                <a:endParaRPr lang="en-US" dirty="0" smtClean="0"/>
-              </a:p>
               <a:p>
                 <a:r>
                   <a:rPr lang="ru-RU" dirty="0" smtClean="0"/>
@@ -5583,7 +6901,7 @@
                 </a:r>
                 <a:r>
                   <a:rPr lang="ru-RU" dirty="0" smtClean="0"/>
-                  <a:t> предсказания с некоторыми весами в зависимости от степени доверия к методу</a:t>
+                  <a:t> предсказания с некоторыми весами в зависимости от доверия к методу</a:t>
                 </a:r>
               </a:p>
               <a:p>
@@ -5622,72 +6940,6 @@
                   <a:t>и т.д.)</a:t>
                 </a:r>
               </a:p>
-              <a:p>
-                <a:endParaRPr lang="ru-RU" dirty="0" smtClean="0"/>
-              </a:p>
-              <a:p>
-                <a:pPr marL="0" indent="0">
-                  <a:buNone/>
-                </a:pPr>
-                <a:r>
-                  <a:rPr lang="ru-RU" dirty="0" smtClean="0"/>
-                  <a:t>Зависимые от процесса:</a:t>
-                </a:r>
-                <a:endParaRPr lang="en-US" dirty="0" smtClean="0"/>
-              </a:p>
-              <a:p>
-                <a:r>
-                  <a:rPr lang="ru-RU" dirty="0" smtClean="0"/>
-                  <a:t>Добавлять в </a:t>
-                </a:r>
-                <a:r>
-                  <a:rPr lang="ru-RU" dirty="0" err="1" smtClean="0"/>
-                  <a:t>датасет</a:t>
-                </a:r>
-                <a:r>
-                  <a:rPr lang="ru-RU" dirty="0" smtClean="0"/>
-                  <a:t> значения </a:t>
-                </a:r>
-                <a:r>
-                  <a:rPr lang="ru-RU" dirty="0" err="1" smtClean="0"/>
-                  <a:t>уставок</a:t>
-                </a:r>
-                <a:r>
-                  <a:rPr lang="ru-RU" dirty="0" smtClean="0"/>
-                  <a:t> процесса</a:t>
-                </a:r>
-                <a:endParaRPr lang="ru-RU" dirty="0"/>
-              </a:p>
-              <a:p>
-                <a:r>
-                  <a:rPr lang="ru-RU" dirty="0" smtClean="0"/>
-                  <a:t>Генерировать признаки по физическому смыслу</a:t>
-                </a:r>
-              </a:p>
-              <a:p>
-                <a:r>
-                  <a:rPr lang="ru-RU" dirty="0" smtClean="0"/>
-                  <a:t>Генерировать признаки по статистической значимости, если есть примеры аномалий</a:t>
-                </a:r>
-              </a:p>
-              <a:p>
-                <a:r>
-                  <a:rPr lang="ru-RU" dirty="0" err="1" smtClean="0"/>
-                  <a:t>Ансамблировать</a:t>
-                </a:r>
-                <a:r>
-                  <a:rPr lang="ru-RU" dirty="0" smtClean="0"/>
-                  <a:t> предсказания с некоторыми весами, автоматически подбирая веса (классификатор линейный, на деревьях), если есть примеры аномалий</a:t>
-                </a:r>
-                <a:endParaRPr lang="en-US" dirty="0" smtClean="0"/>
-              </a:p>
-              <a:p>
-                <a:r>
-                  <a:rPr lang="ru-RU" dirty="0" smtClean="0"/>
-                  <a:t>Оценивать ошибки предсказания/представления с помощью моделей, учитывающих физический смысл процесса</a:t>
-                </a:r>
-                <a:endParaRPr lang="ru-RU" dirty="0"/>
-              </a:p>
             </p:txBody>
           </p:sp>
         </mc:Choice>
@@ -5706,7 +6958,7 @@
               <a:blipFill rotWithShape="0">
                 <a:blip r:embed="rId2"/>
                 <a:stretch>
-                  <a:fillRect l="-232" t="-1541"/>
+                  <a:fillRect l="-1043" t="-2241"/>
                 </a:stretch>
               </a:blipFill>
             </p:spPr>
@@ -5738,6 +6990,207 @@
 </p:sld>
 </file>
 
+<file path=ppt/slides/slide27.xml><?xml version="1.0" encoding="utf-8"?>
+<p:sld xmlns:a="http://schemas.openxmlformats.org/drawingml/2006/main" xmlns:r="http://schemas.openxmlformats.org/officeDocument/2006/relationships" xmlns:p="http://schemas.openxmlformats.org/presentationml/2006/main">
+  <p:cSld>
+    <p:spTree>
+      <p:nvGrpSpPr>
+        <p:cNvPr id="1" name=""/>
+        <p:cNvGrpSpPr/>
+        <p:nvPr/>
+      </p:nvGrpSpPr>
+      <p:grpSpPr>
+        <a:xfrm>
+          <a:off x="0" y="0"/>
+          <a:ext cx="0" cy="0"/>
+          <a:chOff x="0" y="0"/>
+          <a:chExt cx="0" cy="0"/>
+        </a:xfrm>
+      </p:grpSpPr>
+      <p:sp>
+        <p:nvSpPr>
+          <p:cNvPr id="2" name="Заголовок 1"/>
+          <p:cNvSpPr>
+            <a:spLocks noGrp="1"/>
+          </p:cNvSpPr>
+          <p:nvPr>
+            <p:ph type="title"/>
+          </p:nvPr>
+        </p:nvSpPr>
+        <p:spPr/>
+        <p:txBody>
+          <a:bodyPr/>
+          <a:lstStyle/>
+          <a:p>
+            <a:r>
+              <a:rPr lang="ru-RU" dirty="0" smtClean="0"/>
+              <a:t>Пути улучшения, зависимые от процесса</a:t>
+            </a:r>
+            <a:endParaRPr lang="ru-RU" dirty="0"/>
+          </a:p>
+        </p:txBody>
+      </p:sp>
+      <p:sp>
+        <p:nvSpPr>
+          <p:cNvPr id="3" name="Объект 2"/>
+          <p:cNvSpPr>
+            <a:spLocks noGrp="1"/>
+          </p:cNvSpPr>
+          <p:nvPr>
+            <p:ph idx="1"/>
+          </p:nvPr>
+        </p:nvSpPr>
+        <p:spPr/>
+        <p:txBody>
+          <a:bodyPr>
+            <a:normAutofit/>
+          </a:bodyPr>
+          <a:lstStyle/>
+          <a:p>
+            <a:r>
+              <a:rPr lang="ru-RU" dirty="0" smtClean="0"/>
+              <a:t>Добавлять в признаки значения </a:t>
+            </a:r>
+            <a:r>
+              <a:rPr lang="ru-RU" dirty="0" err="1" smtClean="0"/>
+              <a:t>уставок</a:t>
+            </a:r>
+            <a:r>
+              <a:rPr lang="ru-RU" dirty="0" smtClean="0"/>
+              <a:t> и режимов</a:t>
+            </a:r>
+            <a:endParaRPr lang="ru-RU" dirty="0"/>
+          </a:p>
+          <a:p>
+            <a:r>
+              <a:rPr lang="ru-RU" dirty="0" smtClean="0"/>
+              <a:t>Генерировать новые признаки по физическому смыслу</a:t>
+            </a:r>
+          </a:p>
+          <a:p>
+            <a:r>
+              <a:rPr lang="ru-RU" dirty="0" smtClean="0"/>
+              <a:t>Генерировать новые признаки по статистической значимости, если есть примеры аномалий</a:t>
+            </a:r>
+          </a:p>
+          <a:p>
+            <a:r>
+              <a:rPr lang="ru-RU" dirty="0" err="1" smtClean="0"/>
+              <a:t>Ансамблировать</a:t>
+            </a:r>
+            <a:r>
+              <a:rPr lang="ru-RU" dirty="0" smtClean="0"/>
+              <a:t> предсказания с </a:t>
+            </a:r>
+            <a:r>
+              <a:rPr lang="ru-RU" dirty="0"/>
+              <a:t>автоматически </a:t>
+            </a:r>
+            <a:r>
+              <a:rPr lang="ru-RU" dirty="0" smtClean="0"/>
+              <a:t>подбираемыми весами</a:t>
+            </a:r>
+            <a:r>
+              <a:rPr lang="ru-RU" dirty="0"/>
+              <a:t> (линейный </a:t>
+            </a:r>
+            <a:r>
+              <a:rPr lang="ru-RU" dirty="0" smtClean="0"/>
+              <a:t>классификатор), если есть примеры аномалий</a:t>
+            </a:r>
+            <a:endParaRPr lang="en-US" dirty="0" smtClean="0"/>
+          </a:p>
+        </p:txBody>
+      </p:sp>
+    </p:spTree>
+    <p:extLst>
+      <p:ext uri="{BB962C8B-B14F-4D97-AF65-F5344CB8AC3E}">
+        <p14:creationId xmlns:p14="http://schemas.microsoft.com/office/powerpoint/2010/main" val="1667980215"/>
+      </p:ext>
+    </p:extLst>
+  </p:cSld>
+  <p:clrMapOvr>
+    <a:masterClrMapping/>
+  </p:clrMapOvr>
+</p:sld>
+</file>
+
+<file path=ppt/slides/slide28.xml><?xml version="1.0" encoding="utf-8"?>
+<p:sld xmlns:a="http://schemas.openxmlformats.org/drawingml/2006/main" xmlns:r="http://schemas.openxmlformats.org/officeDocument/2006/relationships" xmlns:p="http://schemas.openxmlformats.org/presentationml/2006/main">
+  <p:cSld>
+    <p:spTree>
+      <p:nvGrpSpPr>
+        <p:cNvPr id="1" name=""/>
+        <p:cNvGrpSpPr/>
+        <p:nvPr/>
+      </p:nvGrpSpPr>
+      <p:grpSpPr>
+        <a:xfrm>
+          <a:off x="0" y="0"/>
+          <a:ext cx="0" cy="0"/>
+          <a:chOff x="0" y="0"/>
+          <a:chExt cx="0" cy="0"/>
+        </a:xfrm>
+      </p:grpSpPr>
+      <p:sp>
+        <p:nvSpPr>
+          <p:cNvPr id="4" name="Заголовок 3"/>
+          <p:cNvSpPr>
+            <a:spLocks noGrp="1"/>
+          </p:cNvSpPr>
+          <p:nvPr>
+            <p:ph type="ctrTitle"/>
+          </p:nvPr>
+        </p:nvSpPr>
+        <p:spPr/>
+        <p:txBody>
+          <a:bodyPr/>
+          <a:lstStyle/>
+          <a:p>
+            <a:r>
+              <a:rPr lang="ru-RU" dirty="0" smtClean="0"/>
+              <a:t>Спасибо за внимание</a:t>
+            </a:r>
+            <a:endParaRPr lang="ru-RU" dirty="0"/>
+          </a:p>
+        </p:txBody>
+      </p:sp>
+      <p:sp>
+        <p:nvSpPr>
+          <p:cNvPr id="5" name="Подзаголовок 4"/>
+          <p:cNvSpPr>
+            <a:spLocks noGrp="1"/>
+          </p:cNvSpPr>
+          <p:nvPr>
+            <p:ph type="subTitle" idx="1"/>
+          </p:nvPr>
+        </p:nvSpPr>
+        <p:spPr/>
+        <p:txBody>
+          <a:bodyPr/>
+          <a:lstStyle/>
+          <a:p>
+            <a:r>
+              <a:rPr lang="ru-RU" dirty="0" smtClean="0"/>
+              <a:t> </a:t>
+            </a:r>
+            <a:endParaRPr lang="ru-RU" dirty="0"/>
+          </a:p>
+        </p:txBody>
+      </p:sp>
+    </p:spTree>
+    <p:extLst>
+      <p:ext uri="{BB962C8B-B14F-4D97-AF65-F5344CB8AC3E}">
+        <p14:creationId xmlns:p14="http://schemas.microsoft.com/office/powerpoint/2010/main" val="837095199"/>
+      </p:ext>
+    </p:extLst>
+  </p:cSld>
+  <p:clrMapOvr>
+    <a:masterClrMapping/>
+  </p:clrMapOvr>
+</p:sld>
+</file>
+
 <file path=ppt/slides/slide3.xml><?xml version="1.0" encoding="utf-8"?>
 <p:sld xmlns:a="http://schemas.openxmlformats.org/drawingml/2006/main" xmlns:r="http://schemas.openxmlformats.org/officeDocument/2006/relationships" xmlns:p="http://schemas.openxmlformats.org/presentationml/2006/main">
   <p:cSld>
@@ -5807,7 +7260,15 @@
           <a:p>
             <a:r>
               <a:rPr lang="ru-RU" dirty="0" smtClean="0"/>
-              <a:t>Измеряемые значения (датчики) и управляющие воздействия (</a:t>
+              <a:t>Измеряемые значения (датчики) </a:t>
+            </a:r>
+            <a:r>
+              <a:rPr lang="ru-RU" dirty="0" smtClean="0"/>
+              <a:t>и </a:t>
+            </a:r>
+            <a:r>
+              <a:rPr lang="ru-RU" dirty="0" smtClean="0"/>
+              <a:t>управляющие воздействия (</a:t>
             </a:r>
             <a:r>
               <a:rPr lang="ru-RU" dirty="0" err="1" smtClean="0"/>
@@ -5923,7 +7384,7 @@
             </a:br>
             <a:r>
               <a:rPr lang="ru-RU" dirty="0" smtClean="0"/>
-              <a:t>- регулирующие узлы (давления, температуры и т.д.)</a:t>
+              <a:t>- регулирующие узлы</a:t>
             </a:r>
             <a:br>
               <a:rPr lang="ru-RU" dirty="0" smtClean="0"/>
@@ -5937,7 +7398,7 @@
             </a:br>
             <a:r>
               <a:rPr lang="ru-RU" dirty="0" smtClean="0"/>
-              <a:t>- процессы подготовки (воды, сжатого воздуха и т.д.)</a:t>
+              <a:t>- процессы подготовки</a:t>
             </a:r>
           </a:p>
           <a:p>
@@ -5949,13 +7410,13 @@
           <a:p>
             <a:r>
               <a:rPr lang="ru-RU" dirty="0" smtClean="0"/>
-              <a:t>Достаточно важны, чтобы исправность была важна</a:t>
-            </a:r>
-          </a:p>
-          <a:p>
-            <a:r>
-              <a:rPr lang="ru-RU" dirty="0" smtClean="0"/>
-              <a:t>Не требуется мгновенная реакция, но задержка играет роль</a:t>
+              <a:t>Достаточно важны, чтобы следить за исправностью</a:t>
+            </a:r>
+          </a:p>
+          <a:p>
+            <a:r>
+              <a:rPr lang="ru-RU" dirty="0" smtClean="0"/>
+              <a:t>Не требуется мгновенная реакция, но задержка имеет значение</a:t>
             </a:r>
             <a:endParaRPr lang="ru-RU" dirty="0"/>
           </a:p>
@@ -6046,19 +7507,15 @@
                 </a:r>
                 <a:r>
                   <a:rPr lang="en-US" dirty="0" smtClean="0"/>
-                  <a:t>precision) – </a:t>
+                  <a:t>precision</a:t>
+                </a:r>
+                <a:r>
+                  <a:rPr lang="ru-RU" dirty="0"/>
+                  <a:t>)</a:t>
                 </a:r>
                 <a:r>
                   <a:rPr lang="ru-RU" dirty="0" smtClean="0"/>
-                  <a:t>доля правильных предсказаний</a:t>
-                </a:r>
-                <a:r>
-                  <a:rPr lang="en-US" dirty="0" smtClean="0"/>
-                  <a:t> </a:t>
-                </a:r>
-                <a:r>
-                  <a:rPr lang="ru-RU" dirty="0" smtClean="0"/>
-                  <a:t>среди всех предсказаний</a:t>
+                  <a:t/>
                 </a:r>
                 <a:br>
                   <a:rPr lang="ru-RU" dirty="0" smtClean="0"/>
@@ -6069,19 +7526,11 @@
                 </a:r>
                 <a:r>
                   <a:rPr lang="en-US" dirty="0" smtClean="0"/>
-                  <a:t> (recall) – </a:t>
+                  <a:t> (recall)</a:t>
                 </a:r>
                 <a:r>
                   <a:rPr lang="ru-RU" dirty="0" smtClean="0"/>
-                  <a:t>доля правильных предсказаний</a:t>
-                </a:r>
-                <a:r>
-                  <a:rPr lang="en-US" dirty="0" smtClean="0"/>
-                  <a:t> </a:t>
-                </a:r>
-                <a:r>
-                  <a:rPr lang="ru-RU" dirty="0" smtClean="0"/>
-                  <a:t>среди всех аномалий</a:t>
+                  <a:t/>
                 </a:r>
                 <a:br>
                   <a:rPr lang="ru-RU" dirty="0" smtClean="0"/>
@@ -6110,8 +7559,59 @@
                 </a:r>
                 <a:r>
                   <a:rPr lang="ru-RU" dirty="0" smtClean="0"/>
-                  <a:t>мера: наибольшая область определения, усредненная, можно сместить баланс</a:t>
+                  <a:t>мера: </a:t>
                 </a:r>
+                <a:br>
+                  <a:rPr lang="ru-RU" dirty="0" smtClean="0"/>
+                </a:br>
+                <a:r>
+                  <a:rPr lang="ru-RU" dirty="0" smtClean="0"/>
+                  <a:t>- наибольшая область определения</a:t>
+                </a:r>
+                <a:br>
+                  <a:rPr lang="ru-RU" dirty="0" smtClean="0"/>
+                </a:br>
+                <a:r>
+                  <a:rPr lang="ru-RU" dirty="0" smtClean="0"/>
+                  <a:t>- среднее, но не среднеарифметическое</a:t>
+                </a:r>
+                <a:r>
+                  <a:rPr lang="ru-RU" dirty="0"/>
+                  <a:t/>
+                </a:r>
+                <a:br>
+                  <a:rPr lang="ru-RU" dirty="0"/>
+                </a:br>
+                <a:r>
+                  <a:rPr lang="ru-RU" dirty="0" smtClean="0"/>
+                  <a:t>- можно сместить баланс (</a:t>
+                </a:r>
+                <a:r>
+                  <a:rPr lang="en-US" dirty="0" smtClean="0"/>
+                  <a:t>F</a:t>
+                </a:r>
+                <a:r>
+                  <a:rPr lang="el-GR" dirty="0" smtClean="0">
+                    <a:latin typeface="Calibri" panose="020F0502020204030204" pitchFamily="34" charset="0"/>
+                    <a:cs typeface="Calibri" panose="020F0502020204030204" pitchFamily="34" charset="0"/>
+                  </a:rPr>
+                  <a:t>β</a:t>
+                </a:r>
+                <a:r>
+                  <a:rPr lang="en-US" dirty="0" smtClean="0">
+                    <a:latin typeface="Calibri" panose="020F0502020204030204" pitchFamily="34" charset="0"/>
+                    <a:cs typeface="Calibri" panose="020F0502020204030204" pitchFamily="34" charset="0"/>
+                  </a:rPr>
+                  <a:t>-</a:t>
+                </a:r>
+                <a:r>
+                  <a:rPr lang="ru-RU" dirty="0" smtClean="0">
+                    <a:latin typeface="Calibri" panose="020F0502020204030204" pitchFamily="34" charset="0"/>
+                    <a:cs typeface="Calibri" panose="020F0502020204030204" pitchFamily="34" charset="0"/>
+                  </a:rPr>
+                  <a:t>мера)</a:t>
+                </a:r>
+                <a:endParaRPr lang="ru-RU" dirty="0" smtClean="0"/>
               </a:p>
               <a:p>
                 <a:pPr marL="0" indent="0">
@@ -6264,7 +7764,7 @@
               <a:blipFill rotWithShape="0">
                 <a:blip r:embed="rId2"/>
                 <a:stretch>
-                  <a:fillRect l="-1043" t="-3081" r="-1043"/>
+                  <a:fillRect l="-1043" t="-3081"/>
                 </a:stretch>
               </a:blipFill>
             </p:spPr>
@@ -6351,9 +7851,18 @@
           <a:bodyPr/>
           <a:lstStyle/>
           <a:p>
-            <a:r>
-              <a:rPr lang="ru-RU" dirty="0" smtClean="0"/>
-              <a:t>Данные делятся на интервалы (15 минут по умолчанию)</a:t>
+            <a:pPr marL="0" indent="0">
+              <a:buNone/>
+            </a:pPr>
+            <a:r>
+              <a:rPr lang="ru-RU" dirty="0" smtClean="0"/>
+              <a:t>Чтобы учесть влияние задержки обнаружения и приблизить к возможному применению:</a:t>
+            </a:r>
+          </a:p>
+          <a:p>
+            <a:r>
+              <a:rPr lang="ru-RU" dirty="0" smtClean="0"/>
+              <a:t>Временной ряд делится на интервалы (по 15 минут)</a:t>
             </a:r>
           </a:p>
           <a:p>
@@ -6373,13 +7882,13 @@
           <a:p>
             <a:r>
               <a:rPr lang="ru-RU" dirty="0" smtClean="0"/>
-              <a:t>Метрика считается для временного ряда</a:t>
-            </a:r>
-          </a:p>
-          <a:p>
-            <a:r>
-              <a:rPr lang="ru-RU" dirty="0" smtClean="0"/>
-              <a:t>Метрика усредняется по набору временных рядов</a:t>
+              <a:t>Метрика считается для всего временного ряда</a:t>
+            </a:r>
+          </a:p>
+          <a:p>
+            <a:r>
+              <a:rPr lang="ru-RU" dirty="0" smtClean="0"/>
+              <a:t>Метрика усредняется по всем временным рядам</a:t>
             </a:r>
             <a:endParaRPr lang="ru-RU" dirty="0"/>
           </a:p>
@@ -6448,14 +7957,14 @@
             <p:ph idx="1"/>
             <p:extLst>
               <p:ext uri="{D42A27DB-BD31-4B8C-83A1-F6EECF244321}">
-                <p14:modId xmlns:p14="http://schemas.microsoft.com/office/powerpoint/2010/main" val="1003502827"/>
+                <p14:modId xmlns:p14="http://schemas.microsoft.com/office/powerpoint/2010/main" val="2397506237"/>
               </p:ext>
             </p:extLst>
           </p:nvPr>
         </p:nvGraphicFramePr>
         <p:xfrm>
           <a:off x="838200" y="1825625"/>
-          <a:ext cx="10515600" cy="4216400"/>
+          <a:ext cx="10515600" cy="4587240"/>
         </p:xfrm>
         <a:graphic>
           <a:graphicData uri="http://schemas.openxmlformats.org/drawingml/2006/table">
@@ -6691,7 +8200,7 @@
                     <a:p>
                       <a:r>
                         <a:rPr lang="ru-RU" dirty="0" smtClean="0"/>
-                        <a:t>Моделирование</a:t>
+                        <a:t>Симуляция</a:t>
                       </a:r>
                       <a:endParaRPr lang="ru-RU" dirty="0"/>
                     </a:p>
@@ -6705,7 +8214,7 @@
                     <a:p>
                       <a:r>
                         <a:rPr lang="ru-RU" dirty="0" smtClean="0"/>
-                        <a:t>Моделирование</a:t>
+                        <a:t>Симуляция</a:t>
                       </a:r>
                       <a:endParaRPr lang="ru-RU" dirty="0"/>
                     </a:p>
@@ -6719,7 +8228,7 @@
                     <a:p>
                       <a:r>
                         <a:rPr lang="ru-RU" dirty="0" smtClean="0"/>
-                        <a:t>Моделирование</a:t>
+                        <a:t>Симуляция</a:t>
                       </a:r>
                       <a:endParaRPr lang="ru-RU" dirty="0"/>
                     </a:p>
@@ -6753,7 +8262,7 @@
                     <a:p>
                       <a:r>
                         <a:rPr lang="ru-RU" dirty="0" smtClean="0"/>
-                        <a:t>Признаки</a:t>
+                        <a:t>Переменные</a:t>
                       </a:r>
                       <a:endParaRPr lang="ru-RU" dirty="0"/>
                     </a:p>
@@ -6780,6 +8289,34 @@
                     <a:lstStyle/>
                     <a:p>
                       <a:r>
+                        <a:rPr lang="en-US" dirty="0" smtClean="0"/>
+                        <a:t>52</a:t>
+                      </a:r>
+                      <a:endParaRPr lang="ru-RU" dirty="0"/>
+                    </a:p>
+                  </a:txBody>
+                  <a:tcPr/>
+                </a:tc>
+                <a:tc>
+                  <a:txBody>
+                    <a:bodyPr/>
+                    <a:lstStyle/>
+                    <a:p>
+                      <a:r>
+                        <a:rPr lang="en-US" dirty="0" smtClean="0"/>
+                        <a:t>53</a:t>
+                      </a:r>
+                      <a:endParaRPr lang="ru-RU" dirty="0"/>
+                    </a:p>
+                  </a:txBody>
+                  <a:tcPr/>
+                </a:tc>
+                <a:tc>
+                  <a:txBody>
+                    <a:bodyPr/>
+                    <a:lstStyle/>
+                    <a:p>
+                      <a:r>
                         <a:rPr lang="ru-RU" dirty="0" smtClean="0"/>
                         <a:t>51</a:t>
                       </a:r>
@@ -6788,6 +8325,8 @@
                   </a:txBody>
                   <a:tcPr/>
                 </a:tc>
+              </a:tr>
+              <a:tr h="370840">
                 <a:tc>
                   <a:txBody>
                     <a:bodyPr/>
@@ -6795,7 +8334,7 @@
                     <a:p>
                       <a:r>
                         <a:rPr lang="ru-RU" dirty="0" smtClean="0"/>
-                        <a:t>52</a:t>
+                        <a:t>Период</a:t>
                       </a:r>
                       <a:endParaRPr lang="ru-RU" dirty="0"/>
                     </a:p>
@@ -6809,7 +8348,49 @@
                     <a:p>
                       <a:r>
                         <a:rPr lang="ru-RU" dirty="0" smtClean="0"/>
-                        <a:t>51</a:t>
+                        <a:t>1 минута</a:t>
+                      </a:r>
+                      <a:endParaRPr lang="ru-RU" dirty="0"/>
+                    </a:p>
+                  </a:txBody>
+                  <a:tcPr/>
+                </a:tc>
+                <a:tc>
+                  <a:txBody>
+                    <a:bodyPr/>
+                    <a:lstStyle/>
+                    <a:p>
+                      <a:r>
+                        <a:rPr lang="ru-RU" dirty="0" smtClean="0"/>
+                        <a:t>3 минуты</a:t>
+                      </a:r>
+                      <a:endParaRPr lang="ru-RU" dirty="0"/>
+                    </a:p>
+                  </a:txBody>
+                  <a:tcPr/>
+                </a:tc>
+                <a:tc>
+                  <a:txBody>
+                    <a:bodyPr/>
+                    <a:lstStyle/>
+                    <a:p>
+                      <a:r>
+                        <a:rPr lang="ru-RU" dirty="0" smtClean="0"/>
+                        <a:t>1 минута</a:t>
+                      </a:r>
+                      <a:endParaRPr lang="ru-RU" dirty="0"/>
+                    </a:p>
+                  </a:txBody>
+                  <a:tcPr/>
+                </a:tc>
+                <a:tc>
+                  <a:txBody>
+                    <a:bodyPr/>
+                    <a:lstStyle/>
+                    <a:p>
+                      <a:r>
+                        <a:rPr lang="ru-RU" dirty="0" smtClean="0"/>
+                        <a:t>1 минута</a:t>
                       </a:r>
                       <a:endParaRPr lang="ru-RU" dirty="0"/>
                     </a:p>
@@ -7138,38 +8719,66 @@
           <a:p>
             <a:r>
               <a:rPr lang="ru-RU" dirty="0" smtClean="0"/>
-              <a:t>Как выглядят процессы?</a:t>
+              <a:t>Посмотрим на </a:t>
+            </a:r>
+            <a:r>
+              <a:rPr lang="en-US" dirty="0" smtClean="0"/>
+              <a:t>GHL</a:t>
             </a:r>
             <a:endParaRPr lang="ru-RU" dirty="0"/>
           </a:p>
         </p:txBody>
       </p:sp>
-      <p:sp>
-        <p:nvSpPr>
-          <p:cNvPr id="3" name="Объект 2"/>
-          <p:cNvSpPr>
-            <a:spLocks noGrp="1"/>
-          </p:cNvSpPr>
+      <p:pic>
+        <p:nvPicPr>
+          <p:cNvPr id="4" name="Объект 3"/>
+          <p:cNvPicPr>
+            <a:picLocks noGrp="1" noChangeAspect="1"/>
+          </p:cNvPicPr>
           <p:nvPr>
             <p:ph idx="1"/>
           </p:nvPr>
-        </p:nvSpPr>
-        <p:spPr/>
-        <p:txBody>
-          <a:bodyPr/>
-          <a:lstStyle/>
-          <a:p>
-            <a:pPr marL="0" indent="0">
-              <a:buNone/>
-            </a:pPr>
-            <a:r>
-              <a:rPr lang="ru-RU" dirty="0" smtClean="0"/>
-              <a:t>Здесь будет несколько картинок</a:t>
-            </a:r>
-            <a:endParaRPr lang="ru-RU" dirty="0"/>
-          </a:p>
-        </p:txBody>
-      </p:sp>
+        </p:nvPicPr>
+        <p:blipFill>
+          <a:blip r:embed="rId2"/>
+          <a:stretch>
+            <a:fillRect/>
+          </a:stretch>
+        </p:blipFill>
+        <p:spPr>
+          <a:xfrm>
+            <a:off x="2667926" y="1902319"/>
+            <a:ext cx="9163050" cy="4181475"/>
+          </a:xfrm>
+          <a:prstGeom prst="rect">
+            <a:avLst/>
+          </a:prstGeom>
+        </p:spPr>
+      </p:pic>
+      <p:pic>
+        <p:nvPicPr>
+          <p:cNvPr id="5" name="Рисунок 4"/>
+          <p:cNvPicPr>
+            <a:picLocks noChangeAspect="1"/>
+          </p:cNvPicPr>
+          <p:nvPr/>
+        </p:nvPicPr>
+        <p:blipFill>
+          <a:blip r:embed="rId3"/>
+          <a:stretch>
+            <a:fillRect/>
+          </a:stretch>
+        </p:blipFill>
+        <p:spPr>
+          <a:xfrm>
+            <a:off x="443427" y="2686822"/>
+            <a:ext cx="2224499" cy="2412400"/>
+          </a:xfrm>
+          <a:prstGeom prst="rect">
+            <a:avLst/>
+          </a:prstGeom>
+        </p:spPr>
+      </p:pic>
     </p:spTree>
     <p:extLst>
       <p:ext uri="{BB962C8B-B14F-4D97-AF65-F5344CB8AC3E}">
@@ -7217,116 +8826,46 @@
           <a:p>
             <a:r>
               <a:rPr lang="ru-RU" dirty="0" smtClean="0"/>
-              <a:t>Критерии выбора алгоритмов</a:t>
+              <a:t>Посмотрим на </a:t>
+            </a:r>
+            <a:r>
+              <a:rPr lang="en-US" dirty="0" smtClean="0"/>
+              <a:t>TEP</a:t>
             </a:r>
             <a:endParaRPr lang="ru-RU" dirty="0"/>
           </a:p>
         </p:txBody>
       </p:sp>
-      <p:sp>
-        <p:nvSpPr>
-          <p:cNvPr id="3" name="Объект 2"/>
-          <p:cNvSpPr>
-            <a:spLocks noGrp="1"/>
-          </p:cNvSpPr>
+      <p:pic>
+        <p:nvPicPr>
+          <p:cNvPr id="4" name="Объект 3"/>
+          <p:cNvPicPr>
+            <a:picLocks noGrp="1" noChangeAspect="1"/>
+          </p:cNvPicPr>
           <p:nvPr>
             <p:ph idx="1"/>
           </p:nvPr>
-        </p:nvSpPr>
-        <p:spPr/>
-        <p:txBody>
-          <a:bodyPr/>
-          <a:lstStyle/>
-          <a:p>
-            <a:r>
-              <a:rPr lang="ru-RU" dirty="0" smtClean="0"/>
-              <a:t>Быстродействие</a:t>
-            </a:r>
-            <a:r>
-              <a:rPr lang="en-US" dirty="0" smtClean="0"/>
-              <a:t> </a:t>
-            </a:r>
-            <a:r>
-              <a:rPr lang="ru-RU" dirty="0" smtClean="0"/>
-              <a:t>(алгоритма, доступной имплементации)</a:t>
-            </a:r>
-          </a:p>
-          <a:p>
-            <a:r>
-              <a:rPr lang="ru-RU" dirty="0" smtClean="0"/>
-              <a:t>Нетребовательность к ресурсам (</a:t>
-            </a:r>
-            <a:r>
-              <a:rPr lang="en-US" dirty="0" smtClean="0"/>
-              <a:t>CPU, RAM, HDD)</a:t>
-            </a:r>
-            <a:endParaRPr lang="ru-RU" dirty="0" smtClean="0"/>
-          </a:p>
-          <a:p>
-            <a:r>
-              <a:rPr lang="ru-RU" dirty="0" smtClean="0"/>
-              <a:t>Обучение по нескольким файлам</a:t>
-            </a:r>
-            <a:r>
-              <a:rPr lang="en-US" dirty="0" smtClean="0"/>
-              <a:t> (</a:t>
-            </a:r>
-            <a:r>
-              <a:rPr lang="en-US" dirty="0" err="1" smtClean="0"/>
-              <a:t>partial_fit</a:t>
-            </a:r>
-            <a:r>
-              <a:rPr lang="en-US" dirty="0" smtClean="0"/>
-              <a:t>, </a:t>
-            </a:r>
-            <a:r>
-              <a:rPr lang="en-US" dirty="0" err="1" smtClean="0"/>
-              <a:t>warm_start</a:t>
-            </a:r>
-            <a:r>
-              <a:rPr lang="en-US" dirty="0" smtClean="0"/>
-              <a:t> </a:t>
-            </a:r>
-            <a:r>
-              <a:rPr lang="ru-RU" dirty="0" smtClean="0"/>
-              <a:t>и т.п.</a:t>
-            </a:r>
-            <a:r>
-              <a:rPr lang="en-US" dirty="0" smtClean="0"/>
-              <a:t>)</a:t>
-            </a:r>
-            <a:endParaRPr lang="ru-RU" dirty="0" smtClean="0"/>
-          </a:p>
-          <a:p>
-            <a:r>
-              <a:rPr lang="ru-RU" dirty="0" smtClean="0"/>
-              <a:t>Возможность </a:t>
-            </a:r>
-            <a:r>
-              <a:rPr lang="ru-RU" dirty="0" err="1" smtClean="0"/>
-              <a:t>дообучения</a:t>
-            </a:r>
-            <a:endParaRPr lang="ru-RU" dirty="0" smtClean="0"/>
-          </a:p>
-          <a:p>
-            <a:r>
-              <a:rPr lang="ru-RU" dirty="0" smtClean="0"/>
-              <a:t>Хорошая работа с параметрами по умолчанию</a:t>
-            </a:r>
-          </a:p>
-          <a:p>
-            <a:r>
-              <a:rPr lang="ru-RU" dirty="0" smtClean="0"/>
-              <a:t>Интерпретируемость</a:t>
-            </a:r>
-            <a:endParaRPr lang="ru-RU" dirty="0"/>
-          </a:p>
-        </p:txBody>
-      </p:sp>
+        </p:nvPicPr>
+        <p:blipFill>
+          <a:blip r:embed="rId2"/>
+          <a:stretch>
+            <a:fillRect/>
+          </a:stretch>
+        </p:blipFill>
+        <p:spPr>
+          <a:xfrm>
+            <a:off x="2356140" y="1690688"/>
+            <a:ext cx="7051350" cy="4351338"/>
+          </a:xfrm>
+          <a:prstGeom prst="rect">
+            <a:avLst/>
+          </a:prstGeom>
+        </p:spPr>
+      </p:pic>
     </p:spTree>
     <p:extLst>
       <p:ext uri="{BB962C8B-B14F-4D97-AF65-F5344CB8AC3E}">
-        <p14:creationId xmlns:p14="http://schemas.microsoft.com/office/powerpoint/2010/main" val="718974540"/>
+        <p14:creationId xmlns:p14="http://schemas.microsoft.com/office/powerpoint/2010/main" val="207978538"/>
       </p:ext>
     </p:extLst>
   </p:cSld>

--- a/module_final/story.pptx
+++ b/module_final/story.pptx
@@ -270,7 +270,7 @@
           <a:p>
             <a:fld id="{6A4CA34F-5C27-433B-90D3-6F86F55972B7}" type="datetimeFigureOut">
               <a:rPr lang="ru-RU" smtClean="0"/>
-              <a:t>22.09.2022</a:t>
+              <a:t>29.09.2022</a:t>
             </a:fld>
             <a:endParaRPr lang="ru-RU"/>
           </a:p>
@@ -440,7 +440,7 @@
           <a:p>
             <a:fld id="{6A4CA34F-5C27-433B-90D3-6F86F55972B7}" type="datetimeFigureOut">
               <a:rPr lang="ru-RU" smtClean="0"/>
-              <a:t>22.09.2022</a:t>
+              <a:t>29.09.2022</a:t>
             </a:fld>
             <a:endParaRPr lang="ru-RU"/>
           </a:p>
@@ -620,7 +620,7 @@
           <a:p>
             <a:fld id="{6A4CA34F-5C27-433B-90D3-6F86F55972B7}" type="datetimeFigureOut">
               <a:rPr lang="ru-RU" smtClean="0"/>
-              <a:t>22.09.2022</a:t>
+              <a:t>29.09.2022</a:t>
             </a:fld>
             <a:endParaRPr lang="ru-RU"/>
           </a:p>
@@ -790,7 +790,7 @@
           <a:p>
             <a:fld id="{6A4CA34F-5C27-433B-90D3-6F86F55972B7}" type="datetimeFigureOut">
               <a:rPr lang="ru-RU" smtClean="0"/>
-              <a:t>22.09.2022</a:t>
+              <a:t>29.09.2022</a:t>
             </a:fld>
             <a:endParaRPr lang="ru-RU"/>
           </a:p>
@@ -1036,7 +1036,7 @@
           <a:p>
             <a:fld id="{6A4CA34F-5C27-433B-90D3-6F86F55972B7}" type="datetimeFigureOut">
               <a:rPr lang="ru-RU" smtClean="0"/>
-              <a:t>22.09.2022</a:t>
+              <a:t>29.09.2022</a:t>
             </a:fld>
             <a:endParaRPr lang="ru-RU"/>
           </a:p>
@@ -1268,7 +1268,7 @@
           <a:p>
             <a:fld id="{6A4CA34F-5C27-433B-90D3-6F86F55972B7}" type="datetimeFigureOut">
               <a:rPr lang="ru-RU" smtClean="0"/>
-              <a:t>22.09.2022</a:t>
+              <a:t>29.09.2022</a:t>
             </a:fld>
             <a:endParaRPr lang="ru-RU"/>
           </a:p>
@@ -1635,7 +1635,7 @@
           <a:p>
             <a:fld id="{6A4CA34F-5C27-433B-90D3-6F86F55972B7}" type="datetimeFigureOut">
               <a:rPr lang="ru-RU" smtClean="0"/>
-              <a:t>22.09.2022</a:t>
+              <a:t>29.09.2022</a:t>
             </a:fld>
             <a:endParaRPr lang="ru-RU"/>
           </a:p>
@@ -1753,7 +1753,7 @@
           <a:p>
             <a:fld id="{6A4CA34F-5C27-433B-90D3-6F86F55972B7}" type="datetimeFigureOut">
               <a:rPr lang="ru-RU" smtClean="0"/>
-              <a:t>22.09.2022</a:t>
+              <a:t>29.09.2022</a:t>
             </a:fld>
             <a:endParaRPr lang="ru-RU"/>
           </a:p>
@@ -1848,7 +1848,7 @@
           <a:p>
             <a:fld id="{6A4CA34F-5C27-433B-90D3-6F86F55972B7}" type="datetimeFigureOut">
               <a:rPr lang="ru-RU" smtClean="0"/>
-              <a:t>22.09.2022</a:t>
+              <a:t>29.09.2022</a:t>
             </a:fld>
             <a:endParaRPr lang="ru-RU"/>
           </a:p>
@@ -2125,7 +2125,7 @@
           <a:p>
             <a:fld id="{6A4CA34F-5C27-433B-90D3-6F86F55972B7}" type="datetimeFigureOut">
               <a:rPr lang="ru-RU" smtClean="0"/>
-              <a:t>22.09.2022</a:t>
+              <a:t>29.09.2022</a:t>
             </a:fld>
             <a:endParaRPr lang="ru-RU"/>
           </a:p>
@@ -2378,7 +2378,7 @@
           <a:p>
             <a:fld id="{6A4CA34F-5C27-433B-90D3-6F86F55972B7}" type="datetimeFigureOut">
               <a:rPr lang="ru-RU" smtClean="0"/>
-              <a:t>22.09.2022</a:t>
+              <a:t>29.09.2022</a:t>
             </a:fld>
             <a:endParaRPr lang="ru-RU"/>
           </a:p>
@@ -2591,7 +2591,7 @@
           <a:p>
             <a:fld id="{6A4CA34F-5C27-433B-90D3-6F86F55972B7}" type="datetimeFigureOut">
               <a:rPr lang="ru-RU" smtClean="0"/>
-              <a:t>22.09.2022</a:t>
+              <a:t>29.09.2022</a:t>
             </a:fld>
             <a:endParaRPr lang="ru-RU"/>
           </a:p>
@@ -3606,7 +3606,23 @@
           <a:p>
             <a:r>
               <a:rPr lang="ru-RU" dirty="0" smtClean="0"/>
-              <a:t>Ошибка представления:</a:t>
+              <a:t>Ошибка </a:t>
+            </a:r>
+            <a:r>
+              <a:rPr lang="ru-RU" dirty="0" smtClean="0"/>
+              <a:t>представления</a:t>
+            </a:r>
+            <a:r>
+              <a:rPr lang="en-US" dirty="0" smtClean="0"/>
+              <a:t> – </a:t>
+            </a:r>
+            <a:r>
+              <a:rPr lang="ru-RU" dirty="0" smtClean="0"/>
+              <a:t>обучение без учителя:</a:t>
+            </a:r>
+            <a:r>
+              <a:rPr lang="ru-RU" dirty="0" smtClean="0"/>
+              <a:t/>
             </a:r>
             <a:br>
               <a:rPr lang="ru-RU" dirty="0" smtClean="0"/>
@@ -3650,11 +3666,19 @@
           <a:p>
             <a:r>
               <a:rPr lang="ru-RU" dirty="0" smtClean="0"/>
-              <a:t>Ошибка предсказания</a:t>
+              <a:t>Ошибка </a:t>
+            </a:r>
+            <a:r>
+              <a:rPr lang="ru-RU" dirty="0" smtClean="0"/>
+              <a:t>предсказания – обучение с учителем</a:t>
             </a:r>
             <a:r>
               <a:rPr lang="en-US" dirty="0" smtClean="0"/>
               <a:t>:</a:t>
+            </a:r>
+            <a:r>
+              <a:rPr lang="en-US" dirty="0" smtClean="0"/>
+              <a:t/>
             </a:r>
             <a:br>
               <a:rPr lang="en-US" dirty="0" smtClean="0"/>
@@ -3756,6 +3780,10 @@
               <a:t>На </a:t>
             </a:r>
             <a:r>
+              <a:rPr lang="ru-RU" dirty="0" smtClean="0"/>
+              <a:t>симуляциях (</a:t>
+            </a:r>
+            <a:r>
               <a:rPr lang="en-US" dirty="0" smtClean="0"/>
               <a:t>GHL </a:t>
             </a:r>
@@ -3765,7 +3793,15 @@
             </a:r>
             <a:r>
               <a:rPr lang="en-US" dirty="0" smtClean="0"/>
-              <a:t>TEP:</a:t>
+              <a:t>TEP</a:t>
+            </a:r>
+            <a:r>
+              <a:rPr lang="ru-RU" dirty="0" smtClean="0"/>
+              <a:t>)</a:t>
+            </a:r>
+            <a:r>
+              <a:rPr lang="en-US" dirty="0" smtClean="0"/>
+              <a:t>:</a:t>
             </a:r>
             <a:endParaRPr lang="ru-RU" dirty="0" smtClean="0"/>
           </a:p>
@@ -3817,17 +3853,30 @@
               <a:t>На </a:t>
             </a:r>
             <a:r>
+              <a:rPr lang="ru-RU" dirty="0" smtClean="0"/>
+              <a:t>всех (</a:t>
+            </a:r>
+            <a:r>
               <a:rPr lang="en-US" dirty="0" smtClean="0"/>
-              <a:t>GHL, TEP, </a:t>
+              <a:t>GHL</a:t>
+            </a:r>
+            <a:r>
+              <a:rPr lang="en-US" dirty="0" smtClean="0"/>
+              <a:t>, TEP, </a:t>
             </a:r>
             <a:r>
               <a:rPr lang="en-US" dirty="0" err="1" smtClean="0"/>
               <a:t>SWaT</a:t>
             </a:r>
             <a:r>
+              <a:rPr lang="ru-RU" dirty="0" smtClean="0"/>
+              <a:t>)</a:t>
+            </a:r>
+            <a:r>
               <a:rPr lang="en-US" dirty="0" smtClean="0"/>
               <a:t>:</a:t>
             </a:r>
+            <a:endParaRPr lang="en-US" dirty="0" smtClean="0"/>
           </a:p>
           <a:p>
             <a:r>
@@ -4046,7 +4095,15 @@
           <a:p>
             <a:r>
               <a:rPr lang="ru-RU" dirty="0" smtClean="0"/>
-              <a:t>Считает квадратичную ошибку представления (</a:t>
+              <a:t>Считает </a:t>
+            </a:r>
+            <a:r>
+              <a:rPr lang="ru-RU" dirty="0" smtClean="0"/>
+              <a:t>среднюю квадратичную </a:t>
+            </a:r>
+            <a:r>
+              <a:rPr lang="ru-RU" dirty="0" smtClean="0"/>
+              <a:t>ошибку представления (</a:t>
             </a:r>
             <a:r>
               <a:rPr lang="en-US" dirty="0" smtClean="0"/>
@@ -4667,23 +4724,15 @@
             </a:r>
             <a:r>
               <a:rPr lang="ru-RU" dirty="0" smtClean="0"/>
-              <a:t> п</a:t>
-            </a:r>
-            <a:r>
-              <a:rPr lang="ru-RU" dirty="0" smtClean="0"/>
-              <a:t>о </a:t>
-            </a:r>
-            <a:r>
-              <a:rPr lang="ru-RU" dirty="0" smtClean="0"/>
-              <a:t>всем обучающим </a:t>
-            </a:r>
-            <a:r>
-              <a:rPr lang="ru-RU" dirty="0" smtClean="0"/>
-              <a:t>файла: изучение </a:t>
-            </a:r>
-            <a:r>
-              <a:rPr lang="ru-RU" dirty="0" smtClean="0"/>
-              <a:t>данных, подстройка параметров алгоритма под количество файлов, обучение </a:t>
+              <a:t> по всем обучающим </a:t>
+            </a:r>
+            <a:r>
+              <a:rPr lang="ru-RU" dirty="0" smtClean="0"/>
+              <a:t>файлам: </a:t>
+            </a:r>
+            <a:r>
+              <a:rPr lang="ru-RU" dirty="0" smtClean="0"/>
+              <a:t>изучение данных, подстройка параметров алгоритма под количество файлов, обучение </a:t>
             </a:r>
             <a:r>
               <a:rPr lang="ru-RU" dirty="0" err="1" smtClean="0"/>
@@ -4698,25 +4747,8 @@
             </a:pPr>
             <a:r>
               <a:rPr lang="ru-RU" dirty="0" smtClean="0"/>
-              <a:t>Обучение по </a:t>
-            </a:r>
-            <a:r>
-              <a:rPr lang="ru-RU" dirty="0" smtClean="0"/>
-              <a:t>всем обучающим </a:t>
-            </a:r>
-            <a:r>
-              <a:rPr lang="ru-RU" dirty="0" smtClean="0"/>
-              <a:t>файлам: обучение </a:t>
-            </a:r>
-            <a:r>
-              <a:rPr lang="ru-RU" dirty="0" smtClean="0"/>
-              <a:t>основного </a:t>
-            </a:r>
-            <a:r>
-              <a:rPr lang="ru-RU" dirty="0" smtClean="0"/>
-              <a:t>алгоритма представления/предсказания</a:t>
-            </a:r>
-            <a:endParaRPr lang="ru-RU" dirty="0" smtClean="0"/>
+              <a:t>Обучение по всем обучающим файлам: обучение основного алгоритма представления/предсказания</a:t>
+            </a:r>
           </a:p>
           <a:p>
             <a:pPr marL="514350" indent="-514350">
@@ -4729,23 +4761,7 @@
             </a:r>
             <a:r>
               <a:rPr lang="ru-RU" dirty="0" smtClean="0"/>
-              <a:t> по </a:t>
-            </a:r>
-            <a:r>
-              <a:rPr lang="ru-RU" dirty="0" smtClean="0"/>
-              <a:t>всем обучающим </a:t>
-            </a:r>
-            <a:r>
-              <a:rPr lang="ru-RU" dirty="0" smtClean="0"/>
-              <a:t>файлам: запоминание границ </a:t>
-            </a:r>
-            <a:r>
-              <a:rPr lang="ru-RU" dirty="0" smtClean="0"/>
-              <a:t>ошибок </a:t>
-            </a:r>
-            <a:r>
-              <a:rPr lang="ru-RU" dirty="0" smtClean="0"/>
-              <a:t>представления/предсказания</a:t>
+              <a:t> по всем обучающим файлам: запоминание границ ошибок представления/предсказания</a:t>
             </a:r>
             <a:endParaRPr lang="ru-RU" dirty="0"/>
           </a:p>
@@ -6736,6 +6752,17 @@
               <a:rPr lang="ru-RU" dirty="0" smtClean="0"/>
               <a:t>Собрал ансамбль методов, который можно использовать в реальной задаче</a:t>
             </a:r>
+          </a:p>
+          <a:p>
+            <a:r>
+              <a:rPr lang="ru-RU" dirty="0" smtClean="0"/>
+              <a:t>Выложил результаты в </a:t>
+            </a:r>
+            <a:r>
+              <a:rPr lang="ru-RU" dirty="0" err="1" smtClean="0"/>
+              <a:t>репозиторий</a:t>
+            </a:r>
+            <a:endParaRPr lang="ru-RU" dirty="0" smtClean="0"/>
           </a:p>
           <a:p>
             <a:endParaRPr lang="ru-RU" dirty="0"/>
@@ -7260,15 +7287,7 @@
           <a:p>
             <a:r>
               <a:rPr lang="ru-RU" dirty="0" smtClean="0"/>
-              <a:t>Измеряемые значения (датчики) </a:t>
-            </a:r>
-            <a:r>
-              <a:rPr lang="ru-RU" dirty="0" smtClean="0"/>
-              <a:t>и </a:t>
-            </a:r>
-            <a:r>
-              <a:rPr lang="ru-RU" dirty="0" smtClean="0"/>
-              <a:t>управляющие воздействия (</a:t>
+              <a:t>Измеряемые значения (датчики) и управляющие воздействия (</a:t>
             </a:r>
             <a:r>
               <a:rPr lang="ru-RU" dirty="0" err="1" smtClean="0"/>
@@ -7941,7 +7960,7 @@
           <a:p>
             <a:r>
               <a:rPr lang="ru-RU" dirty="0" smtClean="0"/>
-              <a:t>Данные</a:t>
+              <a:t>Данные после обработки</a:t>
             </a:r>
             <a:endParaRPr lang="ru-RU" dirty="0"/>
           </a:p>
@@ -7957,7 +7976,7 @@
             <p:ph idx="1"/>
             <p:extLst>
               <p:ext uri="{D42A27DB-BD31-4B8C-83A1-F6EECF244321}">
-                <p14:modId xmlns:p14="http://schemas.microsoft.com/office/powerpoint/2010/main" val="2397506237"/>
+                <p14:modId xmlns:p14="http://schemas.microsoft.com/office/powerpoint/2010/main" val="32301354"/>
               </p:ext>
             </p:extLst>
           </p:nvPr>
@@ -8580,7 +8599,15 @@
                     <a:p>
                       <a:r>
                         <a:rPr lang="en-US" dirty="0" smtClean="0"/>
-                        <a:t>1 x 150 </a:t>
+                        <a:t>6 </a:t>
+                      </a:r>
+                      <a:r>
+                        <a:rPr lang="en-US" dirty="0" smtClean="0"/>
+                        <a:t>x </a:t>
+                      </a:r>
+                      <a:r>
+                        <a:rPr lang="en-US" dirty="0" smtClean="0"/>
+                        <a:t>25 </a:t>
                       </a:r>
                       <a:r>
                         <a:rPr lang="ru-RU" dirty="0" smtClean="0"/>
